--- a/lab_3/Figures.pptx
+++ b/lab_3/Figures.pptx
@@ -5,10 +5,11 @@
     <p:sldMasterId id="2147483648" r:id="rId1"/>
   </p:sldMasterIdLst>
   <p:notesMasterIdLst>
-    <p:notesMasterId r:id="rId3"/>
+    <p:notesMasterId r:id="rId4"/>
   </p:notesMasterIdLst>
   <p:sldIdLst>
     <p:sldId id="256" r:id="rId2"/>
+    <p:sldId id="257" r:id="rId3"/>
   </p:sldIdLst>
   <p:sldSz cx="12192000" cy="6858000"/>
   <p:notesSz cx="6858000" cy="9144000"/>
@@ -3401,222 +3402,1515 @@
           <a:chExt cx="0" cy="0"/>
         </a:xfrm>
       </p:grpSpPr>
-      <p:sp>
-        <p:nvSpPr>
-          <p:cNvPr id="4" name="Rectangle 3"/>
-          <p:cNvSpPr/>
-          <p:nvPr/>
-        </p:nvSpPr>
-        <p:spPr>
-          <a:xfrm>
-            <a:off x="973862" y="1389855"/>
-            <a:ext cx="6851737" cy="4572000"/>
-          </a:xfrm>
-          <a:prstGeom prst="rect">
-            <a:avLst/>
-          </a:prstGeom>
-          <a:gradFill flip="none" rotWithShape="1">
-            <a:gsLst>
-              <a:gs pos="99000">
-                <a:schemeClr val="accent6">
-                  <a:lumMod val="60000"/>
-                  <a:lumOff val="40000"/>
-                  <a:alpha val="89000"/>
-                </a:schemeClr>
-              </a:gs>
-              <a:gs pos="67000">
-                <a:schemeClr val="accent6">
-                  <a:lumMod val="40000"/>
-                  <a:lumOff val="60000"/>
-                  <a:alpha val="67000"/>
-                </a:schemeClr>
-              </a:gs>
-              <a:gs pos="17000">
-                <a:schemeClr val="accent6">
-                  <a:lumMod val="20000"/>
-                  <a:lumOff val="80000"/>
-                  <a:alpha val="31000"/>
-                </a:schemeClr>
-              </a:gs>
-            </a:gsLst>
-            <a:path path="circle">
-              <a:fillToRect l="50000" t="50000" r="50000" b="50000"/>
-            </a:path>
-            <a:tileRect/>
-          </a:gradFill>
-          <a:ln>
-            <a:solidFill>
-              <a:schemeClr val="tx1"/>
-            </a:solidFill>
-            <a:prstDash val="dash"/>
-          </a:ln>
-        </p:spPr>
-        <p:style>
-          <a:lnRef idx="2">
-            <a:schemeClr val="accent1">
-              <a:shade val="50000"/>
-            </a:schemeClr>
-          </a:lnRef>
-          <a:fillRef idx="1">
-            <a:schemeClr val="accent1"/>
-          </a:fillRef>
-          <a:effectRef idx="0">
-            <a:schemeClr val="accent1"/>
-          </a:effectRef>
-          <a:fontRef idx="minor">
-            <a:schemeClr val="lt1"/>
-          </a:fontRef>
-        </p:style>
-        <p:txBody>
-          <a:bodyPr rtlCol="0" anchor="ctr"/>
-          <a:lstStyle/>
-          <a:p>
-            <a:pPr algn="ctr"/>
-            <a:endParaRPr lang="en-US" sz="2800" dirty="0">
-              <a:solidFill>
-                <a:schemeClr val="bg1"/>
-              </a:solidFill>
-              <a:latin typeface="Helvetica" charset="0"/>
-              <a:ea typeface="Helvetica" charset="0"/>
-              <a:cs typeface="Helvetica" charset="0"/>
-            </a:endParaRPr>
-          </a:p>
-        </p:txBody>
-      </p:sp>
-      <p:cxnSp>
-        <p:nvCxnSpPr>
-          <p:cNvPr id="55" name="Straight Arrow Connector 54"/>
-          <p:cNvCxnSpPr/>
-          <p:nvPr/>
-        </p:nvCxnSpPr>
-        <p:spPr>
-          <a:xfrm flipH="1" flipV="1">
-            <a:off x="4958128" y="1549632"/>
-            <a:ext cx="726342" cy="1945018"/>
-          </a:xfrm>
-          <a:prstGeom prst="straightConnector1">
-            <a:avLst/>
-          </a:prstGeom>
-          <a:ln w="22225">
-            <a:solidFill>
-              <a:srgbClr val="FF0000"/>
-            </a:solidFill>
-            <a:headEnd w="lg" len="lg"/>
-            <a:tailEnd type="triangle" w="lg" len="lg"/>
-          </a:ln>
-        </p:spPr>
-        <p:style>
-          <a:lnRef idx="1">
-            <a:schemeClr val="accent1"/>
-          </a:lnRef>
-          <a:fillRef idx="0">
-            <a:schemeClr val="accent1"/>
-          </a:fillRef>
-          <a:effectRef idx="0">
-            <a:schemeClr val="accent1"/>
-          </a:effectRef>
-          <a:fontRef idx="minor">
-            <a:schemeClr val="tx1"/>
-          </a:fontRef>
-        </p:style>
-      </p:cxnSp>
-      <p:cxnSp>
-        <p:nvCxnSpPr>
-          <p:cNvPr id="50" name="Straight Arrow Connector 49"/>
-          <p:cNvCxnSpPr/>
-          <p:nvPr/>
-        </p:nvCxnSpPr>
-        <p:spPr>
-          <a:xfrm flipV="1">
-            <a:off x="4193826" y="3920244"/>
-            <a:ext cx="1122790" cy="1416142"/>
-          </a:xfrm>
-          <a:prstGeom prst="straightConnector1">
-            <a:avLst/>
-          </a:prstGeom>
-          <a:ln w="22225">
-            <a:solidFill>
-              <a:srgbClr val="FF0000"/>
-            </a:solidFill>
-            <a:headEnd w="lg" len="lg"/>
-            <a:tailEnd type="triangle" w="lg" len="lg"/>
-          </a:ln>
-        </p:spPr>
-        <p:style>
-          <a:lnRef idx="1">
-            <a:schemeClr val="accent1"/>
-          </a:lnRef>
-          <a:fillRef idx="0">
-            <a:schemeClr val="accent1"/>
-          </a:fillRef>
-          <a:effectRef idx="0">
-            <a:schemeClr val="accent1"/>
-          </a:effectRef>
-          <a:fontRef idx="minor">
-            <a:schemeClr val="tx1"/>
-          </a:fontRef>
-        </p:style>
-      </p:cxnSp>
       <p:grpSp>
         <p:nvGrpSpPr>
-          <p:cNvPr id="10" name="Group 9"/>
+          <p:cNvPr id="89" name="Group 88"/>
           <p:cNvGrpSpPr/>
           <p:nvPr/>
         </p:nvGrpSpPr>
         <p:grpSpPr>
-          <a:xfrm rot="2415855">
-            <a:off x="4063488" y="4392940"/>
-            <a:ext cx="986119" cy="914400"/>
-            <a:chOff x="7799294" y="2148828"/>
-            <a:chExt cx="986119" cy="914400"/>
+          <a:xfrm>
+            <a:off x="155722" y="425356"/>
+            <a:ext cx="7927661" cy="6049022"/>
+            <a:chOff x="113680" y="404335"/>
+            <a:chExt cx="7927661" cy="6049022"/>
           </a:xfrm>
         </p:grpSpPr>
+        <p:sp>
+          <p:nvSpPr>
+            <p:cNvPr id="87" name="TextBox 86"/>
+            <p:cNvSpPr txBox="1"/>
+            <p:nvPr/>
+          </p:nvSpPr>
+          <p:spPr>
+            <a:xfrm>
+              <a:off x="416859" y="1008529"/>
+              <a:ext cx="7624482" cy="5432612"/>
+            </a:xfrm>
+            <a:prstGeom prst="rect">
+              <a:avLst/>
+            </a:prstGeom>
+            <a:solidFill>
+              <a:schemeClr val="bg1"/>
+            </a:solidFill>
+          </p:spPr>
+          <p:txBody>
+            <a:bodyPr wrap="square" rtlCol="0">
+              <a:spAutoFit/>
+            </a:bodyPr>
+            <a:lstStyle/>
+            <a:p>
+              <a:endParaRPr lang="en-US"/>
+            </a:p>
+          </p:txBody>
+        </p:sp>
+        <p:sp>
+          <p:nvSpPr>
+            <p:cNvPr id="31" name="Pie 30"/>
+            <p:cNvSpPr/>
+            <p:nvPr/>
+          </p:nvSpPr>
+          <p:spPr>
+            <a:xfrm>
+              <a:off x="113680" y="404335"/>
+              <a:ext cx="5202936" cy="5204404"/>
+            </a:xfrm>
+            <a:prstGeom prst="pie">
+              <a:avLst>
+                <a:gd name="adj1" fmla="val 20362320"/>
+                <a:gd name="adj2" fmla="val 2350330"/>
+              </a:avLst>
+            </a:prstGeom>
+            <a:noFill/>
+            <a:ln w="28575">
+              <a:solidFill>
+                <a:schemeClr val="accent4">
+                  <a:lumMod val="75000"/>
+                  <a:alpha val="57000"/>
+                </a:schemeClr>
+              </a:solidFill>
+              <a:prstDash val="sysDash"/>
+            </a:ln>
+          </p:spPr>
+          <p:style>
+            <a:lnRef idx="2">
+              <a:schemeClr val="accent1">
+                <a:shade val="50000"/>
+              </a:schemeClr>
+            </a:lnRef>
+            <a:fillRef idx="1">
+              <a:schemeClr val="accent1"/>
+            </a:fillRef>
+            <a:effectRef idx="0">
+              <a:schemeClr val="accent1"/>
+            </a:effectRef>
+            <a:fontRef idx="minor">
+              <a:schemeClr val="lt1"/>
+            </a:fontRef>
+          </p:style>
+          <p:txBody>
+            <a:bodyPr rtlCol="0" anchor="ctr"/>
+            <a:lstStyle/>
+            <a:p>
+              <a:pPr algn="ctr"/>
+              <a:endParaRPr lang="en-US">
+                <a:solidFill>
+                  <a:schemeClr val="tx1"/>
+                </a:solidFill>
+                <a:latin typeface="Helvetica" charset="0"/>
+                <a:ea typeface="Helvetica" charset="0"/>
+                <a:cs typeface="Helvetica" charset="0"/>
+              </a:endParaRPr>
+            </a:p>
+          </p:txBody>
+        </p:sp>
         <p:grpSp>
           <p:nvGrpSpPr>
-            <p:cNvPr id="8" name="Group 7"/>
+            <p:cNvPr id="86" name="Group 85"/>
             <p:cNvGrpSpPr/>
             <p:nvPr/>
           </p:nvGrpSpPr>
           <p:grpSpPr>
             <a:xfrm>
-              <a:off x="7799294" y="2148828"/>
-              <a:ext cx="986119" cy="914400"/>
-              <a:chOff x="7799294" y="2148828"/>
-              <a:chExt cx="986119" cy="914400"/>
+              <a:off x="512034" y="1419692"/>
+              <a:ext cx="7348423" cy="5033665"/>
+              <a:chOff x="512034" y="1419692"/>
+              <a:chExt cx="7348423" cy="5033665"/>
             </a:xfrm>
           </p:grpSpPr>
           <p:sp>
             <p:nvSpPr>
-              <p:cNvPr id="5" name="Rectangle 4"/>
+              <p:cNvPr id="4" name="Rectangle 3"/>
               <p:cNvSpPr/>
               <p:nvPr/>
             </p:nvSpPr>
             <p:spPr>
               <a:xfrm>
-                <a:off x="7888942" y="2148828"/>
-                <a:ext cx="822960" cy="914400"/>
+                <a:off x="973862" y="1419692"/>
+                <a:ext cx="6851737" cy="4572000"/>
               </a:xfrm>
               <a:prstGeom prst="rect">
                 <a:avLst/>
               </a:prstGeom>
               <a:solidFill>
-                <a:schemeClr val="accent3">
-                  <a:lumMod val="60000"/>
-                  <a:lumOff val="40000"/>
-                  <a:alpha val="43000"/>
+                <a:schemeClr val="accent5">
+                  <a:lumMod val="20000"/>
+                  <a:lumOff val="80000"/>
+                  <a:alpha val="41000"/>
                 </a:schemeClr>
               </a:solidFill>
-              <a:ln>
-                <a:noFill/>
+              <a:ln w="38100">
+                <a:solidFill>
+                  <a:schemeClr val="tx1"/>
+                </a:solidFill>
+                <a:prstDash val="solid"/>
               </a:ln>
-              <a:scene3d>
-                <a:camera prst="orthographicFront"/>
-                <a:lightRig rig="threePt" dir="t"/>
-              </a:scene3d>
-              <a:sp3d extrusionH="31750">
-                <a:bevelT w="165100" prst="coolSlant"/>
-                <a:bevelB/>
-              </a:sp3d>
+            </p:spPr>
+            <p:style>
+              <a:lnRef idx="2">
+                <a:schemeClr val="accent1">
+                  <a:shade val="50000"/>
+                </a:schemeClr>
+              </a:lnRef>
+              <a:fillRef idx="1">
+                <a:schemeClr val="accent1"/>
+              </a:fillRef>
+              <a:effectRef idx="0">
+                <a:schemeClr val="accent1"/>
+              </a:effectRef>
+              <a:fontRef idx="minor">
+                <a:schemeClr val="lt1"/>
+              </a:fontRef>
+            </p:style>
+            <p:txBody>
+              <a:bodyPr rtlCol="0" anchor="ctr"/>
+              <a:lstStyle/>
+              <a:p>
+                <a:pPr algn="ctr"/>
+                <a:endParaRPr lang="en-US" sz="2800" dirty="0">
+                  <a:solidFill>
+                    <a:schemeClr val="bg1"/>
+                  </a:solidFill>
+                  <a:latin typeface="Helvetica" charset="0"/>
+                  <a:ea typeface="Helvetica" charset="0"/>
+                  <a:cs typeface="Helvetica" charset="0"/>
+                </a:endParaRPr>
+              </a:p>
+            </p:txBody>
+          </p:sp>
+          <p:cxnSp>
+            <p:nvCxnSpPr>
+              <p:cNvPr id="55" name="Straight Arrow Connector 54"/>
+              <p:cNvCxnSpPr/>
+              <p:nvPr/>
+            </p:nvCxnSpPr>
+            <p:spPr>
+              <a:xfrm flipH="1" flipV="1">
+                <a:off x="4958128" y="1549632"/>
+                <a:ext cx="726342" cy="1945018"/>
+              </a:xfrm>
+              <a:prstGeom prst="straightConnector1">
+                <a:avLst/>
+              </a:prstGeom>
+              <a:ln w="22225">
+                <a:solidFill>
+                  <a:srgbClr val="FF0000"/>
+                </a:solidFill>
+                <a:headEnd w="lg" len="lg"/>
+                <a:tailEnd type="triangle" w="lg" len="lg"/>
+              </a:ln>
+            </p:spPr>
+            <p:style>
+              <a:lnRef idx="1">
+                <a:schemeClr val="accent1"/>
+              </a:lnRef>
+              <a:fillRef idx="0">
+                <a:schemeClr val="accent1"/>
+              </a:fillRef>
+              <a:effectRef idx="0">
+                <a:schemeClr val="accent1"/>
+              </a:effectRef>
+              <a:fontRef idx="minor">
+                <a:schemeClr val="tx1"/>
+              </a:fontRef>
+            </p:style>
+          </p:cxnSp>
+          <p:cxnSp>
+            <p:nvCxnSpPr>
+              <p:cNvPr id="50" name="Straight Arrow Connector 49"/>
+              <p:cNvCxnSpPr/>
+              <p:nvPr/>
+            </p:nvCxnSpPr>
+            <p:spPr>
+              <a:xfrm flipV="1">
+                <a:off x="4193826" y="3920244"/>
+                <a:ext cx="1122790" cy="1416142"/>
+              </a:xfrm>
+              <a:prstGeom prst="straightConnector1">
+                <a:avLst/>
+              </a:prstGeom>
+              <a:ln w="22225">
+                <a:solidFill>
+                  <a:srgbClr val="FF0000"/>
+                </a:solidFill>
+                <a:headEnd w="lg" len="lg"/>
+                <a:tailEnd type="triangle" w="lg" len="lg"/>
+              </a:ln>
+            </p:spPr>
+            <p:style>
+              <a:lnRef idx="1">
+                <a:schemeClr val="accent1"/>
+              </a:lnRef>
+              <a:fillRef idx="0">
+                <a:schemeClr val="accent1"/>
+              </a:fillRef>
+              <a:effectRef idx="0">
+                <a:schemeClr val="accent1"/>
+              </a:effectRef>
+              <a:fontRef idx="minor">
+                <a:schemeClr val="tx1"/>
+              </a:fontRef>
+            </p:style>
+          </p:cxnSp>
+          <p:grpSp>
+            <p:nvGrpSpPr>
+              <p:cNvPr id="10" name="Group 9"/>
+              <p:cNvGrpSpPr/>
+              <p:nvPr/>
+            </p:nvGrpSpPr>
+            <p:grpSpPr>
+              <a:xfrm rot="2415855">
+                <a:off x="4063488" y="4392940"/>
+                <a:ext cx="986119" cy="914400"/>
+                <a:chOff x="7799294" y="2148828"/>
+                <a:chExt cx="986119" cy="914400"/>
+              </a:xfrm>
+            </p:grpSpPr>
+            <p:grpSp>
+              <p:nvGrpSpPr>
+                <p:cNvPr id="8" name="Group 7"/>
+                <p:cNvGrpSpPr/>
+                <p:nvPr/>
+              </p:nvGrpSpPr>
+              <p:grpSpPr>
+                <a:xfrm>
+                  <a:off x="7799294" y="2148828"/>
+                  <a:ext cx="986119" cy="914400"/>
+                  <a:chOff x="7799294" y="2148828"/>
+                  <a:chExt cx="986119" cy="914400"/>
+                </a:xfrm>
+              </p:grpSpPr>
+              <p:sp>
+                <p:nvSpPr>
+                  <p:cNvPr id="5" name="Rectangle 4"/>
+                  <p:cNvSpPr/>
+                  <p:nvPr/>
+                </p:nvSpPr>
+                <p:spPr>
+                  <a:xfrm>
+                    <a:off x="7888942" y="2148828"/>
+                    <a:ext cx="822960" cy="914400"/>
+                  </a:xfrm>
+                  <a:prstGeom prst="rect">
+                    <a:avLst/>
+                  </a:prstGeom>
+                  <a:solidFill>
+                    <a:schemeClr val="accent3">
+                      <a:lumMod val="60000"/>
+                      <a:lumOff val="40000"/>
+                      <a:alpha val="43000"/>
+                    </a:schemeClr>
+                  </a:solidFill>
+                  <a:ln>
+                    <a:noFill/>
+                  </a:ln>
+                  <a:scene3d>
+                    <a:camera prst="orthographicFront"/>
+                    <a:lightRig rig="threePt" dir="t"/>
+                  </a:scene3d>
+                  <a:sp3d extrusionH="31750">
+                    <a:bevelT w="165100" prst="coolSlant"/>
+                    <a:bevelB/>
+                  </a:sp3d>
+                </p:spPr>
+                <p:style>
+                  <a:lnRef idx="2">
+                    <a:schemeClr val="accent1">
+                      <a:shade val="50000"/>
+                    </a:schemeClr>
+                  </a:lnRef>
+                  <a:fillRef idx="1">
+                    <a:schemeClr val="accent1"/>
+                  </a:fillRef>
+                  <a:effectRef idx="0">
+                    <a:schemeClr val="accent1"/>
+                  </a:effectRef>
+                  <a:fontRef idx="minor">
+                    <a:schemeClr val="lt1"/>
+                  </a:fontRef>
+                </p:style>
+                <p:txBody>
+                  <a:bodyPr rtlCol="0" anchor="ctr"/>
+                  <a:lstStyle/>
+                  <a:p>
+                    <a:pPr algn="ctr"/>
+                    <a:endParaRPr lang="en-US">
+                      <a:latin typeface="Helvetica" charset="0"/>
+                      <a:ea typeface="Helvetica" charset="0"/>
+                      <a:cs typeface="Helvetica" charset="0"/>
+                    </a:endParaRPr>
+                  </a:p>
+                </p:txBody>
+              </p:sp>
+              <p:sp>
+                <p:nvSpPr>
+                  <p:cNvPr id="6" name="Rectangle 5"/>
+                  <p:cNvSpPr/>
+                  <p:nvPr/>
+                </p:nvSpPr>
+                <p:spPr>
+                  <a:xfrm>
+                    <a:off x="7799294" y="2148828"/>
+                    <a:ext cx="91440" cy="343360"/>
+                  </a:xfrm>
+                  <a:prstGeom prst="rect">
+                    <a:avLst/>
+                  </a:prstGeom>
+                  <a:gradFill flip="none" rotWithShape="1">
+                    <a:gsLst>
+                      <a:gs pos="0">
+                        <a:schemeClr val="accent1">
+                          <a:lumMod val="89000"/>
+                          <a:alpha val="59000"/>
+                        </a:schemeClr>
+                      </a:gs>
+                      <a:gs pos="23000">
+                        <a:schemeClr val="accent1">
+                          <a:lumMod val="89000"/>
+                          <a:alpha val="52000"/>
+                        </a:schemeClr>
+                      </a:gs>
+                      <a:gs pos="68000">
+                        <a:schemeClr val="accent1">
+                          <a:lumMod val="75000"/>
+                          <a:alpha val="57000"/>
+                        </a:schemeClr>
+                      </a:gs>
+                      <a:gs pos="97000">
+                        <a:schemeClr val="accent1">
+                          <a:lumMod val="70000"/>
+                          <a:alpha val="55000"/>
+                        </a:schemeClr>
+                      </a:gs>
+                    </a:gsLst>
+                    <a:path path="circle">
+                      <a:fillToRect l="50000" t="50000" r="50000" b="50000"/>
+                    </a:path>
+                    <a:tileRect/>
+                  </a:gradFill>
+                  <a:ln>
+                    <a:noFill/>
+                  </a:ln>
+                  <a:scene3d>
+                    <a:camera prst="orthographicFront"/>
+                    <a:lightRig rig="threePt" dir="t"/>
+                  </a:scene3d>
+                  <a:sp3d>
+                    <a:bevelT/>
+                  </a:sp3d>
+                </p:spPr>
+                <p:style>
+                  <a:lnRef idx="2">
+                    <a:schemeClr val="accent1">
+                      <a:shade val="50000"/>
+                    </a:schemeClr>
+                  </a:lnRef>
+                  <a:fillRef idx="1">
+                    <a:schemeClr val="accent1"/>
+                  </a:fillRef>
+                  <a:effectRef idx="0">
+                    <a:schemeClr val="accent1"/>
+                  </a:effectRef>
+                  <a:fontRef idx="minor">
+                    <a:schemeClr val="lt1"/>
+                  </a:fontRef>
+                </p:style>
+                <p:txBody>
+                  <a:bodyPr rtlCol="0" anchor="ctr"/>
+                  <a:lstStyle/>
+                  <a:p>
+                    <a:pPr algn="ctr"/>
+                    <a:endParaRPr lang="en-US">
+                      <a:latin typeface="Helvetica" charset="0"/>
+                      <a:ea typeface="Helvetica" charset="0"/>
+                      <a:cs typeface="Helvetica" charset="0"/>
+                    </a:endParaRPr>
+                  </a:p>
+                </p:txBody>
+              </p:sp>
+              <p:sp>
+                <p:nvSpPr>
+                  <p:cNvPr id="7" name="Rectangle 6"/>
+                  <p:cNvSpPr/>
+                  <p:nvPr/>
+                </p:nvSpPr>
+                <p:spPr>
+                  <a:xfrm>
+                    <a:off x="8693973" y="2148828"/>
+                    <a:ext cx="91440" cy="343360"/>
+                  </a:xfrm>
+                  <a:prstGeom prst="rect">
+                    <a:avLst/>
+                  </a:prstGeom>
+                  <a:gradFill flip="none" rotWithShape="1">
+                    <a:gsLst>
+                      <a:gs pos="0">
+                        <a:schemeClr val="accent1">
+                          <a:lumMod val="89000"/>
+                          <a:alpha val="34000"/>
+                        </a:schemeClr>
+                      </a:gs>
+                      <a:gs pos="23000">
+                        <a:schemeClr val="accent1">
+                          <a:lumMod val="89000"/>
+                          <a:alpha val="70000"/>
+                        </a:schemeClr>
+                      </a:gs>
+                      <a:gs pos="69000">
+                        <a:schemeClr val="accent1">
+                          <a:lumMod val="75000"/>
+                          <a:alpha val="61000"/>
+                        </a:schemeClr>
+                      </a:gs>
+                      <a:gs pos="96000">
+                        <a:schemeClr val="accent1">
+                          <a:lumMod val="70000"/>
+                          <a:alpha val="57000"/>
+                        </a:schemeClr>
+                      </a:gs>
+                    </a:gsLst>
+                    <a:path path="circle">
+                      <a:fillToRect l="50000" t="50000" r="50000" b="50000"/>
+                    </a:path>
+                    <a:tileRect/>
+                  </a:gradFill>
+                  <a:ln>
+                    <a:noFill/>
+                  </a:ln>
+                  <a:scene3d>
+                    <a:camera prst="orthographicFront"/>
+                    <a:lightRig rig="threePt" dir="t"/>
+                  </a:scene3d>
+                  <a:sp3d>
+                    <a:bevelT/>
+                  </a:sp3d>
+                </p:spPr>
+                <p:style>
+                  <a:lnRef idx="2">
+                    <a:schemeClr val="accent1">
+                      <a:shade val="50000"/>
+                    </a:schemeClr>
+                  </a:lnRef>
+                  <a:fillRef idx="1">
+                    <a:schemeClr val="accent1"/>
+                  </a:fillRef>
+                  <a:effectRef idx="0">
+                    <a:schemeClr val="accent1"/>
+                  </a:effectRef>
+                  <a:fontRef idx="minor">
+                    <a:schemeClr val="lt1"/>
+                  </a:fontRef>
+                </p:style>
+                <p:txBody>
+                  <a:bodyPr rtlCol="0" anchor="ctr"/>
+                  <a:lstStyle/>
+                  <a:p>
+                    <a:pPr algn="ctr"/>
+                    <a:endParaRPr lang="en-US">
+                      <a:latin typeface="Helvetica" charset="0"/>
+                      <a:ea typeface="Helvetica" charset="0"/>
+                      <a:cs typeface="Helvetica" charset="0"/>
+                    </a:endParaRPr>
+                  </a:p>
+                </p:txBody>
+              </p:sp>
+            </p:grpSp>
+            <p:sp>
+              <p:nvSpPr>
+                <p:cNvPr id="9" name="Oval 8"/>
+                <p:cNvSpPr/>
+                <p:nvPr/>
+              </p:nvSpPr>
+              <p:spPr>
+                <a:xfrm>
+                  <a:off x="8282493" y="2320508"/>
+                  <a:ext cx="45719" cy="45719"/>
+                </a:xfrm>
+                <a:prstGeom prst="ellipse">
+                  <a:avLst/>
+                </a:prstGeom>
+                <a:solidFill>
+                  <a:srgbClr val="FF0000"/>
+                </a:solidFill>
+                <a:ln>
+                  <a:noFill/>
+                </a:ln>
+                <a:scene3d>
+                  <a:camera prst="orthographicFront"/>
+                  <a:lightRig rig="threePt" dir="t"/>
+                </a:scene3d>
+                <a:sp3d>
+                  <a:bevelT prst="angle"/>
+                </a:sp3d>
+              </p:spPr>
+              <p:style>
+                <a:lnRef idx="2">
+                  <a:schemeClr val="accent1">
+                    <a:shade val="50000"/>
+                  </a:schemeClr>
+                </a:lnRef>
+                <a:fillRef idx="1">
+                  <a:schemeClr val="accent1"/>
+                </a:fillRef>
+                <a:effectRef idx="0">
+                  <a:schemeClr val="accent1"/>
+                </a:effectRef>
+                <a:fontRef idx="minor">
+                  <a:schemeClr val="lt1"/>
+                </a:fontRef>
+              </p:style>
+              <p:txBody>
+                <a:bodyPr rtlCol="0" anchor="ctr"/>
+                <a:lstStyle/>
+                <a:p>
+                  <a:pPr algn="ctr"/>
+                  <a:endParaRPr lang="en-US">
+                    <a:latin typeface="Helvetica" charset="0"/>
+                    <a:ea typeface="Helvetica" charset="0"/>
+                    <a:cs typeface="Helvetica" charset="0"/>
+                  </a:endParaRPr>
+                </a:p>
+              </p:txBody>
+            </p:sp>
+          </p:grpSp>
+          <p:grpSp>
+            <p:nvGrpSpPr>
+              <p:cNvPr id="12" name="Group 11"/>
+              <p:cNvGrpSpPr/>
+              <p:nvPr/>
+            </p:nvGrpSpPr>
+            <p:grpSpPr>
+              <a:xfrm rot="20321066">
+                <a:off x="4746755" y="1894514"/>
+                <a:ext cx="986119" cy="914400"/>
+                <a:chOff x="7799294" y="2148828"/>
+                <a:chExt cx="986119" cy="914400"/>
+              </a:xfrm>
+            </p:grpSpPr>
+            <p:grpSp>
+              <p:nvGrpSpPr>
+                <p:cNvPr id="13" name="Group 12"/>
+                <p:cNvGrpSpPr/>
+                <p:nvPr/>
+              </p:nvGrpSpPr>
+              <p:grpSpPr>
+                <a:xfrm>
+                  <a:off x="7799294" y="2148828"/>
+                  <a:ext cx="986119" cy="914400"/>
+                  <a:chOff x="7799294" y="2148828"/>
+                  <a:chExt cx="986119" cy="914400"/>
+                </a:xfrm>
+              </p:grpSpPr>
+              <p:sp>
+                <p:nvSpPr>
+                  <p:cNvPr id="15" name="Rectangle 14"/>
+                  <p:cNvSpPr/>
+                  <p:nvPr/>
+                </p:nvSpPr>
+                <p:spPr>
+                  <a:xfrm>
+                    <a:off x="7888942" y="2148828"/>
+                    <a:ext cx="822960" cy="914400"/>
+                  </a:xfrm>
+                  <a:prstGeom prst="rect">
+                    <a:avLst/>
+                  </a:prstGeom>
+                  <a:solidFill>
+                    <a:schemeClr val="accent3">
+                      <a:lumMod val="60000"/>
+                      <a:lumOff val="40000"/>
+                      <a:alpha val="82000"/>
+                    </a:schemeClr>
+                  </a:solidFill>
+                  <a:ln>
+                    <a:noFill/>
+                  </a:ln>
+                  <a:scene3d>
+                    <a:camera prst="orthographicFront"/>
+                    <a:lightRig rig="threePt" dir="t"/>
+                  </a:scene3d>
+                  <a:sp3d extrusionH="31750">
+                    <a:bevelT w="165100" prst="coolSlant"/>
+                    <a:bevelB/>
+                  </a:sp3d>
+                </p:spPr>
+                <p:style>
+                  <a:lnRef idx="2">
+                    <a:schemeClr val="accent1">
+                      <a:shade val="50000"/>
+                    </a:schemeClr>
+                  </a:lnRef>
+                  <a:fillRef idx="1">
+                    <a:schemeClr val="accent1"/>
+                  </a:fillRef>
+                  <a:effectRef idx="0">
+                    <a:schemeClr val="accent1"/>
+                  </a:effectRef>
+                  <a:fontRef idx="minor">
+                    <a:schemeClr val="lt1"/>
+                  </a:fontRef>
+                </p:style>
+                <p:txBody>
+                  <a:bodyPr rtlCol="0" anchor="ctr"/>
+                  <a:lstStyle/>
+                  <a:p>
+                    <a:pPr algn="ctr"/>
+                    <a:endParaRPr lang="en-US">
+                      <a:latin typeface="Helvetica" charset="0"/>
+                      <a:ea typeface="Helvetica" charset="0"/>
+                      <a:cs typeface="Helvetica" charset="0"/>
+                    </a:endParaRPr>
+                  </a:p>
+                </p:txBody>
+              </p:sp>
+              <p:sp>
+                <p:nvSpPr>
+                  <p:cNvPr id="16" name="Rectangle 15"/>
+                  <p:cNvSpPr/>
+                  <p:nvPr/>
+                </p:nvSpPr>
+                <p:spPr>
+                  <a:xfrm>
+                    <a:off x="7799294" y="2148828"/>
+                    <a:ext cx="91440" cy="343360"/>
+                  </a:xfrm>
+                  <a:prstGeom prst="rect">
+                    <a:avLst/>
+                  </a:prstGeom>
+                  <a:gradFill flip="none" rotWithShape="1">
+                    <a:gsLst>
+                      <a:gs pos="0">
+                        <a:schemeClr val="accent1">
+                          <a:lumMod val="89000"/>
+                        </a:schemeClr>
+                      </a:gs>
+                      <a:gs pos="23000">
+                        <a:schemeClr val="accent1">
+                          <a:lumMod val="89000"/>
+                        </a:schemeClr>
+                      </a:gs>
+                      <a:gs pos="69000">
+                        <a:schemeClr val="accent1">
+                          <a:lumMod val="75000"/>
+                        </a:schemeClr>
+                      </a:gs>
+                      <a:gs pos="97000">
+                        <a:schemeClr val="accent1">
+                          <a:lumMod val="70000"/>
+                        </a:schemeClr>
+                      </a:gs>
+                    </a:gsLst>
+                    <a:path path="circle">
+                      <a:fillToRect l="50000" t="50000" r="50000" b="50000"/>
+                    </a:path>
+                    <a:tileRect/>
+                  </a:gradFill>
+                  <a:ln>
+                    <a:noFill/>
+                  </a:ln>
+                  <a:scene3d>
+                    <a:camera prst="orthographicFront"/>
+                    <a:lightRig rig="threePt" dir="t"/>
+                  </a:scene3d>
+                  <a:sp3d>
+                    <a:bevelT/>
+                  </a:sp3d>
+                </p:spPr>
+                <p:style>
+                  <a:lnRef idx="2">
+                    <a:schemeClr val="accent1">
+                      <a:shade val="50000"/>
+                    </a:schemeClr>
+                  </a:lnRef>
+                  <a:fillRef idx="1">
+                    <a:schemeClr val="accent1"/>
+                  </a:fillRef>
+                  <a:effectRef idx="0">
+                    <a:schemeClr val="accent1"/>
+                  </a:effectRef>
+                  <a:fontRef idx="minor">
+                    <a:schemeClr val="lt1"/>
+                  </a:fontRef>
+                </p:style>
+                <p:txBody>
+                  <a:bodyPr rtlCol="0" anchor="ctr"/>
+                  <a:lstStyle/>
+                  <a:p>
+                    <a:pPr algn="ctr"/>
+                    <a:endParaRPr lang="en-US">
+                      <a:latin typeface="Helvetica" charset="0"/>
+                      <a:ea typeface="Helvetica" charset="0"/>
+                      <a:cs typeface="Helvetica" charset="0"/>
+                    </a:endParaRPr>
+                  </a:p>
+                </p:txBody>
+              </p:sp>
+              <p:sp>
+                <p:nvSpPr>
+                  <p:cNvPr id="17" name="Rectangle 16"/>
+                  <p:cNvSpPr/>
+                  <p:nvPr/>
+                </p:nvSpPr>
+                <p:spPr>
+                  <a:xfrm>
+                    <a:off x="8693973" y="2148828"/>
+                    <a:ext cx="91440" cy="343360"/>
+                  </a:xfrm>
+                  <a:prstGeom prst="rect">
+                    <a:avLst/>
+                  </a:prstGeom>
+                  <a:gradFill flip="none" rotWithShape="1">
+                    <a:gsLst>
+                      <a:gs pos="0">
+                        <a:schemeClr val="accent1">
+                          <a:lumMod val="89000"/>
+                        </a:schemeClr>
+                      </a:gs>
+                      <a:gs pos="23000">
+                        <a:schemeClr val="accent1">
+                          <a:lumMod val="89000"/>
+                        </a:schemeClr>
+                      </a:gs>
+                      <a:gs pos="69000">
+                        <a:schemeClr val="accent1">
+                          <a:lumMod val="75000"/>
+                        </a:schemeClr>
+                      </a:gs>
+                      <a:gs pos="97000">
+                        <a:schemeClr val="accent1">
+                          <a:lumMod val="70000"/>
+                        </a:schemeClr>
+                      </a:gs>
+                    </a:gsLst>
+                    <a:path path="circle">
+                      <a:fillToRect l="50000" t="50000" r="50000" b="50000"/>
+                    </a:path>
+                    <a:tileRect/>
+                  </a:gradFill>
+                  <a:ln>
+                    <a:noFill/>
+                  </a:ln>
+                  <a:scene3d>
+                    <a:camera prst="orthographicFront"/>
+                    <a:lightRig rig="threePt" dir="t"/>
+                  </a:scene3d>
+                  <a:sp3d>
+                    <a:bevelT/>
+                  </a:sp3d>
+                </p:spPr>
+                <p:style>
+                  <a:lnRef idx="2">
+                    <a:schemeClr val="accent1">
+                      <a:shade val="50000"/>
+                    </a:schemeClr>
+                  </a:lnRef>
+                  <a:fillRef idx="1">
+                    <a:schemeClr val="accent1"/>
+                  </a:fillRef>
+                  <a:effectRef idx="0">
+                    <a:schemeClr val="accent1"/>
+                  </a:effectRef>
+                  <a:fontRef idx="minor">
+                    <a:schemeClr val="lt1"/>
+                  </a:fontRef>
+                </p:style>
+                <p:txBody>
+                  <a:bodyPr rtlCol="0" anchor="ctr"/>
+                  <a:lstStyle/>
+                  <a:p>
+                    <a:pPr algn="ctr"/>
+                    <a:endParaRPr lang="en-US">
+                      <a:latin typeface="Helvetica" charset="0"/>
+                      <a:ea typeface="Helvetica" charset="0"/>
+                      <a:cs typeface="Helvetica" charset="0"/>
+                    </a:endParaRPr>
+                  </a:p>
+                </p:txBody>
+              </p:sp>
+            </p:grpSp>
+            <p:sp>
+              <p:nvSpPr>
+                <p:cNvPr id="14" name="Oval 13"/>
+                <p:cNvSpPr/>
+                <p:nvPr/>
+              </p:nvSpPr>
+              <p:spPr>
+                <a:xfrm>
+                  <a:off x="8282493" y="2320508"/>
+                  <a:ext cx="45719" cy="45719"/>
+                </a:xfrm>
+                <a:prstGeom prst="ellipse">
+                  <a:avLst/>
+                </a:prstGeom>
+                <a:solidFill>
+                  <a:srgbClr val="FF0000"/>
+                </a:solidFill>
+                <a:ln>
+                  <a:noFill/>
+                </a:ln>
+                <a:scene3d>
+                  <a:camera prst="orthographicFront"/>
+                  <a:lightRig rig="threePt" dir="t"/>
+                </a:scene3d>
+                <a:sp3d>
+                  <a:bevelT prst="angle"/>
+                </a:sp3d>
+              </p:spPr>
+              <p:style>
+                <a:lnRef idx="2">
+                  <a:schemeClr val="accent1">
+                    <a:shade val="50000"/>
+                  </a:schemeClr>
+                </a:lnRef>
+                <a:fillRef idx="1">
+                  <a:schemeClr val="accent1"/>
+                </a:fillRef>
+                <a:effectRef idx="0">
+                  <a:schemeClr val="accent1"/>
+                </a:effectRef>
+                <a:fontRef idx="minor">
+                  <a:schemeClr val="lt1"/>
+                </a:fontRef>
+              </p:style>
+              <p:txBody>
+                <a:bodyPr rtlCol="0" anchor="ctr"/>
+                <a:lstStyle/>
+                <a:p>
+                  <a:pPr algn="ctr"/>
+                  <a:endParaRPr lang="en-US">
+                    <a:latin typeface="Helvetica" charset="0"/>
+                    <a:ea typeface="Helvetica" charset="0"/>
+                    <a:cs typeface="Helvetica" charset="0"/>
+                  </a:endParaRPr>
+                </a:p>
+              </p:txBody>
+            </p:sp>
+          </p:grpSp>
+          <mc:AlternateContent xmlns:mc="http://schemas.openxmlformats.org/markup-compatibility/2006">
+            <mc:Choice xmlns:a14="http://schemas.microsoft.com/office/drawing/2010/main" Requires="a14">
+              <p:sp>
+                <p:nvSpPr>
+                  <p:cNvPr id="32" name="TextBox 31"/>
+                  <p:cNvSpPr txBox="1"/>
+                  <p:nvPr/>
+                </p:nvSpPr>
+                <p:spPr>
+                  <a:xfrm>
+                    <a:off x="3068320" y="2944690"/>
+                    <a:ext cx="338554" cy="276999"/>
+                  </a:xfrm>
+                  <a:prstGeom prst="rect">
+                    <a:avLst/>
+                  </a:prstGeom>
+                  <a:noFill/>
+                </p:spPr>
+                <p:txBody>
+                  <a:bodyPr wrap="none" lIns="0" tIns="0" rIns="0" bIns="0" rtlCol="0">
+                    <a:spAutoFit/>
+                  </a:bodyPr>
+                  <a:lstStyle/>
+                  <a:p>
+                    <a14:m>
+                      <m:oMathPara xmlns:m="http://schemas.openxmlformats.org/officeDocument/2006/math">
+                        <m:oMathParaPr>
+                          <m:jc m:val="centerGroup"/>
+                        </m:oMathParaPr>
+                        <m:oMath xmlns:m="http://schemas.openxmlformats.org/officeDocument/2006/math">
+                          <m:r>
+                            <m:rPr>
+                              <m:sty m:val="p"/>
+                            </m:rPr>
+                            <a:rPr lang="el-GR" i="1" smtClean="0">
+                              <a:latin typeface="Helvetica" charset="0"/>
+                              <a:ea typeface="Helvetica" charset="0"/>
+                              <a:cs typeface="Helvetica" charset="0"/>
+                            </a:rPr>
+                            <m:t>Δ</m:t>
+                          </m:r>
+                          <m:r>
+                            <a:rPr lang="en-US" i="1" smtClean="0">
+                              <a:latin typeface="Helvetica" charset="0"/>
+                              <a:ea typeface="Helvetica" charset="0"/>
+                              <a:cs typeface="Helvetica" charset="0"/>
+                            </a:rPr>
+                            <m:t>𝜃</m:t>
+                          </m:r>
+                        </m:oMath>
+                      </m:oMathPara>
+                    </a14:m>
+                    <a:endParaRPr lang="en-US" dirty="0">
+                      <a:latin typeface="Helvetica" charset="0"/>
+                      <a:ea typeface="Helvetica" charset="0"/>
+                      <a:cs typeface="Helvetica" charset="0"/>
+                    </a:endParaRPr>
+                  </a:p>
+                </p:txBody>
+              </p:sp>
+            </mc:Choice>
+            <mc:Fallback>
+              <p:sp>
+                <p:nvSpPr>
+                  <p:cNvPr id="32" name="TextBox 31"/>
+                  <p:cNvSpPr txBox="1">
+                    <a:spLocks noRot="1" noChangeAspect="1" noMove="1" noResize="1" noEditPoints="1" noAdjustHandles="1" noChangeArrowheads="1" noChangeShapeType="1" noTextEdit="1"/>
+                  </p:cNvSpPr>
+                  <p:nvPr/>
+                </p:nvSpPr>
+                <p:spPr>
+                  <a:xfrm>
+                    <a:off x="3068320" y="2944690"/>
+                    <a:ext cx="338554" cy="276999"/>
+                  </a:xfrm>
+                  <a:prstGeom prst="rect">
+                    <a:avLst/>
+                  </a:prstGeom>
+                  <a:blipFill rotWithShape="0">
+                    <a:blip r:embed="rId3"/>
+                    <a:stretch>
+                      <a:fillRect l="-14286" r="-12500" b="-8889"/>
+                    </a:stretch>
+                  </a:blipFill>
+                </p:spPr>
+                <p:txBody>
+                  <a:bodyPr/>
+                  <a:lstStyle/>
+                  <a:p>
+                    <a:r>
+                      <a:rPr lang="en-US">
+                        <a:noFill/>
+                      </a:rPr>
+                      <a:t> </a:t>
+                    </a:r>
+                  </a:p>
+                </p:txBody>
+              </p:sp>
+            </mc:Fallback>
+          </mc:AlternateContent>
+          <p:sp>
+            <p:nvSpPr>
+              <p:cNvPr id="34" name="Freeform 33"/>
+              <p:cNvSpPr/>
+              <p:nvPr/>
+            </p:nvSpPr>
+            <p:spPr>
+              <a:xfrm>
+                <a:off x="2997141" y="2915920"/>
+                <a:ext cx="50859" cy="294640"/>
+              </a:xfrm>
+              <a:custGeom>
+                <a:avLst/>
+                <a:gdLst>
+                  <a:gd name="connsiteX0" fmla="*/ 59 w 50859"/>
+                  <a:gd name="connsiteY0" fmla="*/ 0 h 294640"/>
+                  <a:gd name="connsiteX1" fmla="*/ 30539 w 50859"/>
+                  <a:gd name="connsiteY1" fmla="*/ 40640 h 294640"/>
+                  <a:gd name="connsiteX2" fmla="*/ 50859 w 50859"/>
+                  <a:gd name="connsiteY2" fmla="*/ 101600 h 294640"/>
+                  <a:gd name="connsiteX3" fmla="*/ 40699 w 50859"/>
+                  <a:gd name="connsiteY3" fmla="*/ 233680 h 294640"/>
+                  <a:gd name="connsiteX4" fmla="*/ 30539 w 50859"/>
+                  <a:gd name="connsiteY4" fmla="*/ 264160 h 294640"/>
+                  <a:gd name="connsiteX5" fmla="*/ 59 w 50859"/>
+                  <a:gd name="connsiteY5" fmla="*/ 294640 h 294640"/>
+                </a:gdLst>
+                <a:ahLst/>
+                <a:cxnLst>
+                  <a:cxn ang="0">
+                    <a:pos x="connsiteX0" y="connsiteY0"/>
+                  </a:cxn>
+                  <a:cxn ang="0">
+                    <a:pos x="connsiteX1" y="connsiteY1"/>
+                  </a:cxn>
+                  <a:cxn ang="0">
+                    <a:pos x="connsiteX2" y="connsiteY2"/>
+                  </a:cxn>
+                  <a:cxn ang="0">
+                    <a:pos x="connsiteX3" y="connsiteY3"/>
+                  </a:cxn>
+                  <a:cxn ang="0">
+                    <a:pos x="connsiteX4" y="connsiteY4"/>
+                  </a:cxn>
+                  <a:cxn ang="0">
+                    <a:pos x="connsiteX5" y="connsiteY5"/>
+                  </a:cxn>
+                </a:cxnLst>
+                <a:rect l="l" t="t" r="r" b="b"/>
+                <a:pathLst>
+                  <a:path w="50859" h="294640">
+                    <a:moveTo>
+                      <a:pt x="59" y="0"/>
+                    </a:moveTo>
+                    <a:cubicBezTo>
+                      <a:pt x="10219" y="13547"/>
+                      <a:pt x="22966" y="25494"/>
+                      <a:pt x="30539" y="40640"/>
+                    </a:cubicBezTo>
+                    <a:cubicBezTo>
+                      <a:pt x="40118" y="59798"/>
+                      <a:pt x="50859" y="101600"/>
+                      <a:pt x="50859" y="101600"/>
+                    </a:cubicBezTo>
+                    <a:cubicBezTo>
+                      <a:pt x="47472" y="145627"/>
+                      <a:pt x="46176" y="189864"/>
+                      <a:pt x="40699" y="233680"/>
+                    </a:cubicBezTo>
+                    <a:cubicBezTo>
+                      <a:pt x="39371" y="244307"/>
+                      <a:pt x="37229" y="255797"/>
+                      <a:pt x="30539" y="264160"/>
+                    </a:cubicBezTo>
+                    <a:cubicBezTo>
+                      <a:pt x="-2759" y="305782"/>
+                      <a:pt x="59" y="266882"/>
+                      <a:pt x="59" y="294640"/>
+                    </a:cubicBezTo>
+                  </a:path>
+                </a:pathLst>
+              </a:custGeom>
+              <a:noFill/>
+              <a:ln w="22225"/>
+            </p:spPr>
+            <p:style>
+              <a:lnRef idx="2">
+                <a:schemeClr val="accent1">
+                  <a:shade val="50000"/>
+                </a:schemeClr>
+              </a:lnRef>
+              <a:fillRef idx="1">
+                <a:schemeClr val="accent1"/>
+              </a:fillRef>
+              <a:effectRef idx="0">
+                <a:schemeClr val="accent1"/>
+              </a:effectRef>
+              <a:fontRef idx="minor">
+                <a:schemeClr val="lt1"/>
+              </a:fontRef>
+            </p:style>
+            <p:txBody>
+              <a:bodyPr rtlCol="0" anchor="ctr"/>
+              <a:lstStyle/>
+              <a:p>
+                <a:pPr algn="ctr"/>
+                <a:endParaRPr lang="en-US">
+                  <a:latin typeface="Helvetica" charset="0"/>
+                  <a:ea typeface="Helvetica" charset="0"/>
+                  <a:cs typeface="Helvetica" charset="0"/>
+                </a:endParaRPr>
+              </a:p>
+            </p:txBody>
+          </p:sp>
+          <p:cxnSp>
+            <p:nvCxnSpPr>
+              <p:cNvPr id="36" name="Straight Connector 35"/>
+              <p:cNvCxnSpPr/>
+              <p:nvPr/>
+            </p:nvCxnSpPr>
+            <p:spPr>
+              <a:xfrm>
+                <a:off x="4724517" y="4630812"/>
+                <a:ext cx="1391803" cy="0"/>
+              </a:xfrm>
+              <a:prstGeom prst="line">
+                <a:avLst/>
+              </a:prstGeom>
+              <a:ln w="22225">
+                <a:solidFill>
+                  <a:schemeClr val="tx1"/>
+                </a:solidFill>
+                <a:prstDash val="dash"/>
+              </a:ln>
+            </p:spPr>
+            <p:style>
+              <a:lnRef idx="1">
+                <a:schemeClr val="accent1"/>
+              </a:lnRef>
+              <a:fillRef idx="0">
+                <a:schemeClr val="accent1"/>
+              </a:fillRef>
+              <a:effectRef idx="0">
+                <a:schemeClr val="accent1"/>
+              </a:effectRef>
+              <a:fontRef idx="minor">
+                <a:schemeClr val="tx1"/>
+              </a:fontRef>
+            </p:style>
+          </p:cxnSp>
+          <p:cxnSp>
+            <p:nvCxnSpPr>
+              <p:cNvPr id="37" name="Straight Connector 36"/>
+              <p:cNvCxnSpPr/>
+              <p:nvPr/>
+            </p:nvCxnSpPr>
+            <p:spPr>
+              <a:xfrm flipV="1">
+                <a:off x="4735100" y="3465585"/>
+                <a:ext cx="932864" cy="1197448"/>
+              </a:xfrm>
+              <a:prstGeom prst="line">
+                <a:avLst/>
+              </a:prstGeom>
+              <a:ln w="22225">
+                <a:solidFill>
+                  <a:schemeClr val="tx1"/>
+                </a:solidFill>
+                <a:prstDash val="dash"/>
+              </a:ln>
+            </p:spPr>
+            <p:style>
+              <a:lnRef idx="1">
+                <a:schemeClr val="accent1"/>
+              </a:lnRef>
+              <a:fillRef idx="0">
+                <a:schemeClr val="accent1"/>
+              </a:fillRef>
+              <a:effectRef idx="0">
+                <a:schemeClr val="accent1"/>
+              </a:effectRef>
+              <a:fontRef idx="minor">
+                <a:schemeClr val="tx1"/>
+              </a:fontRef>
+            </p:style>
+          </p:cxnSp>
+          <p:cxnSp>
+            <p:nvCxnSpPr>
+              <p:cNvPr id="40" name="Straight Connector 39"/>
+              <p:cNvCxnSpPr/>
+              <p:nvPr/>
+            </p:nvCxnSpPr>
+            <p:spPr>
+              <a:xfrm flipH="1" flipV="1">
+                <a:off x="5025460" y="1737550"/>
+                <a:ext cx="642504" cy="1740273"/>
+              </a:xfrm>
+              <a:prstGeom prst="line">
+                <a:avLst/>
+              </a:prstGeom>
+              <a:ln w="22225">
+                <a:solidFill>
+                  <a:schemeClr val="tx1"/>
+                </a:solidFill>
+                <a:prstDash val="dash"/>
+              </a:ln>
+            </p:spPr>
+            <p:style>
+              <a:lnRef idx="1">
+                <a:schemeClr val="accent1"/>
+              </a:lnRef>
+              <a:fillRef idx="0">
+                <a:schemeClr val="accent1"/>
+              </a:fillRef>
+              <a:effectRef idx="0">
+                <a:schemeClr val="accent1"/>
+              </a:effectRef>
+              <a:fontRef idx="minor">
+                <a:schemeClr val="tx1"/>
+              </a:fontRef>
+            </p:style>
+          </p:cxnSp>
+          <p:cxnSp>
+            <p:nvCxnSpPr>
+              <p:cNvPr id="43" name="Straight Connector 42"/>
+              <p:cNvCxnSpPr/>
+              <p:nvPr/>
+            </p:nvCxnSpPr>
+            <p:spPr>
+              <a:xfrm flipV="1">
+                <a:off x="4735100" y="2155046"/>
+                <a:ext cx="412804" cy="2507987"/>
+              </a:xfrm>
+              <a:prstGeom prst="line">
+                <a:avLst/>
+              </a:prstGeom>
+              <a:ln w="22225">
+                <a:solidFill>
+                  <a:schemeClr val="tx1"/>
+                </a:solidFill>
+                <a:prstDash val="dash"/>
+              </a:ln>
+            </p:spPr>
+            <p:style>
+              <a:lnRef idx="1">
+                <a:schemeClr val="accent1"/>
+              </a:lnRef>
+              <a:fillRef idx="0">
+                <a:schemeClr val="accent1"/>
+              </a:fillRef>
+              <a:effectRef idx="0">
+                <a:schemeClr val="accent1"/>
+              </a:effectRef>
+              <a:fontRef idx="minor">
+                <a:schemeClr val="tx1"/>
+              </a:fontRef>
+            </p:style>
+          </p:cxnSp>
+          <mc:AlternateContent xmlns:mc="http://schemas.openxmlformats.org/markup-compatibility/2006">
+            <mc:Choice xmlns:a14="http://schemas.microsoft.com/office/drawing/2010/main" Requires="a14">
+              <p:sp>
+                <p:nvSpPr>
+                  <p:cNvPr id="48" name="TextBox 47"/>
+                  <p:cNvSpPr txBox="1"/>
+                  <p:nvPr/>
+                </p:nvSpPr>
+                <p:spPr>
+                  <a:xfrm>
+                    <a:off x="5133428" y="4280052"/>
+                    <a:ext cx="200696" cy="276999"/>
+                  </a:xfrm>
+                  <a:prstGeom prst="rect">
+                    <a:avLst/>
+                  </a:prstGeom>
+                  <a:noFill/>
+                </p:spPr>
+                <p:txBody>
+                  <a:bodyPr wrap="none" lIns="0" tIns="0" rIns="0" bIns="0" rtlCol="0">
+                    <a:spAutoFit/>
+                  </a:bodyPr>
+                  <a:lstStyle/>
+                  <a:p>
+                    <a14:m>
+                      <m:oMathPara xmlns:m="http://schemas.openxmlformats.org/officeDocument/2006/math">
+                        <m:oMathParaPr>
+                          <m:jc m:val="centerGroup"/>
+                        </m:oMathParaPr>
+                        <m:oMath xmlns:m="http://schemas.openxmlformats.org/officeDocument/2006/math">
+                          <m:r>
+                            <a:rPr lang="en-US" i="1" smtClean="0">
+                              <a:latin typeface="Helvetica" charset="0"/>
+                              <a:ea typeface="Helvetica" charset="0"/>
+                              <a:cs typeface="Helvetica" charset="0"/>
+                            </a:rPr>
+                            <m:t>𝜃</m:t>
+                          </m:r>
+                        </m:oMath>
+                      </m:oMathPara>
+                    </a14:m>
+                    <a:endParaRPr lang="en-US" dirty="0">
+                      <a:latin typeface="Helvetica" charset="0"/>
+                      <a:ea typeface="Helvetica" charset="0"/>
+                      <a:cs typeface="Helvetica" charset="0"/>
+                    </a:endParaRPr>
+                  </a:p>
+                </p:txBody>
+              </p:sp>
+            </mc:Choice>
+            <mc:Fallback>
+              <p:sp>
+                <p:nvSpPr>
+                  <p:cNvPr id="48" name="TextBox 47"/>
+                  <p:cNvSpPr txBox="1">
+                    <a:spLocks noRot="1" noChangeAspect="1" noMove="1" noResize="1" noEditPoints="1" noAdjustHandles="1" noChangeArrowheads="1" noChangeShapeType="1" noTextEdit="1"/>
+                  </p:cNvSpPr>
+                  <p:nvPr/>
+                </p:nvSpPr>
+                <p:spPr>
+                  <a:xfrm>
+                    <a:off x="5133428" y="4280052"/>
+                    <a:ext cx="200696" cy="276999"/>
+                  </a:xfrm>
+                  <a:prstGeom prst="rect">
+                    <a:avLst/>
+                  </a:prstGeom>
+                  <a:blipFill rotWithShape="0">
+                    <a:blip r:embed="rId4"/>
+                    <a:stretch>
+                      <a:fillRect l="-27273" r="-18182" b="-8889"/>
+                    </a:stretch>
+                  </a:blipFill>
+                </p:spPr>
+                <p:txBody>
+                  <a:bodyPr/>
+                  <a:lstStyle/>
+                  <a:p>
+                    <a:r>
+                      <a:rPr lang="en-US">
+                        <a:noFill/>
+                      </a:rPr>
+                      <a:t> </a:t>
+                    </a:r>
+                  </a:p>
+                </p:txBody>
+              </p:sp>
+            </mc:Fallback>
+          </mc:AlternateContent>
+          <p:pic>
+            <p:nvPicPr>
+              <p:cNvPr id="58" name="Picture 57"/>
+              <p:cNvPicPr>
+                <a:picLocks noChangeAspect="1"/>
+              </p:cNvPicPr>
+              <p:nvPr/>
+            </p:nvPicPr>
+            <p:blipFill>
+              <a:blip r:embed="rId5"/>
+              <a:stretch>
+                <a:fillRect/>
+              </a:stretch>
+            </p:blipFill>
+            <p:spPr>
+              <a:xfrm rot="12046891">
+                <a:off x="6339776" y="5522115"/>
+                <a:ext cx="1162229" cy="628747"/>
+              </a:xfrm>
+              <a:prstGeom prst="rect">
+                <a:avLst/>
+              </a:prstGeom>
+            </p:spPr>
+          </p:pic>
+          <p:sp>
+            <p:nvSpPr>
+              <p:cNvPr id="59" name="TextBox 58"/>
+              <p:cNvSpPr txBox="1"/>
+              <p:nvPr/>
+            </p:nvSpPr>
+            <p:spPr>
+              <a:xfrm>
+                <a:off x="3773683" y="5991692"/>
+                <a:ext cx="1807033" cy="461665"/>
+              </a:xfrm>
+              <a:prstGeom prst="rect">
+                <a:avLst/>
+              </a:prstGeom>
+              <a:noFill/>
+            </p:spPr>
+            <p:txBody>
+              <a:bodyPr wrap="none" rtlCol="0">
+                <a:spAutoFit/>
+              </a:bodyPr>
+              <a:lstStyle/>
+              <a:p>
+                <a:r>
+                  <a:rPr lang="en-US" sz="2400" dirty="0" smtClean="0">
+                    <a:latin typeface="Helvetica" charset="0"/>
+                    <a:ea typeface="Helvetica" charset="0"/>
+                    <a:cs typeface="Helvetica" charset="0"/>
+                  </a:rPr>
+                  <a:t>L = 750 mm</a:t>
+                </a:r>
+                <a:endParaRPr lang="en-US" sz="2400" dirty="0">
+                  <a:latin typeface="Helvetica" charset="0"/>
+                  <a:ea typeface="Helvetica" charset="0"/>
+                  <a:cs typeface="Helvetica" charset="0"/>
+                </a:endParaRPr>
+              </a:p>
+            </p:txBody>
+          </p:sp>
+          <p:sp>
+            <p:nvSpPr>
+              <p:cNvPr id="60" name="TextBox 59"/>
+              <p:cNvSpPr txBox="1"/>
+              <p:nvPr/>
+            </p:nvSpPr>
+            <p:spPr>
+              <a:xfrm rot="16200000">
+                <a:off x="-225508" y="3263817"/>
+                <a:ext cx="1936749" cy="461665"/>
+              </a:xfrm>
+              <a:prstGeom prst="rect">
+                <a:avLst/>
+              </a:prstGeom>
+              <a:noFill/>
+            </p:spPr>
+            <p:txBody>
+              <a:bodyPr wrap="none" rtlCol="0">
+                <a:spAutoFit/>
+              </a:bodyPr>
+              <a:lstStyle/>
+              <a:p>
+                <a:r>
+                  <a:rPr lang="en-US" sz="2400" dirty="0" smtClean="0">
+                    <a:latin typeface="Helvetica" charset="0"/>
+                    <a:ea typeface="Helvetica" charset="0"/>
+                    <a:cs typeface="Helvetica" charset="0"/>
+                  </a:rPr>
+                  <a:t>W = 500 mm</a:t>
+                </a:r>
+                <a:endParaRPr lang="en-US" sz="2400" dirty="0">
+                  <a:latin typeface="Helvetica" charset="0"/>
+                  <a:ea typeface="Helvetica" charset="0"/>
+                  <a:cs typeface="Helvetica" charset="0"/>
+                </a:endParaRPr>
+              </a:p>
+            </p:txBody>
+          </p:sp>
+          <p:sp>
+            <p:nvSpPr>
+              <p:cNvPr id="61" name="Freeform 60"/>
+              <p:cNvSpPr/>
+              <p:nvPr/>
+            </p:nvSpPr>
+            <p:spPr>
+              <a:xfrm>
+                <a:off x="4986338" y="4371975"/>
+                <a:ext cx="143768" cy="290701"/>
+              </a:xfrm>
+              <a:custGeom>
+                <a:avLst/>
+                <a:gdLst>
+                  <a:gd name="connsiteX0" fmla="*/ 0 w 143768"/>
+                  <a:gd name="connsiteY0" fmla="*/ 0 h 290701"/>
+                  <a:gd name="connsiteX1" fmla="*/ 42862 w 143768"/>
+                  <a:gd name="connsiteY1" fmla="*/ 57150 h 290701"/>
+                  <a:gd name="connsiteX2" fmla="*/ 114300 w 143768"/>
+                  <a:gd name="connsiteY2" fmla="*/ 128588 h 290701"/>
+                  <a:gd name="connsiteX3" fmla="*/ 142875 w 143768"/>
+                  <a:gd name="connsiteY3" fmla="*/ 214313 h 290701"/>
+                  <a:gd name="connsiteX4" fmla="*/ 128587 w 143768"/>
+                  <a:gd name="connsiteY4" fmla="*/ 271463 h 290701"/>
+                </a:gdLst>
+                <a:ahLst/>
+                <a:cxnLst>
+                  <a:cxn ang="0">
+                    <a:pos x="connsiteX0" y="connsiteY0"/>
+                  </a:cxn>
+                  <a:cxn ang="0">
+                    <a:pos x="connsiteX1" y="connsiteY1"/>
+                  </a:cxn>
+                  <a:cxn ang="0">
+                    <a:pos x="connsiteX2" y="connsiteY2"/>
+                  </a:cxn>
+                  <a:cxn ang="0">
+                    <a:pos x="connsiteX3" y="connsiteY3"/>
+                  </a:cxn>
+                  <a:cxn ang="0">
+                    <a:pos x="connsiteX4" y="connsiteY4"/>
+                  </a:cxn>
+                </a:cxnLst>
+                <a:rect l="l" t="t" r="r" b="b"/>
+                <a:pathLst>
+                  <a:path w="143768" h="290701">
+                    <a:moveTo>
+                      <a:pt x="0" y="0"/>
+                    </a:moveTo>
+                    <a:cubicBezTo>
+                      <a:pt x="14287" y="19050"/>
+                      <a:pt x="26024" y="40312"/>
+                      <a:pt x="42862" y="57150"/>
+                    </a:cubicBezTo>
+                    <a:cubicBezTo>
+                      <a:pt x="138113" y="152401"/>
+                      <a:pt x="38100" y="14287"/>
+                      <a:pt x="114300" y="128588"/>
+                    </a:cubicBezTo>
+                    <a:cubicBezTo>
+                      <a:pt x="123825" y="157163"/>
+                      <a:pt x="148782" y="184777"/>
+                      <a:pt x="142875" y="214313"/>
+                    </a:cubicBezTo>
+                    <a:cubicBezTo>
+                      <a:pt x="127653" y="290420"/>
+                      <a:pt x="128587" y="310034"/>
+                      <a:pt x="128587" y="271463"/>
+                    </a:cubicBezTo>
+                  </a:path>
+                </a:pathLst>
+              </a:custGeom>
+              <a:noFill/>
+              <a:ln w="28575">
+                <a:solidFill>
+                  <a:schemeClr val="tx1"/>
+                </a:solidFill>
+              </a:ln>
             </p:spPr>
             <p:style>
               <a:lnRef idx="2">
@@ -3649,60 +4943,362 @@
           </p:sp>
           <p:sp>
             <p:nvSpPr>
-              <p:cNvPr id="6" name="Rectangle 5"/>
+              <p:cNvPr id="62" name="TextBox 61"/>
+              <p:cNvSpPr txBox="1"/>
+              <p:nvPr/>
+            </p:nvSpPr>
+            <p:spPr>
+              <a:xfrm>
+                <a:off x="5360114" y="3786878"/>
+                <a:ext cx="679673" cy="369332"/>
+              </a:xfrm>
+              <a:prstGeom prst="rect">
+                <a:avLst/>
+              </a:prstGeom>
+              <a:noFill/>
+            </p:spPr>
+            <p:txBody>
+              <a:bodyPr wrap="none" rtlCol="0">
+                <a:spAutoFit/>
+              </a:bodyPr>
+              <a:lstStyle/>
+              <a:p>
+                <a:r>
+                  <a:rPr lang="en-US" dirty="0" err="1" smtClean="0">
+                    <a:solidFill>
+                      <a:srgbClr val="FF0000"/>
+                    </a:solidFill>
+                    <a:latin typeface="Helvetica" charset="0"/>
+                    <a:ea typeface="Helvetica" charset="0"/>
+                    <a:cs typeface="Helvetica" charset="0"/>
+                  </a:rPr>
+                  <a:t>V</a:t>
+                </a:r>
+                <a:r>
+                  <a:rPr lang="en-US" baseline="-25000" dirty="0" err="1" smtClean="0">
+                    <a:solidFill>
+                      <a:srgbClr val="FF0000"/>
+                    </a:solidFill>
+                    <a:latin typeface="Helvetica" charset="0"/>
+                    <a:ea typeface="Helvetica" charset="0"/>
+                    <a:cs typeface="Helvetica" charset="0"/>
+                  </a:rPr>
+                  <a:t>robot</a:t>
+                </a:r>
+                <a:endParaRPr lang="en-US" baseline="-25000" dirty="0">
+                  <a:solidFill>
+                    <a:srgbClr val="FF0000"/>
+                  </a:solidFill>
+                  <a:latin typeface="Helvetica" charset="0"/>
+                  <a:ea typeface="Helvetica" charset="0"/>
+                  <a:cs typeface="Helvetica" charset="0"/>
+                </a:endParaRPr>
+              </a:p>
+            </p:txBody>
+          </p:sp>
+          <mc:AlternateContent xmlns:mc="http://schemas.openxmlformats.org/markup-compatibility/2006">
+            <mc:Choice xmlns:a14="http://schemas.microsoft.com/office/drawing/2010/main" Requires="a14">
+              <p:sp>
+                <p:nvSpPr>
+                  <p:cNvPr id="64" name="TextBox 63"/>
+                  <p:cNvSpPr txBox="1"/>
+                  <p:nvPr/>
+                </p:nvSpPr>
+                <p:spPr>
+                  <a:xfrm rot="18421389">
+                    <a:off x="4789534" y="3904935"/>
+                    <a:ext cx="481222" cy="276999"/>
+                  </a:xfrm>
+                  <a:prstGeom prst="rect">
+                    <a:avLst/>
+                  </a:prstGeom>
+                  <a:noFill/>
+                </p:spPr>
+                <p:txBody>
+                  <a:bodyPr wrap="none" lIns="0" tIns="0" rIns="0" bIns="0" rtlCol="0">
+                    <a:spAutoFit/>
+                  </a:bodyPr>
+                  <a:lstStyle/>
+                  <a:p>
+                    <a14:m>
+                      <m:oMath xmlns:m="http://schemas.openxmlformats.org/officeDocument/2006/math">
+                        <m:r>
+                          <m:rPr>
+                            <m:sty m:val="p"/>
+                          </m:rPr>
+                          <a:rPr lang="el-GR" i="1" smtClean="0">
+                            <a:solidFill>
+                              <a:srgbClr val="7030A0"/>
+                            </a:solidFill>
+                            <a:latin typeface="Helvetica" charset="0"/>
+                            <a:ea typeface="Helvetica" charset="0"/>
+                            <a:cs typeface="Helvetica" charset="0"/>
+                          </a:rPr>
+                          <m:t>Δ</m:t>
+                        </m:r>
+                        <m:r>
+                          <a:rPr lang="en-US" i="1" smtClean="0">
+                            <a:solidFill>
+                              <a:srgbClr val="7030A0"/>
+                            </a:solidFill>
+                            <a:latin typeface="Helvetica" charset="0"/>
+                            <a:ea typeface="Helvetica" charset="0"/>
+                            <a:cs typeface="Helvetica" charset="0"/>
+                          </a:rPr>
+                          <m:t>𝜃</m:t>
+                        </m:r>
+                      </m:oMath>
+                    </a14:m>
+                    <a:r>
+                      <a:rPr lang="en-US" dirty="0" smtClean="0">
+                        <a:solidFill>
+                          <a:srgbClr val="7030A0"/>
+                        </a:solidFill>
+                        <a:latin typeface="Helvetica" charset="0"/>
+                        <a:ea typeface="Helvetica" charset="0"/>
+                        <a:cs typeface="Helvetica" charset="0"/>
+                      </a:rPr>
+                      <a:t>/2</a:t>
+                    </a:r>
+                    <a:endParaRPr lang="en-US" dirty="0">
+                      <a:solidFill>
+                        <a:srgbClr val="7030A0"/>
+                      </a:solidFill>
+                      <a:latin typeface="Helvetica" charset="0"/>
+                      <a:ea typeface="Helvetica" charset="0"/>
+                      <a:cs typeface="Helvetica" charset="0"/>
+                    </a:endParaRPr>
+                  </a:p>
+                </p:txBody>
+              </p:sp>
+            </mc:Choice>
+            <mc:Fallback>
+              <p:sp>
+                <p:nvSpPr>
+                  <p:cNvPr id="64" name="TextBox 63"/>
+                  <p:cNvSpPr txBox="1">
+                    <a:spLocks noRot="1" noChangeAspect="1" noMove="1" noResize="1" noEditPoints="1" noAdjustHandles="1" noChangeArrowheads="1" noChangeShapeType="1" noTextEdit="1"/>
+                  </p:cNvSpPr>
+                  <p:nvPr/>
+                </p:nvSpPr>
+                <p:spPr>
+                  <a:xfrm rot="18421389">
+                    <a:off x="4789534" y="3904935"/>
+                    <a:ext cx="481222" cy="276999"/>
+                  </a:xfrm>
+                  <a:prstGeom prst="rect">
+                    <a:avLst/>
+                  </a:prstGeom>
+                  <a:blipFill rotWithShape="0">
+                    <a:blip r:embed="rId6"/>
+                    <a:stretch>
+                      <a:fillRect l="-5952" t="-26374" r="-36905" b="-14286"/>
+                    </a:stretch>
+                  </a:blipFill>
+                </p:spPr>
+                <p:txBody>
+                  <a:bodyPr/>
+                  <a:lstStyle/>
+                  <a:p>
+                    <a:r>
+                      <a:rPr lang="en-US">
+                        <a:noFill/>
+                      </a:rPr>
+                      <a:t> </a:t>
+                    </a:r>
+                  </a:p>
+                </p:txBody>
+              </p:sp>
+            </mc:Fallback>
+          </mc:AlternateContent>
+          <p:sp>
+            <p:nvSpPr>
+              <p:cNvPr id="69" name="Half Frame 68"/>
+              <p:cNvSpPr/>
+              <p:nvPr/>
+            </p:nvSpPr>
+            <p:spPr>
+              <a:xfrm rot="2328910">
+                <a:off x="4671080" y="4509262"/>
+                <a:ext cx="115683" cy="129747"/>
+              </a:xfrm>
+              <a:prstGeom prst="halfFrame">
+                <a:avLst>
+                  <a:gd name="adj1" fmla="val 0"/>
+                  <a:gd name="adj2" fmla="val 0"/>
+                </a:avLst>
+              </a:prstGeom>
+              <a:ln>
+                <a:solidFill>
+                  <a:schemeClr val="tx1"/>
+                </a:solidFill>
+              </a:ln>
+            </p:spPr>
+            <p:style>
+              <a:lnRef idx="2">
+                <a:schemeClr val="accent1">
+                  <a:shade val="50000"/>
+                </a:schemeClr>
+              </a:lnRef>
+              <a:fillRef idx="1">
+                <a:schemeClr val="accent1"/>
+              </a:fillRef>
+              <a:effectRef idx="0">
+                <a:schemeClr val="accent1"/>
+              </a:effectRef>
+              <a:fontRef idx="minor">
+                <a:schemeClr val="lt1"/>
+              </a:fontRef>
+            </p:style>
+            <p:txBody>
+              <a:bodyPr rtlCol="0" anchor="ctr"/>
+              <a:lstStyle/>
+              <a:p>
+                <a:pPr algn="ctr"/>
+                <a:endParaRPr lang="en-US">
+                  <a:solidFill>
+                    <a:schemeClr val="tx1"/>
+                  </a:solidFill>
+                  <a:latin typeface="Helvetica" charset="0"/>
+                  <a:ea typeface="Helvetica" charset="0"/>
+                  <a:cs typeface="Helvetica" charset="0"/>
+                </a:endParaRPr>
+              </a:p>
+            </p:txBody>
+          </p:sp>
+          <p:sp>
+            <p:nvSpPr>
+              <p:cNvPr id="70" name="Half Frame 69"/>
+              <p:cNvSpPr/>
+              <p:nvPr/>
+            </p:nvSpPr>
+            <p:spPr>
+              <a:xfrm rot="14826976">
+                <a:off x="5086878" y="2185039"/>
+                <a:ext cx="129007" cy="137521"/>
+              </a:xfrm>
+              <a:prstGeom prst="halfFrame">
+                <a:avLst>
+                  <a:gd name="adj1" fmla="val 0"/>
+                  <a:gd name="adj2" fmla="val 0"/>
+                </a:avLst>
+              </a:prstGeom>
+              <a:ln>
+                <a:solidFill>
+                  <a:schemeClr val="tx1"/>
+                </a:solidFill>
+              </a:ln>
+            </p:spPr>
+            <p:style>
+              <a:lnRef idx="2">
+                <a:schemeClr val="accent1">
+                  <a:shade val="50000"/>
+                </a:schemeClr>
+              </a:lnRef>
+              <a:fillRef idx="1">
+                <a:schemeClr val="accent1"/>
+              </a:fillRef>
+              <a:effectRef idx="0">
+                <a:schemeClr val="accent1"/>
+              </a:effectRef>
+              <a:fontRef idx="minor">
+                <a:schemeClr val="lt1"/>
+              </a:fontRef>
+            </p:style>
+            <p:txBody>
+              <a:bodyPr rtlCol="0" anchor="ctr"/>
+              <a:lstStyle/>
+              <a:p>
+                <a:pPr algn="ctr"/>
+                <a:endParaRPr lang="en-US">
+                  <a:solidFill>
+                    <a:schemeClr val="tx1"/>
+                  </a:solidFill>
+                  <a:latin typeface="Helvetica" charset="0"/>
+                  <a:ea typeface="Helvetica" charset="0"/>
+                  <a:cs typeface="Helvetica" charset="0"/>
+                </a:endParaRPr>
+              </a:p>
+            </p:txBody>
+          </p:sp>
+          <p:sp>
+            <p:nvSpPr>
+              <p:cNvPr id="71" name="Freeform 70"/>
               <p:cNvSpPr/>
               <p:nvPr/>
             </p:nvSpPr>
             <p:spPr>
               <a:xfrm>
-                <a:off x="7799294" y="2148828"/>
-                <a:ext cx="91440" cy="343360"/>
+                <a:off x="4793876" y="4323229"/>
+                <a:ext cx="154642" cy="87406"/>
               </a:xfrm>
-              <a:prstGeom prst="rect">
+              <a:custGeom>
                 <a:avLst/>
-              </a:prstGeom>
-              <a:gradFill flip="none" rotWithShape="1">
-                <a:gsLst>
-                  <a:gs pos="0">
-                    <a:schemeClr val="accent1">
-                      <a:lumMod val="89000"/>
-                      <a:alpha val="59000"/>
-                    </a:schemeClr>
-                  </a:gs>
-                  <a:gs pos="23000">
-                    <a:schemeClr val="accent1">
-                      <a:lumMod val="89000"/>
-                      <a:alpha val="52000"/>
-                    </a:schemeClr>
-                  </a:gs>
-                  <a:gs pos="68000">
-                    <a:schemeClr val="accent1">
-                      <a:lumMod val="75000"/>
-                      <a:alpha val="57000"/>
-                    </a:schemeClr>
-                  </a:gs>
-                  <a:gs pos="97000">
-                    <a:schemeClr val="accent1">
-                      <a:lumMod val="70000"/>
-                      <a:alpha val="55000"/>
-                    </a:schemeClr>
-                  </a:gs>
-                </a:gsLst>
-                <a:path path="circle">
-                  <a:fillToRect l="50000" t="50000" r="50000" b="50000"/>
-                </a:path>
-                <a:tileRect/>
-              </a:gradFill>
-              <a:ln>
-                <a:noFill/>
+                <a:gdLst>
+                  <a:gd name="connsiteX0" fmla="*/ 0 w 154642"/>
+                  <a:gd name="connsiteY0" fmla="*/ 0 h 87406"/>
+                  <a:gd name="connsiteX1" fmla="*/ 26895 w 154642"/>
+                  <a:gd name="connsiteY1" fmla="*/ 6724 h 87406"/>
+                  <a:gd name="connsiteX2" fmla="*/ 100853 w 154642"/>
+                  <a:gd name="connsiteY2" fmla="*/ 20171 h 87406"/>
+                  <a:gd name="connsiteX3" fmla="*/ 121024 w 154642"/>
+                  <a:gd name="connsiteY3" fmla="*/ 33618 h 87406"/>
+                  <a:gd name="connsiteX4" fmla="*/ 154642 w 154642"/>
+                  <a:gd name="connsiteY4" fmla="*/ 87406 h 87406"/>
+                </a:gdLst>
+                <a:ahLst/>
+                <a:cxnLst>
+                  <a:cxn ang="0">
+                    <a:pos x="connsiteX0" y="connsiteY0"/>
+                  </a:cxn>
+                  <a:cxn ang="0">
+                    <a:pos x="connsiteX1" y="connsiteY1"/>
+                  </a:cxn>
+                  <a:cxn ang="0">
+                    <a:pos x="connsiteX2" y="connsiteY2"/>
+                  </a:cxn>
+                  <a:cxn ang="0">
+                    <a:pos x="connsiteX3" y="connsiteY3"/>
+                  </a:cxn>
+                  <a:cxn ang="0">
+                    <a:pos x="connsiteX4" y="connsiteY4"/>
+                  </a:cxn>
+                </a:cxnLst>
+                <a:rect l="l" t="t" r="r" b="b"/>
+                <a:pathLst>
+                  <a:path w="154642" h="87406">
+                    <a:moveTo>
+                      <a:pt x="0" y="0"/>
+                    </a:moveTo>
+                    <a:cubicBezTo>
+                      <a:pt x="8965" y="2241"/>
+                      <a:pt x="17780" y="5205"/>
+                      <a:pt x="26895" y="6724"/>
+                    </a:cubicBezTo>
+                    <a:cubicBezTo>
+                      <a:pt x="47763" y="10202"/>
+                      <a:pt x="79212" y="9350"/>
+                      <a:pt x="100853" y="20171"/>
+                    </a:cubicBezTo>
+                    <a:cubicBezTo>
+                      <a:pt x="108081" y="23785"/>
+                      <a:pt x="114300" y="29136"/>
+                      <a:pt x="121024" y="33618"/>
+                    </a:cubicBezTo>
+                    <a:cubicBezTo>
+                      <a:pt x="150698" y="78129"/>
+                      <a:pt x="140690" y="59504"/>
+                      <a:pt x="154642" y="87406"/>
+                    </a:cubicBezTo>
+                  </a:path>
+                </a:pathLst>
+              </a:custGeom>
+              <a:noFill/>
+              <a:ln w="22225">
+                <a:solidFill>
+                  <a:srgbClr val="7030A0"/>
+                </a:solidFill>
               </a:ln>
-              <a:scene3d>
-                <a:camera prst="orthographicFront"/>
-                <a:lightRig rig="threePt" dir="t"/>
-              </a:scene3d>
-              <a:sp3d>
-                <a:bevelT/>
-              </a:sp3d>
             </p:spPr>
             <p:style>
               <a:lnRef idx="2">
@@ -3733,62 +5329,335 @@
               </a:p>
             </p:txBody>
           </p:sp>
+          <mc:AlternateContent xmlns:mc="http://schemas.openxmlformats.org/markup-compatibility/2006">
+            <mc:Choice xmlns:a14="http://schemas.microsoft.com/office/drawing/2010/main" Requires="a14">
+              <p:sp>
+                <p:nvSpPr>
+                  <p:cNvPr id="72" name="TextBox 71"/>
+                  <p:cNvSpPr txBox="1"/>
+                  <p:nvPr/>
+                </p:nvSpPr>
+                <p:spPr>
+                  <a:xfrm>
+                    <a:off x="4617736" y="3205250"/>
+                    <a:ext cx="314124" cy="276999"/>
+                  </a:xfrm>
+                  <a:prstGeom prst="rect">
+                    <a:avLst/>
+                  </a:prstGeom>
+                  <a:noFill/>
+                </p:spPr>
+                <p:txBody>
+                  <a:bodyPr wrap="none" lIns="0" tIns="0" rIns="0" bIns="0" rtlCol="0">
+                    <a:spAutoFit/>
+                  </a:bodyPr>
+                  <a:lstStyle/>
+                  <a:p>
+                    <a14:m>
+                      <m:oMathPara xmlns:m="http://schemas.openxmlformats.org/officeDocument/2006/math">
+                        <m:oMathParaPr>
+                          <m:jc m:val="centerGroup"/>
+                        </m:oMathParaPr>
+                        <m:oMath xmlns:m="http://schemas.openxmlformats.org/officeDocument/2006/math">
+                          <m:r>
+                            <m:rPr>
+                              <m:sty m:val="p"/>
+                            </m:rPr>
+                            <a:rPr lang="el-GR" i="1" smtClean="0">
+                              <a:latin typeface="Helvetica" charset="0"/>
+                              <a:ea typeface="Helvetica" charset="0"/>
+                              <a:cs typeface="Helvetica" charset="0"/>
+                            </a:rPr>
+                            <m:t>Δ</m:t>
+                          </m:r>
+                          <m:r>
+                            <a:rPr lang="en-US" b="0" i="1" smtClean="0">
+                              <a:latin typeface="Helvetica" charset="0"/>
+                              <a:ea typeface="Helvetica" charset="0"/>
+                              <a:cs typeface="Helvetica" charset="0"/>
+                            </a:rPr>
+                            <m:t>𝑠</m:t>
+                          </m:r>
+                        </m:oMath>
+                      </m:oMathPara>
+                    </a14:m>
+                    <a:endParaRPr lang="en-US" dirty="0">
+                      <a:latin typeface="Helvetica" charset="0"/>
+                      <a:ea typeface="Helvetica" charset="0"/>
+                      <a:cs typeface="Helvetica" charset="0"/>
+                    </a:endParaRPr>
+                  </a:p>
+                </p:txBody>
+              </p:sp>
+            </mc:Choice>
+            <mc:Fallback>
+              <p:sp>
+                <p:nvSpPr>
+                  <p:cNvPr id="72" name="TextBox 71"/>
+                  <p:cNvSpPr txBox="1">
+                    <a:spLocks noRot="1" noChangeAspect="1" noMove="1" noResize="1" noEditPoints="1" noAdjustHandles="1" noChangeArrowheads="1" noChangeShapeType="1" noTextEdit="1"/>
+                  </p:cNvSpPr>
+                  <p:nvPr/>
+                </p:nvSpPr>
+                <p:spPr>
+                  <a:xfrm>
+                    <a:off x="4617736" y="3205250"/>
+                    <a:ext cx="314124" cy="276999"/>
+                  </a:xfrm>
+                  <a:prstGeom prst="rect">
+                    <a:avLst/>
+                  </a:prstGeom>
+                  <a:blipFill rotWithShape="0">
+                    <a:blip r:embed="rId7"/>
+                    <a:stretch>
+                      <a:fillRect l="-15385" r="-7692" b="-8696"/>
+                    </a:stretch>
+                  </a:blipFill>
+                </p:spPr>
+                <p:txBody>
+                  <a:bodyPr/>
+                  <a:lstStyle/>
+                  <a:p>
+                    <a:r>
+                      <a:rPr lang="en-US">
+                        <a:noFill/>
+                      </a:rPr>
+                      <a:t> </a:t>
+                    </a:r>
+                  </a:p>
+                </p:txBody>
+              </p:sp>
+            </mc:Fallback>
+          </mc:AlternateContent>
+          <p:cxnSp>
+            <p:nvCxnSpPr>
+              <p:cNvPr id="75" name="Straight Connector 74"/>
+              <p:cNvCxnSpPr/>
+              <p:nvPr/>
+            </p:nvCxnSpPr>
+            <p:spPr>
+              <a:xfrm flipV="1">
+                <a:off x="5171811" y="1527353"/>
+                <a:ext cx="485953" cy="559747"/>
+              </a:xfrm>
+              <a:prstGeom prst="line">
+                <a:avLst/>
+              </a:prstGeom>
+              <a:ln w="22225">
+                <a:solidFill>
+                  <a:schemeClr val="tx1"/>
+                </a:solidFill>
+                <a:prstDash val="dash"/>
+              </a:ln>
+            </p:spPr>
+            <p:style>
+              <a:lnRef idx="1">
+                <a:schemeClr val="accent1"/>
+              </a:lnRef>
+              <a:fillRef idx="0">
+                <a:schemeClr val="accent1"/>
+              </a:fillRef>
+              <a:effectRef idx="0">
+                <a:schemeClr val="accent1"/>
+              </a:effectRef>
+              <a:fontRef idx="minor">
+                <a:schemeClr val="tx1"/>
+              </a:fontRef>
+            </p:style>
+          </p:cxnSp>
+          <mc:AlternateContent xmlns:mc="http://schemas.openxmlformats.org/markup-compatibility/2006">
+            <mc:Choice xmlns:a14="http://schemas.microsoft.com/office/drawing/2010/main" Requires="a14">
+              <p:sp>
+                <p:nvSpPr>
+                  <p:cNvPr id="79" name="TextBox 78"/>
+                  <p:cNvSpPr txBox="1"/>
+                  <p:nvPr/>
+                </p:nvSpPr>
+                <p:spPr>
+                  <a:xfrm>
+                    <a:off x="5121936" y="1568107"/>
+                    <a:ext cx="338554" cy="276999"/>
+                  </a:xfrm>
+                  <a:prstGeom prst="rect">
+                    <a:avLst/>
+                  </a:prstGeom>
+                  <a:noFill/>
+                </p:spPr>
+                <p:txBody>
+                  <a:bodyPr wrap="none" lIns="0" tIns="0" rIns="0" bIns="0" rtlCol="0">
+                    <a:spAutoFit/>
+                  </a:bodyPr>
+                  <a:lstStyle/>
+                  <a:p>
+                    <a14:m>
+                      <m:oMathPara xmlns:m="http://schemas.openxmlformats.org/officeDocument/2006/math">
+                        <m:oMathParaPr>
+                          <m:jc m:val="centerGroup"/>
+                        </m:oMathParaPr>
+                        <m:oMath xmlns:m="http://schemas.openxmlformats.org/officeDocument/2006/math">
+                          <m:r>
+                            <m:rPr>
+                              <m:sty m:val="p"/>
+                            </m:rPr>
+                            <a:rPr lang="el-GR" i="1" smtClean="0">
+                              <a:latin typeface="Helvetica" charset="0"/>
+                              <a:ea typeface="Helvetica" charset="0"/>
+                              <a:cs typeface="Helvetica" charset="0"/>
+                            </a:rPr>
+                            <m:t>Δ</m:t>
+                          </m:r>
+                          <m:r>
+                            <a:rPr lang="en-US" i="1" smtClean="0">
+                              <a:latin typeface="Helvetica" charset="0"/>
+                              <a:ea typeface="Helvetica" charset="0"/>
+                              <a:cs typeface="Helvetica" charset="0"/>
+                            </a:rPr>
+                            <m:t>𝜃</m:t>
+                          </m:r>
+                        </m:oMath>
+                      </m:oMathPara>
+                    </a14:m>
+                    <a:endParaRPr lang="en-US" dirty="0">
+                      <a:latin typeface="Helvetica" charset="0"/>
+                      <a:ea typeface="Helvetica" charset="0"/>
+                      <a:cs typeface="Helvetica" charset="0"/>
+                    </a:endParaRPr>
+                  </a:p>
+                </p:txBody>
+              </p:sp>
+            </mc:Choice>
+            <mc:Fallback>
+              <p:sp>
+                <p:nvSpPr>
+                  <p:cNvPr id="79" name="TextBox 78"/>
+                  <p:cNvSpPr txBox="1">
+                    <a:spLocks noRot="1" noChangeAspect="1" noMove="1" noResize="1" noEditPoints="1" noAdjustHandles="1" noChangeArrowheads="1" noChangeShapeType="1" noTextEdit="1"/>
+                  </p:cNvSpPr>
+                  <p:nvPr/>
+                </p:nvSpPr>
+                <p:spPr>
+                  <a:xfrm>
+                    <a:off x="5121936" y="1568107"/>
+                    <a:ext cx="338554" cy="276999"/>
+                  </a:xfrm>
+                  <a:prstGeom prst="rect">
+                    <a:avLst/>
+                  </a:prstGeom>
+                  <a:blipFill rotWithShape="0">
+                    <a:blip r:embed="rId3"/>
+                    <a:stretch>
+                      <a:fillRect l="-14286" r="-12500" b="-8889"/>
+                    </a:stretch>
+                  </a:blipFill>
+                </p:spPr>
+                <p:txBody>
+                  <a:bodyPr/>
+                  <a:lstStyle/>
+                  <a:p>
+                    <a:r>
+                      <a:rPr lang="en-US">
+                        <a:noFill/>
+                      </a:rPr>
+                      <a:t> </a:t>
+                    </a:r>
+                  </a:p>
+                </p:txBody>
+              </p:sp>
+            </mc:Fallback>
+          </mc:AlternateContent>
           <p:sp>
             <p:nvSpPr>
-              <p:cNvPr id="7" name="Rectangle 6"/>
+              <p:cNvPr id="80" name="Freeform 79"/>
               <p:cNvSpPr/>
               <p:nvPr/>
             </p:nvSpPr>
             <p:spPr>
               <a:xfrm>
-                <a:off x="8693973" y="2148828"/>
-                <a:ext cx="91440" cy="343360"/>
+                <a:off x="5096435" y="1949824"/>
+                <a:ext cx="147918" cy="40341"/>
               </a:xfrm>
-              <a:prstGeom prst="rect">
+              <a:custGeom>
                 <a:avLst/>
-              </a:prstGeom>
-              <a:gradFill flip="none" rotWithShape="1">
-                <a:gsLst>
-                  <a:gs pos="0">
-                    <a:schemeClr val="accent1">
-                      <a:lumMod val="89000"/>
-                      <a:alpha val="34000"/>
-                    </a:schemeClr>
-                  </a:gs>
-                  <a:gs pos="23000">
-                    <a:schemeClr val="accent1">
-                      <a:lumMod val="89000"/>
-                      <a:alpha val="70000"/>
-                    </a:schemeClr>
-                  </a:gs>
-                  <a:gs pos="69000">
-                    <a:schemeClr val="accent1">
-                      <a:lumMod val="75000"/>
-                      <a:alpha val="61000"/>
-                    </a:schemeClr>
-                  </a:gs>
-                  <a:gs pos="96000">
-                    <a:schemeClr val="accent1">
-                      <a:lumMod val="70000"/>
-                      <a:alpha val="57000"/>
-                    </a:schemeClr>
-                  </a:gs>
-                </a:gsLst>
-                <a:path path="circle">
-                  <a:fillToRect l="50000" t="50000" r="50000" b="50000"/>
-                </a:path>
-                <a:tileRect/>
-              </a:gradFill>
-              <a:ln>
-                <a:noFill/>
-              </a:ln>
-              <a:scene3d>
-                <a:camera prst="orthographicFront"/>
-                <a:lightRig rig="threePt" dir="t"/>
-              </a:scene3d>
-              <a:sp3d>
-                <a:bevelT/>
-              </a:sp3d>
+                <a:gdLst>
+                  <a:gd name="connsiteX0" fmla="*/ 0 w 147918"/>
+                  <a:gd name="connsiteY0" fmla="*/ 13447 h 40341"/>
+                  <a:gd name="connsiteX1" fmla="*/ 33618 w 147918"/>
+                  <a:gd name="connsiteY1" fmla="*/ 6723 h 40341"/>
+                  <a:gd name="connsiteX2" fmla="*/ 60512 w 147918"/>
+                  <a:gd name="connsiteY2" fmla="*/ 0 h 40341"/>
+                  <a:gd name="connsiteX3" fmla="*/ 107577 w 147918"/>
+                  <a:gd name="connsiteY3" fmla="*/ 6723 h 40341"/>
+                  <a:gd name="connsiteX4" fmla="*/ 127747 w 147918"/>
+                  <a:gd name="connsiteY4" fmla="*/ 13447 h 40341"/>
+                  <a:gd name="connsiteX5" fmla="*/ 141194 w 147918"/>
+                  <a:gd name="connsiteY5" fmla="*/ 33617 h 40341"/>
+                  <a:gd name="connsiteX6" fmla="*/ 147918 w 147918"/>
+                  <a:gd name="connsiteY6" fmla="*/ 40341 h 40341"/>
+                </a:gdLst>
+                <a:ahLst/>
+                <a:cxnLst>
+                  <a:cxn ang="0">
+                    <a:pos x="connsiteX0" y="connsiteY0"/>
+                  </a:cxn>
+                  <a:cxn ang="0">
+                    <a:pos x="connsiteX1" y="connsiteY1"/>
+                  </a:cxn>
+                  <a:cxn ang="0">
+                    <a:pos x="connsiteX2" y="connsiteY2"/>
+                  </a:cxn>
+                  <a:cxn ang="0">
+                    <a:pos x="connsiteX3" y="connsiteY3"/>
+                  </a:cxn>
+                  <a:cxn ang="0">
+                    <a:pos x="connsiteX4" y="connsiteY4"/>
+                  </a:cxn>
+                  <a:cxn ang="0">
+                    <a:pos x="connsiteX5" y="connsiteY5"/>
+                  </a:cxn>
+                  <a:cxn ang="0">
+                    <a:pos x="connsiteX6" y="connsiteY6"/>
+                  </a:cxn>
+                </a:cxnLst>
+                <a:rect l="l" t="t" r="r" b="b"/>
+                <a:pathLst>
+                  <a:path w="147918" h="40341">
+                    <a:moveTo>
+                      <a:pt x="0" y="13447"/>
+                    </a:moveTo>
+                    <a:cubicBezTo>
+                      <a:pt x="11206" y="11206"/>
+                      <a:pt x="22462" y="9202"/>
+                      <a:pt x="33618" y="6723"/>
+                    </a:cubicBezTo>
+                    <a:cubicBezTo>
+                      <a:pt x="42638" y="4718"/>
+                      <a:pt x="51271" y="0"/>
+                      <a:pt x="60512" y="0"/>
+                    </a:cubicBezTo>
+                    <a:cubicBezTo>
+                      <a:pt x="76360" y="0"/>
+                      <a:pt x="91889" y="4482"/>
+                      <a:pt x="107577" y="6723"/>
+                    </a:cubicBezTo>
+                    <a:cubicBezTo>
+                      <a:pt x="114300" y="8964"/>
+                      <a:pt x="122213" y="9020"/>
+                      <a:pt x="127747" y="13447"/>
+                    </a:cubicBezTo>
+                    <a:cubicBezTo>
+                      <a:pt x="134057" y="18495"/>
+                      <a:pt x="136346" y="27153"/>
+                      <a:pt x="141194" y="33617"/>
+                    </a:cubicBezTo>
+                    <a:cubicBezTo>
+                      <a:pt x="143096" y="36153"/>
+                      <a:pt x="145677" y="38100"/>
+                      <a:pt x="147918" y="40341"/>
+                    </a:cubicBezTo>
+                  </a:path>
+                </a:pathLst>
+              </a:custGeom>
+              <a:noFill/>
             </p:spPr>
             <p:style>
               <a:lnRef idx="2">
@@ -3819,34 +5688,520 @@
               </a:p>
             </p:txBody>
           </p:sp>
+          <p:cxnSp>
+            <p:nvCxnSpPr>
+              <p:cNvPr id="82" name="Straight Arrow Connector 81"/>
+              <p:cNvCxnSpPr/>
+              <p:nvPr/>
+            </p:nvCxnSpPr>
+            <p:spPr>
+              <a:xfrm>
+                <a:off x="6530210" y="5605963"/>
+                <a:ext cx="860612" cy="0"/>
+              </a:xfrm>
+              <a:prstGeom prst="straightConnector1">
+                <a:avLst/>
+              </a:prstGeom>
+              <a:ln w="31750">
+                <a:solidFill>
+                  <a:schemeClr val="tx1"/>
+                </a:solidFill>
+                <a:tailEnd type="triangle"/>
+              </a:ln>
+            </p:spPr>
+            <p:style>
+              <a:lnRef idx="1">
+                <a:schemeClr val="accent1"/>
+              </a:lnRef>
+              <a:fillRef idx="0">
+                <a:schemeClr val="accent1"/>
+              </a:fillRef>
+              <a:effectRef idx="0">
+                <a:schemeClr val="accent1"/>
+              </a:effectRef>
+              <a:fontRef idx="minor">
+                <a:schemeClr val="tx1"/>
+              </a:fontRef>
+            </p:style>
+          </p:cxnSp>
+          <p:sp>
+            <p:nvSpPr>
+              <p:cNvPr id="83" name="TextBox 82"/>
+              <p:cNvSpPr txBox="1"/>
+              <p:nvPr/>
+            </p:nvSpPr>
+            <p:spPr>
+              <a:xfrm>
+                <a:off x="6111260" y="5221109"/>
+                <a:ext cx="1749197" cy="369332"/>
+              </a:xfrm>
+              <a:prstGeom prst="rect">
+                <a:avLst/>
+              </a:prstGeom>
+              <a:noFill/>
+            </p:spPr>
+            <p:txBody>
+              <a:bodyPr wrap="none" rtlCol="0">
+                <a:spAutoFit/>
+              </a:bodyPr>
+              <a:lstStyle/>
+              <a:p>
+                <a:r>
+                  <a:rPr lang="en-US" smtClean="0">
+                    <a:latin typeface="Helvetica" charset="0"/>
+                    <a:ea typeface="Helvetica" charset="0"/>
+                    <a:cs typeface="Helvetica" charset="0"/>
+                  </a:rPr>
+                  <a:t>Magnetic North</a:t>
+                </a:r>
+                <a:endParaRPr lang="en-US">
+                  <a:latin typeface="Helvetica" charset="0"/>
+                  <a:ea typeface="Helvetica" charset="0"/>
+                  <a:cs typeface="Helvetica" charset="0"/>
+                </a:endParaRPr>
+              </a:p>
+            </p:txBody>
+          </p:sp>
+          <mc:AlternateContent xmlns:mc="http://schemas.openxmlformats.org/markup-compatibility/2006">
+            <mc:Choice xmlns:a14="http://schemas.microsoft.com/office/drawing/2010/main" Requires="a14">
+              <p:sp>
+                <p:nvSpPr>
+                  <p:cNvPr id="84" name="TextBox 83"/>
+                  <p:cNvSpPr txBox="1"/>
+                  <p:nvPr/>
+                </p:nvSpPr>
+                <p:spPr>
+                  <a:xfrm>
+                    <a:off x="5228282" y="4774556"/>
+                    <a:ext cx="1192058" cy="369332"/>
+                  </a:xfrm>
+                  <a:prstGeom prst="rect">
+                    <a:avLst/>
+                  </a:prstGeom>
+                  <a:noFill/>
+                </p:spPr>
+                <p:txBody>
+                  <a:bodyPr wrap="none" rtlCol="0">
+                    <a:spAutoFit/>
+                  </a:bodyPr>
+                  <a:lstStyle/>
+                  <a:p>
+                    <a:r>
+                      <a:rPr lang="en-US" dirty="0" smtClean="0"/>
+                      <a:t>(</a:t>
+                    </a:r>
+                    <a14:m>
+                      <m:oMath xmlns:m="http://schemas.openxmlformats.org/officeDocument/2006/math">
+                        <m:sSub>
+                          <m:sSubPr>
+                            <m:ctrlPr>
+                              <a:rPr lang="en-US" i="1" smtClean="0">
+                                <a:latin typeface="Cambria Math" charset="0"/>
+                              </a:rPr>
+                            </m:ctrlPr>
+                          </m:sSubPr>
+                          <m:e>
+                            <m:r>
+                              <a:rPr lang="en-US" b="0" i="1" smtClean="0">
+                                <a:latin typeface="Cambria Math" charset="0"/>
+                              </a:rPr>
+                              <m:t>𝑥</m:t>
+                            </m:r>
+                          </m:e>
+                          <m:sub>
+                            <m:r>
+                              <a:rPr lang="en-US" b="0" i="1" smtClean="0">
+                                <a:latin typeface="Cambria Math" charset="0"/>
+                              </a:rPr>
+                              <m:t>𝑡</m:t>
+                            </m:r>
+                          </m:sub>
+                        </m:sSub>
+                        <m:r>
+                          <a:rPr lang="en-US" b="0" i="1" smtClean="0">
+                            <a:latin typeface="Cambria Math" charset="0"/>
+                          </a:rPr>
+                          <m:t>,</m:t>
+                        </m:r>
+                        <m:sSub>
+                          <m:sSubPr>
+                            <m:ctrlPr>
+                              <a:rPr lang="en-US" i="1" smtClean="0">
+                                <a:latin typeface="Cambria Math" charset="0"/>
+                              </a:rPr>
+                            </m:ctrlPr>
+                          </m:sSubPr>
+                          <m:e>
+                            <m:r>
+                              <a:rPr lang="en-US" b="0" i="1" smtClean="0">
+                                <a:latin typeface="Cambria Math" charset="0"/>
+                              </a:rPr>
+                              <m:t>𝑦</m:t>
+                            </m:r>
+                          </m:e>
+                          <m:sub>
+                            <m:r>
+                              <a:rPr lang="en-US" b="0" i="1" smtClean="0">
+                                <a:latin typeface="Cambria Math" charset="0"/>
+                              </a:rPr>
+                              <m:t>𝑡</m:t>
+                            </m:r>
+                          </m:sub>
+                        </m:sSub>
+                        <m:sSub>
+                          <m:sSubPr>
+                            <m:ctrlPr>
+                              <a:rPr lang="en-US" i="1" smtClean="0">
+                                <a:latin typeface="Cambria Math" charset="0"/>
+                              </a:rPr>
+                            </m:ctrlPr>
+                          </m:sSubPr>
+                          <m:e>
+                            <m:r>
+                              <a:rPr lang="en-US" b="0" i="1" smtClean="0">
+                                <a:latin typeface="Cambria Math" charset="0"/>
+                              </a:rPr>
+                              <m:t>,</m:t>
+                            </m:r>
+                            <m:r>
+                              <a:rPr lang="en-US" i="1" smtClean="0">
+                                <a:latin typeface="Cambria Math" charset="0"/>
+                                <a:ea typeface="Cambria Math" charset="0"/>
+                                <a:cs typeface="Cambria Math" charset="0"/>
+                              </a:rPr>
+                              <m:t>𝜃</m:t>
+                            </m:r>
+                          </m:e>
+                          <m:sub>
+                            <m:r>
+                              <a:rPr lang="en-US" b="0" i="1" smtClean="0">
+                                <a:latin typeface="Cambria Math" charset="0"/>
+                              </a:rPr>
+                              <m:t>𝑡</m:t>
+                            </m:r>
+                          </m:sub>
+                        </m:sSub>
+                        <m:r>
+                          <a:rPr lang="en-US" b="0" i="1" smtClean="0">
+                            <a:latin typeface="Cambria Math" charset="0"/>
+                          </a:rPr>
+                          <m:t>)</m:t>
+                        </m:r>
+                      </m:oMath>
+                    </a14:m>
+                    <a:endParaRPr lang="en-US" dirty="0"/>
+                  </a:p>
+                </p:txBody>
+              </p:sp>
+            </mc:Choice>
+            <mc:Fallback>
+              <p:sp>
+                <p:nvSpPr>
+                  <p:cNvPr id="84" name="TextBox 83"/>
+                  <p:cNvSpPr txBox="1">
+                    <a:spLocks noRot="1" noChangeAspect="1" noMove="1" noResize="1" noEditPoints="1" noAdjustHandles="1" noChangeArrowheads="1" noChangeShapeType="1" noTextEdit="1"/>
+                  </p:cNvSpPr>
+                  <p:nvPr/>
+                </p:nvSpPr>
+                <p:spPr>
+                  <a:xfrm>
+                    <a:off x="5228282" y="4774556"/>
+                    <a:ext cx="1192058" cy="369332"/>
+                  </a:xfrm>
+                  <a:prstGeom prst="rect">
+                    <a:avLst/>
+                  </a:prstGeom>
+                  <a:blipFill rotWithShape="0">
+                    <a:blip r:embed="rId8"/>
+                    <a:stretch>
+                      <a:fillRect l="-4615" t="-10000" r="-1538" b="-26667"/>
+                    </a:stretch>
+                  </a:blipFill>
+                </p:spPr>
+                <p:txBody>
+                  <a:bodyPr/>
+                  <a:lstStyle/>
+                  <a:p>
+                    <a:r>
+                      <a:rPr lang="en-US">
+                        <a:noFill/>
+                      </a:rPr>
+                      <a:t> </a:t>
+                    </a:r>
+                  </a:p>
+                </p:txBody>
+              </p:sp>
+            </mc:Fallback>
+          </mc:AlternateContent>
+          <mc:AlternateContent xmlns:mc="http://schemas.openxmlformats.org/markup-compatibility/2006">
+            <mc:Choice xmlns:a14="http://schemas.microsoft.com/office/drawing/2010/main" Requires="a14">
+              <p:sp>
+                <p:nvSpPr>
+                  <p:cNvPr id="85" name="TextBox 84"/>
+                  <p:cNvSpPr txBox="1"/>
+                  <p:nvPr/>
+                </p:nvSpPr>
+                <p:spPr>
+                  <a:xfrm>
+                    <a:off x="5729605" y="1797068"/>
+                    <a:ext cx="1850891" cy="369332"/>
+                  </a:xfrm>
+                  <a:prstGeom prst="rect">
+                    <a:avLst/>
+                  </a:prstGeom>
+                  <a:noFill/>
+                </p:spPr>
+                <p:txBody>
+                  <a:bodyPr wrap="none" rtlCol="0">
+                    <a:spAutoFit/>
+                  </a:bodyPr>
+                  <a:lstStyle/>
+                  <a:p>
+                    <a:r>
+                      <a:rPr lang="en-US" dirty="0" smtClean="0"/>
+                      <a:t>(</a:t>
+                    </a:r>
+                    <a14:m>
+                      <m:oMath xmlns:m="http://schemas.openxmlformats.org/officeDocument/2006/math">
+                        <m:sSub>
+                          <m:sSubPr>
+                            <m:ctrlPr>
+                              <a:rPr lang="en-US" i="1" smtClean="0">
+                                <a:latin typeface="Cambria Math" charset="0"/>
+                              </a:rPr>
+                            </m:ctrlPr>
+                          </m:sSubPr>
+                          <m:e>
+                            <m:r>
+                              <a:rPr lang="en-US" b="0" i="1" smtClean="0">
+                                <a:latin typeface="Cambria Math" charset="0"/>
+                              </a:rPr>
+                              <m:t>𝑥</m:t>
+                            </m:r>
+                          </m:e>
+                          <m:sub>
+                            <m:r>
+                              <a:rPr lang="en-US" b="0" i="1" smtClean="0">
+                                <a:latin typeface="Cambria Math" charset="0"/>
+                              </a:rPr>
+                              <m:t>𝑡</m:t>
+                            </m:r>
+                            <m:r>
+                              <a:rPr lang="en-US" b="0" i="1" smtClean="0">
+                                <a:latin typeface="Cambria Math" charset="0"/>
+                              </a:rPr>
+                              <m:t>+1</m:t>
+                            </m:r>
+                          </m:sub>
+                        </m:sSub>
+                        <m:r>
+                          <a:rPr lang="en-US" b="0" i="1" smtClean="0">
+                            <a:latin typeface="Cambria Math" charset="0"/>
+                          </a:rPr>
+                          <m:t>,</m:t>
+                        </m:r>
+                        <m:sSub>
+                          <m:sSubPr>
+                            <m:ctrlPr>
+                              <a:rPr lang="en-US" i="1" smtClean="0">
+                                <a:latin typeface="Cambria Math" charset="0"/>
+                              </a:rPr>
+                            </m:ctrlPr>
+                          </m:sSubPr>
+                          <m:e>
+                            <m:r>
+                              <a:rPr lang="en-US" b="0" i="1" smtClean="0">
+                                <a:latin typeface="Cambria Math" charset="0"/>
+                              </a:rPr>
+                              <m:t>𝑦</m:t>
+                            </m:r>
+                          </m:e>
+                          <m:sub>
+                            <m:r>
+                              <a:rPr lang="en-US" b="0" i="1" smtClean="0">
+                                <a:latin typeface="Cambria Math" charset="0"/>
+                              </a:rPr>
+                              <m:t>𝑡</m:t>
+                            </m:r>
+                            <m:r>
+                              <a:rPr lang="en-US" b="0" i="1" smtClean="0">
+                                <a:latin typeface="Cambria Math" charset="0"/>
+                              </a:rPr>
+                              <m:t>+1</m:t>
+                            </m:r>
+                          </m:sub>
+                        </m:sSub>
+                        <m:sSub>
+                          <m:sSubPr>
+                            <m:ctrlPr>
+                              <a:rPr lang="en-US" i="1" smtClean="0">
+                                <a:latin typeface="Cambria Math" charset="0"/>
+                              </a:rPr>
+                            </m:ctrlPr>
+                          </m:sSubPr>
+                          <m:e>
+                            <m:r>
+                              <a:rPr lang="en-US" b="0" i="1" smtClean="0">
+                                <a:latin typeface="Cambria Math" charset="0"/>
+                              </a:rPr>
+                              <m:t>,</m:t>
+                            </m:r>
+                            <m:r>
+                              <a:rPr lang="en-US" i="1" smtClean="0">
+                                <a:latin typeface="Cambria Math" charset="0"/>
+                                <a:ea typeface="Cambria Math" charset="0"/>
+                                <a:cs typeface="Cambria Math" charset="0"/>
+                              </a:rPr>
+                              <m:t>𝜃</m:t>
+                            </m:r>
+                          </m:e>
+                          <m:sub>
+                            <m:r>
+                              <a:rPr lang="en-US" b="0" i="1" smtClean="0">
+                                <a:latin typeface="Cambria Math" charset="0"/>
+                              </a:rPr>
+                              <m:t>𝑡</m:t>
+                            </m:r>
+                            <m:r>
+                              <a:rPr lang="en-US" b="0" i="1" smtClean="0">
+                                <a:latin typeface="Cambria Math" charset="0"/>
+                              </a:rPr>
+                              <m:t>+1</m:t>
+                            </m:r>
+                          </m:sub>
+                        </m:sSub>
+                        <m:r>
+                          <a:rPr lang="en-US" b="0" i="1" smtClean="0">
+                            <a:latin typeface="Cambria Math" charset="0"/>
+                          </a:rPr>
+                          <m:t>)</m:t>
+                        </m:r>
+                      </m:oMath>
+                    </a14:m>
+                    <a:endParaRPr lang="en-US" dirty="0"/>
+                  </a:p>
+                </p:txBody>
+              </p:sp>
+            </mc:Choice>
+            <mc:Fallback>
+              <p:sp>
+                <p:nvSpPr>
+                  <p:cNvPr id="85" name="TextBox 84"/>
+                  <p:cNvSpPr txBox="1">
+                    <a:spLocks noRot="1" noChangeAspect="1" noMove="1" noResize="1" noEditPoints="1" noAdjustHandles="1" noChangeArrowheads="1" noChangeShapeType="1" noTextEdit="1"/>
+                  </p:cNvSpPr>
+                  <p:nvPr/>
+                </p:nvSpPr>
+                <p:spPr>
+                  <a:xfrm>
+                    <a:off x="5729605" y="1797068"/>
+                    <a:ext cx="1850891" cy="369332"/>
+                  </a:xfrm>
+                  <a:prstGeom prst="rect">
+                    <a:avLst/>
+                  </a:prstGeom>
+                  <a:blipFill rotWithShape="0">
+                    <a:blip r:embed="rId9"/>
+                    <a:stretch>
+                      <a:fillRect l="-2970" t="-8197" r="-660" b="-24590"/>
+                    </a:stretch>
+                  </a:blipFill>
+                </p:spPr>
+                <p:txBody>
+                  <a:bodyPr/>
+                  <a:lstStyle/>
+                  <a:p>
+                    <a:r>
+                      <a:rPr lang="en-US">
+                        <a:noFill/>
+                      </a:rPr>
+                      <a:t> </a:t>
+                    </a:r>
+                  </a:p>
+                </p:txBody>
+              </p:sp>
+            </mc:Fallback>
+          </mc:AlternateContent>
         </p:grpSp>
+      </p:grpSp>
+    </p:spTree>
+    <p:extLst>
+      <p:ext uri="{BB962C8B-B14F-4D97-AF65-F5344CB8AC3E}">
+        <p14:creationId xmlns:p14="http://schemas.microsoft.com/office/powerpoint/2010/main" val="1144649412"/>
+      </p:ext>
+    </p:extLst>
+  </p:cSld>
+  <p:clrMapOvr>
+    <a:masterClrMapping/>
+  </p:clrMapOvr>
+  <p:timing>
+    <p:tnLst>
+      <p:par>
+        <p:cTn id="1" dur="indefinite" restart="never" nodeType="tmRoot"/>
+      </p:par>
+    </p:tnLst>
+  </p:timing>
+</p:sld>
+</file>
+
+<file path=ppt/slides/slide2.xml><?xml version="1.0" encoding="utf-8"?>
+<p:sld xmlns:a="http://schemas.openxmlformats.org/drawingml/2006/main" xmlns:r="http://schemas.openxmlformats.org/officeDocument/2006/relationships" xmlns:p="http://schemas.openxmlformats.org/presentationml/2006/main">
+  <p:cSld>
+    <p:spTree>
+      <p:nvGrpSpPr>
+        <p:cNvPr id="1" name=""/>
+        <p:cNvGrpSpPr/>
+        <p:nvPr/>
+      </p:nvGrpSpPr>
+      <p:grpSpPr>
+        <a:xfrm>
+          <a:off x="0" y="0"/>
+          <a:ext cx="0" cy="0"/>
+          <a:chOff x="0" y="0"/>
+          <a:chExt cx="0" cy="0"/>
+        </a:xfrm>
+      </p:grpSpPr>
+      <p:grpSp>
+        <p:nvGrpSpPr>
+          <p:cNvPr id="63" name="Group 62"/>
+          <p:cNvGrpSpPr/>
+          <p:nvPr/>
+        </p:nvGrpSpPr>
+        <p:grpSpPr>
+          <a:xfrm>
+            <a:off x="325363" y="590376"/>
+            <a:ext cx="8113992" cy="5605222"/>
+            <a:chOff x="455992" y="909690"/>
+            <a:chExt cx="8113992" cy="5605222"/>
+          </a:xfrm>
+        </p:grpSpPr>
         <p:sp>
           <p:nvSpPr>
-            <p:cNvPr id="9" name="Oval 8"/>
+            <p:cNvPr id="4" name="Rectangle 3"/>
             <p:cNvSpPr/>
             <p:nvPr/>
           </p:nvSpPr>
           <p:spPr>
             <a:xfrm>
-              <a:off x="8282493" y="2320508"/>
-              <a:ext cx="45719" cy="45719"/>
+              <a:off x="973862" y="1419692"/>
+              <a:ext cx="6851737" cy="4572000"/>
             </a:xfrm>
-            <a:prstGeom prst="ellipse">
+            <a:prstGeom prst="rect">
               <a:avLst/>
             </a:prstGeom>
             <a:solidFill>
-              <a:srgbClr val="FF0000"/>
+              <a:schemeClr val="accent6">
+                <a:lumMod val="20000"/>
+                <a:lumOff val="80000"/>
+                <a:alpha val="51000"/>
+              </a:schemeClr>
             </a:solidFill>
-            <a:ln>
-              <a:noFill/>
+            <a:ln w="38100">
+              <a:solidFill>
+                <a:schemeClr val="tx1"/>
+              </a:solidFill>
+              <a:prstDash val="solid"/>
             </a:ln>
-            <a:scene3d>
-              <a:camera prst="orthographicFront"/>
-              <a:lightRig rig="threePt" dir="t"/>
-            </a:scene3d>
-            <a:sp3d>
-              <a:bevelT prst="angle"/>
-            </a:sp3d>
           </p:spPr>
           <p:style>
             <a:lnRef idx="2">
@@ -3869,7 +6224,10 @@
             <a:lstStyle/>
             <a:p>
               <a:pPr algn="ctr"/>
-              <a:endParaRPr lang="en-US">
+              <a:endParaRPr lang="en-US" sz="2800" dirty="0">
+                <a:solidFill>
+                  <a:schemeClr val="bg1"/>
+                </a:solidFill>
                 <a:latin typeface="Helvetica" charset="0"/>
                 <a:ea typeface="Helvetica" charset="0"/>
                 <a:cs typeface="Helvetica" charset="0"/>
@@ -3877,66 +6235,296 @@
             </a:p>
           </p:txBody>
         </p:sp>
-      </p:grpSp>
-      <p:grpSp>
-        <p:nvGrpSpPr>
-          <p:cNvPr id="12" name="Group 11"/>
-          <p:cNvGrpSpPr/>
-          <p:nvPr/>
-        </p:nvGrpSpPr>
-        <p:grpSpPr>
-          <a:xfrm rot="20321066">
-            <a:off x="4746755" y="1894514"/>
-            <a:ext cx="986119" cy="914400"/>
-            <a:chOff x="7799294" y="2148828"/>
-            <a:chExt cx="986119" cy="914400"/>
-          </a:xfrm>
-        </p:grpSpPr>
         <p:grpSp>
           <p:nvGrpSpPr>
-            <p:cNvPr id="13" name="Group 12"/>
+            <p:cNvPr id="11" name="Group 10"/>
             <p:cNvGrpSpPr/>
             <p:nvPr/>
           </p:nvGrpSpPr>
           <p:grpSpPr>
-            <a:xfrm>
-              <a:off x="7799294" y="2148828"/>
-              <a:ext cx="986119" cy="914400"/>
-              <a:chOff x="7799294" y="2148828"/>
-              <a:chExt cx="986119" cy="914400"/>
+            <a:xfrm rot="768273">
+              <a:off x="2721893" y="3514751"/>
+              <a:ext cx="985242" cy="1054545"/>
+              <a:chOff x="3100263" y="3365084"/>
+              <a:chExt cx="985242" cy="1054545"/>
             </a:xfrm>
           </p:grpSpPr>
+          <p:grpSp>
+            <p:nvGrpSpPr>
+              <p:cNvPr id="9" name="Group 8"/>
+              <p:cNvGrpSpPr/>
+              <p:nvPr/>
+            </p:nvGrpSpPr>
+            <p:grpSpPr>
+              <a:xfrm rot="1262440">
+                <a:off x="3100263" y="3365084"/>
+                <a:ext cx="985242" cy="1054545"/>
+                <a:chOff x="4673569" y="1751436"/>
+                <a:chExt cx="985242" cy="1054545"/>
+              </a:xfrm>
+            </p:grpSpPr>
+            <p:sp>
+              <p:nvSpPr>
+                <p:cNvPr id="6" name="Rectangle 5"/>
+                <p:cNvSpPr/>
+                <p:nvPr/>
+              </p:nvSpPr>
+              <p:spPr>
+                <a:xfrm rot="20321066">
+                  <a:off x="4835851" y="1891581"/>
+                  <a:ext cx="822960" cy="914400"/>
+                </a:xfrm>
+                <a:prstGeom prst="rect">
+                  <a:avLst/>
+                </a:prstGeom>
+                <a:solidFill>
+                  <a:schemeClr val="accent3">
+                    <a:lumMod val="60000"/>
+                    <a:lumOff val="40000"/>
+                    <a:alpha val="47000"/>
+                  </a:schemeClr>
+                </a:solidFill>
+                <a:ln>
+                  <a:noFill/>
+                </a:ln>
+                <a:scene3d>
+                  <a:camera prst="orthographicFront"/>
+                  <a:lightRig rig="threePt" dir="t"/>
+                </a:scene3d>
+                <a:sp3d extrusionH="31750">
+                  <a:bevelT w="165100" prst="coolSlant"/>
+                  <a:bevelB/>
+                </a:sp3d>
+              </p:spPr>
+              <p:style>
+                <a:lnRef idx="2">
+                  <a:schemeClr val="accent1">
+                    <a:shade val="50000"/>
+                  </a:schemeClr>
+                </a:lnRef>
+                <a:fillRef idx="1">
+                  <a:schemeClr val="accent1"/>
+                </a:fillRef>
+                <a:effectRef idx="0">
+                  <a:schemeClr val="accent1"/>
+                </a:effectRef>
+                <a:fontRef idx="minor">
+                  <a:schemeClr val="lt1"/>
+                </a:fontRef>
+              </p:style>
+              <p:txBody>
+                <a:bodyPr rtlCol="0" anchor="ctr"/>
+                <a:lstStyle/>
+                <a:p>
+                  <a:pPr algn="ctr"/>
+                  <a:endParaRPr lang="en-US">
+                    <a:latin typeface="Helvetica" charset="0"/>
+                    <a:ea typeface="Helvetica" charset="0"/>
+                    <a:cs typeface="Helvetica" charset="0"/>
+                  </a:endParaRPr>
+                </a:p>
+              </p:txBody>
+            </p:sp>
+            <p:sp>
+              <p:nvSpPr>
+                <p:cNvPr id="7" name="Rectangle 6"/>
+                <p:cNvSpPr/>
+                <p:nvPr/>
+              </p:nvSpPr>
+              <p:spPr>
+                <a:xfrm rot="20321066">
+                  <a:off x="4673569" y="2076656"/>
+                  <a:ext cx="91440" cy="343360"/>
+                </a:xfrm>
+                <a:prstGeom prst="rect">
+                  <a:avLst/>
+                </a:prstGeom>
+                <a:gradFill flip="none" rotWithShape="1">
+                  <a:gsLst>
+                    <a:gs pos="0">
+                      <a:schemeClr val="accent1">
+                        <a:lumMod val="89000"/>
+                        <a:alpha val="25000"/>
+                      </a:schemeClr>
+                    </a:gs>
+                    <a:gs pos="23000">
+                      <a:schemeClr val="accent1">
+                        <a:lumMod val="89000"/>
+                        <a:alpha val="55000"/>
+                      </a:schemeClr>
+                    </a:gs>
+                    <a:gs pos="69000">
+                      <a:schemeClr val="accent1">
+                        <a:lumMod val="75000"/>
+                        <a:alpha val="43000"/>
+                      </a:schemeClr>
+                    </a:gs>
+                    <a:gs pos="97000">
+                      <a:schemeClr val="accent1">
+                        <a:lumMod val="70000"/>
+                        <a:alpha val="35000"/>
+                      </a:schemeClr>
+                    </a:gs>
+                  </a:gsLst>
+                  <a:path path="circle">
+                    <a:fillToRect l="50000" t="50000" r="50000" b="50000"/>
+                  </a:path>
+                  <a:tileRect/>
+                </a:gradFill>
+                <a:ln>
+                  <a:noFill/>
+                </a:ln>
+                <a:scene3d>
+                  <a:camera prst="orthographicFront"/>
+                  <a:lightRig rig="threePt" dir="t"/>
+                </a:scene3d>
+                <a:sp3d>
+                  <a:bevelT/>
+                </a:sp3d>
+              </p:spPr>
+              <p:style>
+                <a:lnRef idx="2">
+                  <a:schemeClr val="accent1">
+                    <a:shade val="50000"/>
+                  </a:schemeClr>
+                </a:lnRef>
+                <a:fillRef idx="1">
+                  <a:schemeClr val="accent1"/>
+                </a:fillRef>
+                <a:effectRef idx="0">
+                  <a:schemeClr val="accent1"/>
+                </a:effectRef>
+                <a:fontRef idx="minor">
+                  <a:schemeClr val="lt1"/>
+                </a:fontRef>
+              </p:style>
+              <p:txBody>
+                <a:bodyPr rtlCol="0" anchor="ctr"/>
+                <a:lstStyle/>
+                <a:p>
+                  <a:pPr algn="ctr"/>
+                  <a:endParaRPr lang="en-US">
+                    <a:latin typeface="Helvetica" charset="0"/>
+                    <a:ea typeface="Helvetica" charset="0"/>
+                    <a:cs typeface="Helvetica" charset="0"/>
+                  </a:endParaRPr>
+                </a:p>
+              </p:txBody>
+            </p:sp>
+            <p:sp>
+              <p:nvSpPr>
+                <p:cNvPr id="8" name="Rectangle 7"/>
+                <p:cNvSpPr/>
+                <p:nvPr/>
+              </p:nvSpPr>
+              <p:spPr>
+                <a:xfrm rot="20321066">
+                  <a:off x="5507045" y="1751436"/>
+                  <a:ext cx="91440" cy="343360"/>
+                </a:xfrm>
+                <a:prstGeom prst="rect">
+                  <a:avLst/>
+                </a:prstGeom>
+                <a:gradFill flip="none" rotWithShape="1">
+                  <a:gsLst>
+                    <a:gs pos="0">
+                      <a:schemeClr val="accent1">
+                        <a:lumMod val="89000"/>
+                        <a:alpha val="45000"/>
+                      </a:schemeClr>
+                    </a:gs>
+                    <a:gs pos="23000">
+                      <a:schemeClr val="accent1">
+                        <a:lumMod val="89000"/>
+                        <a:alpha val="46000"/>
+                      </a:schemeClr>
+                    </a:gs>
+                    <a:gs pos="69000">
+                      <a:schemeClr val="accent1">
+                        <a:lumMod val="75000"/>
+                        <a:alpha val="42000"/>
+                      </a:schemeClr>
+                    </a:gs>
+                    <a:gs pos="97000">
+                      <a:schemeClr val="accent1">
+                        <a:lumMod val="70000"/>
+                        <a:alpha val="50000"/>
+                      </a:schemeClr>
+                    </a:gs>
+                  </a:gsLst>
+                  <a:path path="circle">
+                    <a:fillToRect l="50000" t="50000" r="50000" b="50000"/>
+                  </a:path>
+                  <a:tileRect/>
+                </a:gradFill>
+                <a:ln>
+                  <a:noFill/>
+                </a:ln>
+                <a:scene3d>
+                  <a:camera prst="orthographicFront"/>
+                  <a:lightRig rig="threePt" dir="t"/>
+                </a:scene3d>
+                <a:sp3d>
+                  <a:bevelT/>
+                </a:sp3d>
+              </p:spPr>
+              <p:style>
+                <a:lnRef idx="2">
+                  <a:schemeClr val="accent1">
+                    <a:shade val="50000"/>
+                  </a:schemeClr>
+                </a:lnRef>
+                <a:fillRef idx="1">
+                  <a:schemeClr val="accent1"/>
+                </a:fillRef>
+                <a:effectRef idx="0">
+                  <a:schemeClr val="accent1"/>
+                </a:effectRef>
+                <a:fontRef idx="minor">
+                  <a:schemeClr val="lt1"/>
+                </a:fontRef>
+              </p:style>
+              <p:txBody>
+                <a:bodyPr rtlCol="0" anchor="ctr"/>
+                <a:lstStyle/>
+                <a:p>
+                  <a:pPr algn="ctr"/>
+                  <a:endParaRPr lang="en-US">
+                    <a:latin typeface="Helvetica" charset="0"/>
+                    <a:ea typeface="Helvetica" charset="0"/>
+                    <a:cs typeface="Helvetica" charset="0"/>
+                  </a:endParaRPr>
+                </a:p>
+              </p:txBody>
+            </p:sp>
+          </p:grpSp>
           <p:sp>
             <p:nvSpPr>
-              <p:cNvPr id="15" name="Rectangle 14"/>
+              <p:cNvPr id="10" name="Oval 9"/>
               <p:cNvSpPr/>
               <p:nvPr/>
             </p:nvSpPr>
             <p:spPr>
               <a:xfrm>
-                <a:off x="7888942" y="2148828"/>
-                <a:ext cx="822960" cy="914400"/>
+                <a:off x="3603812" y="3684495"/>
+                <a:ext cx="53788" cy="55552"/>
               </a:xfrm>
-              <a:prstGeom prst="rect">
+              <a:prstGeom prst="ellipse">
                 <a:avLst/>
               </a:prstGeom>
               <a:solidFill>
-                <a:schemeClr val="accent3">
-                  <a:lumMod val="60000"/>
-                  <a:lumOff val="40000"/>
-                  <a:alpha val="82000"/>
-                </a:schemeClr>
+                <a:srgbClr val="FF0000"/>
               </a:solidFill>
               <a:ln>
                 <a:noFill/>
               </a:ln>
+              <a:effectLst/>
               <a:scene3d>
                 <a:camera prst="orthographicFront"/>
                 <a:lightRig rig="threePt" dir="t"/>
               </a:scene3d>
-              <a:sp3d extrusionH="31750">
-                <a:bevelT w="165100" prst="coolSlant"/>
-                <a:bevelB/>
+              <a:sp3d>
+                <a:bevelT prst="angle"/>
               </a:sp3d>
             </p:spPr>
             <p:style>
@@ -3960,189 +6548,811 @@
               <a:lstStyle/>
               <a:p>
                 <a:pPr algn="ctr"/>
-                <a:endParaRPr lang="en-US">
-                  <a:latin typeface="Helvetica" charset="0"/>
-                  <a:ea typeface="Helvetica" charset="0"/>
-                  <a:cs typeface="Helvetica" charset="0"/>
-                </a:endParaRPr>
-              </a:p>
-            </p:txBody>
-          </p:sp>
-          <p:sp>
-            <p:nvSpPr>
-              <p:cNvPr id="16" name="Rectangle 15"/>
-              <p:cNvSpPr/>
-              <p:nvPr/>
-            </p:nvSpPr>
-            <p:spPr>
-              <a:xfrm>
-                <a:off x="7799294" y="2148828"/>
-                <a:ext cx="91440" cy="343360"/>
-              </a:xfrm>
-              <a:prstGeom prst="rect">
-                <a:avLst/>
-              </a:prstGeom>
-              <a:gradFill flip="none" rotWithShape="1">
-                <a:gsLst>
-                  <a:gs pos="0">
-                    <a:schemeClr val="accent1">
-                      <a:lumMod val="89000"/>
-                    </a:schemeClr>
-                  </a:gs>
-                  <a:gs pos="23000">
-                    <a:schemeClr val="accent1">
-                      <a:lumMod val="89000"/>
-                    </a:schemeClr>
-                  </a:gs>
-                  <a:gs pos="69000">
-                    <a:schemeClr val="accent1">
-                      <a:lumMod val="75000"/>
-                    </a:schemeClr>
-                  </a:gs>
-                  <a:gs pos="97000">
-                    <a:schemeClr val="accent1">
-                      <a:lumMod val="70000"/>
-                    </a:schemeClr>
-                  </a:gs>
-                </a:gsLst>
-                <a:path path="circle">
-                  <a:fillToRect l="50000" t="50000" r="50000" b="50000"/>
-                </a:path>
-                <a:tileRect/>
-              </a:gradFill>
-              <a:ln>
-                <a:noFill/>
-              </a:ln>
-              <a:scene3d>
-                <a:camera prst="orthographicFront"/>
-                <a:lightRig rig="threePt" dir="t"/>
-              </a:scene3d>
-              <a:sp3d>
-                <a:bevelT/>
-              </a:sp3d>
-            </p:spPr>
-            <p:style>
-              <a:lnRef idx="2">
-                <a:schemeClr val="accent1">
-                  <a:shade val="50000"/>
-                </a:schemeClr>
-              </a:lnRef>
-              <a:fillRef idx="1">
-                <a:schemeClr val="accent1"/>
-              </a:fillRef>
-              <a:effectRef idx="0">
-                <a:schemeClr val="accent1"/>
-              </a:effectRef>
-              <a:fontRef idx="minor">
-                <a:schemeClr val="lt1"/>
-              </a:fontRef>
-            </p:style>
-            <p:txBody>
-              <a:bodyPr rtlCol="0" anchor="ctr"/>
-              <a:lstStyle/>
-              <a:p>
-                <a:pPr algn="ctr"/>
-                <a:endParaRPr lang="en-US">
-                  <a:latin typeface="Helvetica" charset="0"/>
-                  <a:ea typeface="Helvetica" charset="0"/>
-                  <a:cs typeface="Helvetica" charset="0"/>
-                </a:endParaRPr>
-              </a:p>
-            </p:txBody>
-          </p:sp>
-          <p:sp>
-            <p:nvSpPr>
-              <p:cNvPr id="17" name="Rectangle 16"/>
-              <p:cNvSpPr/>
-              <p:nvPr/>
-            </p:nvSpPr>
-            <p:spPr>
-              <a:xfrm>
-                <a:off x="8693973" y="2148828"/>
-                <a:ext cx="91440" cy="343360"/>
-              </a:xfrm>
-              <a:prstGeom prst="rect">
-                <a:avLst/>
-              </a:prstGeom>
-              <a:gradFill flip="none" rotWithShape="1">
-                <a:gsLst>
-                  <a:gs pos="0">
-                    <a:schemeClr val="accent1">
-                      <a:lumMod val="89000"/>
-                    </a:schemeClr>
-                  </a:gs>
-                  <a:gs pos="23000">
-                    <a:schemeClr val="accent1">
-                      <a:lumMod val="89000"/>
-                    </a:schemeClr>
-                  </a:gs>
-                  <a:gs pos="69000">
-                    <a:schemeClr val="accent1">
-                      <a:lumMod val="75000"/>
-                    </a:schemeClr>
-                  </a:gs>
-                  <a:gs pos="97000">
-                    <a:schemeClr val="accent1">
-                      <a:lumMod val="70000"/>
-                    </a:schemeClr>
-                  </a:gs>
-                </a:gsLst>
-                <a:path path="circle">
-                  <a:fillToRect l="50000" t="50000" r="50000" b="50000"/>
-                </a:path>
-                <a:tileRect/>
-              </a:gradFill>
-              <a:ln>
-                <a:noFill/>
-              </a:ln>
-              <a:scene3d>
-                <a:camera prst="orthographicFront"/>
-                <a:lightRig rig="threePt" dir="t"/>
-              </a:scene3d>
-              <a:sp3d>
-                <a:bevelT/>
-              </a:sp3d>
-            </p:spPr>
-            <p:style>
-              <a:lnRef idx="2">
-                <a:schemeClr val="accent1">
-                  <a:shade val="50000"/>
-                </a:schemeClr>
-              </a:lnRef>
-              <a:fillRef idx="1">
-                <a:schemeClr val="accent1"/>
-              </a:fillRef>
-              <a:effectRef idx="0">
-                <a:schemeClr val="accent1"/>
-              </a:effectRef>
-              <a:fontRef idx="minor">
-                <a:schemeClr val="lt1"/>
-              </a:fontRef>
-            </p:style>
-            <p:txBody>
-              <a:bodyPr rtlCol="0" anchor="ctr"/>
-              <a:lstStyle/>
-              <a:p>
-                <a:pPr algn="ctr"/>
-                <a:endParaRPr lang="en-US">
-                  <a:latin typeface="Helvetica" charset="0"/>
-                  <a:ea typeface="Helvetica" charset="0"/>
-                  <a:cs typeface="Helvetica" charset="0"/>
-                </a:endParaRPr>
+                <a:endParaRPr lang="en-US"/>
               </a:p>
             </p:txBody>
           </p:sp>
         </p:grpSp>
+        <p:cxnSp>
+          <p:nvCxnSpPr>
+            <p:cNvPr id="13" name="Straight Connector 12"/>
+            <p:cNvCxnSpPr>
+              <a:stCxn id="10" idx="1"/>
+            </p:cNvCxnSpPr>
+            <p:nvPr/>
+          </p:nvCxnSpPr>
+          <p:spPr>
+            <a:xfrm flipH="1" flipV="1">
+              <a:off x="963353" y="1398672"/>
+              <a:ext cx="2313763" cy="2452760"/>
+            </a:xfrm>
+            <a:prstGeom prst="line">
+              <a:avLst/>
+            </a:prstGeom>
+            <a:ln w="22225">
+              <a:solidFill>
+                <a:schemeClr val="tx1"/>
+              </a:solidFill>
+              <a:prstDash val="dash"/>
+            </a:ln>
+          </p:spPr>
+          <p:style>
+            <a:lnRef idx="1">
+              <a:schemeClr val="accent1"/>
+            </a:lnRef>
+            <a:fillRef idx="0">
+              <a:schemeClr val="accent1"/>
+            </a:fillRef>
+            <a:effectRef idx="0">
+              <a:schemeClr val="accent1"/>
+            </a:effectRef>
+            <a:fontRef idx="minor">
+              <a:schemeClr val="tx1"/>
+            </a:fontRef>
+          </p:style>
+        </p:cxnSp>
+        <p:cxnSp>
+          <p:nvCxnSpPr>
+            <p:cNvPr id="18" name="Straight Connector 17"/>
+            <p:cNvCxnSpPr>
+              <a:endCxn id="10" idx="1"/>
+            </p:cNvCxnSpPr>
+            <p:nvPr/>
+          </p:nvCxnSpPr>
+          <p:spPr>
+            <a:xfrm flipH="1">
+              <a:off x="3277116" y="1437708"/>
+              <a:ext cx="4548483" cy="2413724"/>
+            </a:xfrm>
+            <a:prstGeom prst="line">
+              <a:avLst/>
+            </a:prstGeom>
+            <a:ln w="22225">
+              <a:solidFill>
+                <a:schemeClr val="tx1"/>
+              </a:solidFill>
+              <a:prstDash val="dash"/>
+            </a:ln>
+          </p:spPr>
+          <p:style>
+            <a:lnRef idx="1">
+              <a:schemeClr val="accent1"/>
+            </a:lnRef>
+            <a:fillRef idx="0">
+              <a:schemeClr val="accent1"/>
+            </a:fillRef>
+            <a:effectRef idx="0">
+              <a:schemeClr val="accent1"/>
+            </a:effectRef>
+            <a:fontRef idx="minor">
+              <a:schemeClr val="tx1"/>
+            </a:fontRef>
+          </p:style>
+        </p:cxnSp>
+        <p:cxnSp>
+          <p:nvCxnSpPr>
+            <p:cNvPr id="22" name="Straight Connector 21"/>
+            <p:cNvCxnSpPr/>
+            <p:nvPr/>
+          </p:nvCxnSpPr>
+          <p:spPr>
+            <a:xfrm flipH="1" flipV="1">
+              <a:off x="3334231" y="3893404"/>
+              <a:ext cx="4491368" cy="2002899"/>
+            </a:xfrm>
+            <a:prstGeom prst="line">
+              <a:avLst/>
+            </a:prstGeom>
+            <a:ln w="22225">
+              <a:solidFill>
+                <a:schemeClr val="tx1"/>
+              </a:solidFill>
+              <a:prstDash val="dash"/>
+            </a:ln>
+          </p:spPr>
+          <p:style>
+            <a:lnRef idx="1">
+              <a:schemeClr val="accent1"/>
+            </a:lnRef>
+            <a:fillRef idx="0">
+              <a:schemeClr val="accent1"/>
+            </a:fillRef>
+            <a:effectRef idx="0">
+              <a:schemeClr val="accent1"/>
+            </a:effectRef>
+            <a:fontRef idx="minor">
+              <a:schemeClr val="tx1"/>
+            </a:fontRef>
+          </p:style>
+        </p:cxnSp>
+        <p:cxnSp>
+          <p:nvCxnSpPr>
+            <p:cNvPr id="24" name="Straight Arrow Connector 23"/>
+            <p:cNvCxnSpPr/>
+            <p:nvPr/>
+          </p:nvCxnSpPr>
+          <p:spPr>
+            <a:xfrm flipV="1">
+              <a:off x="3056111" y="2864721"/>
+              <a:ext cx="450871" cy="2133015"/>
+            </a:xfrm>
+            <a:prstGeom prst="straightConnector1">
+              <a:avLst/>
+            </a:prstGeom>
+            <a:ln w="22225">
+              <a:solidFill>
+                <a:srgbClr val="FF0000"/>
+              </a:solidFill>
+              <a:headEnd w="lg" len="lg"/>
+              <a:tailEnd type="triangle" w="lg" len="lg"/>
+            </a:ln>
+          </p:spPr>
+          <p:style>
+            <a:lnRef idx="1">
+              <a:schemeClr val="accent1"/>
+            </a:lnRef>
+            <a:fillRef idx="0">
+              <a:schemeClr val="accent1"/>
+            </a:fillRef>
+            <a:effectRef idx="0">
+              <a:schemeClr val="accent1"/>
+            </a:effectRef>
+            <a:fontRef idx="minor">
+              <a:schemeClr val="tx1"/>
+            </a:fontRef>
+          </p:style>
+        </p:cxnSp>
+        <p:cxnSp>
+          <p:nvCxnSpPr>
+            <p:cNvPr id="27" name="Straight Connector 26"/>
+            <p:cNvCxnSpPr>
+              <a:endCxn id="10" idx="2"/>
+            </p:cNvCxnSpPr>
+            <p:nvPr/>
+          </p:nvCxnSpPr>
+          <p:spPr>
+            <a:xfrm flipV="1">
+              <a:off x="963353" y="3868839"/>
+              <a:ext cx="2301729" cy="2122854"/>
+            </a:xfrm>
+            <a:prstGeom prst="line">
+              <a:avLst/>
+            </a:prstGeom>
+            <a:ln w="22225">
+              <a:solidFill>
+                <a:schemeClr val="tx1"/>
+              </a:solidFill>
+              <a:prstDash val="dash"/>
+            </a:ln>
+          </p:spPr>
+          <p:style>
+            <a:lnRef idx="1">
+              <a:schemeClr val="accent1"/>
+            </a:lnRef>
+            <a:fillRef idx="0">
+              <a:schemeClr val="accent1"/>
+            </a:fillRef>
+            <a:effectRef idx="0">
+              <a:schemeClr val="accent1"/>
+            </a:effectRef>
+            <a:fontRef idx="minor">
+              <a:schemeClr val="tx1"/>
+            </a:fontRef>
+          </p:style>
+        </p:cxnSp>
+        <p:cxnSp>
+          <p:nvCxnSpPr>
+            <p:cNvPr id="30" name="Straight Connector 29"/>
+            <p:cNvCxnSpPr/>
+            <p:nvPr/>
+          </p:nvCxnSpPr>
+          <p:spPr>
+            <a:xfrm flipH="1">
+              <a:off x="3284919" y="1429150"/>
+              <a:ext cx="526684" cy="2521598"/>
+            </a:xfrm>
+            <a:prstGeom prst="line">
+              <a:avLst/>
+            </a:prstGeom>
+            <a:ln w="22225">
+              <a:solidFill>
+                <a:srgbClr val="0070C0"/>
+              </a:solidFill>
+              <a:prstDash val="solid"/>
+            </a:ln>
+          </p:spPr>
+          <p:style>
+            <a:lnRef idx="1">
+              <a:schemeClr val="accent1"/>
+            </a:lnRef>
+            <a:fillRef idx="0">
+              <a:schemeClr val="accent1"/>
+            </a:fillRef>
+            <a:effectRef idx="0">
+              <a:schemeClr val="accent1"/>
+            </a:effectRef>
+            <a:fontRef idx="minor">
+              <a:schemeClr val="tx1"/>
+            </a:fontRef>
+          </p:style>
+        </p:cxnSp>
+        <p:cxnSp>
+          <p:nvCxnSpPr>
+            <p:cNvPr id="33" name="Straight Connector 32"/>
+            <p:cNvCxnSpPr/>
+            <p:nvPr/>
+          </p:nvCxnSpPr>
+          <p:spPr>
+            <a:xfrm flipH="1" flipV="1">
+              <a:off x="3267515" y="3871539"/>
+              <a:ext cx="4558084" cy="889647"/>
+            </a:xfrm>
+            <a:prstGeom prst="line">
+              <a:avLst/>
+            </a:prstGeom>
+            <a:ln w="22225">
+              <a:solidFill>
+                <a:srgbClr val="0070C0"/>
+              </a:solidFill>
+              <a:prstDash val="solid"/>
+            </a:ln>
+          </p:spPr>
+          <p:style>
+            <a:lnRef idx="1">
+              <a:schemeClr val="accent1"/>
+            </a:lnRef>
+            <a:fillRef idx="0">
+              <a:schemeClr val="accent1"/>
+            </a:fillRef>
+            <a:effectRef idx="0">
+              <a:schemeClr val="accent1"/>
+            </a:effectRef>
+            <a:fontRef idx="minor">
+              <a:schemeClr val="tx1"/>
+            </a:fontRef>
+          </p:style>
+        </p:cxnSp>
         <p:sp>
           <p:nvSpPr>
-            <p:cNvPr id="14" name="Oval 13"/>
+            <p:cNvPr id="38" name="TextBox 37"/>
+            <p:cNvSpPr txBox="1"/>
+            <p:nvPr/>
+          </p:nvSpPr>
+          <p:spPr>
+            <a:xfrm>
+              <a:off x="3506982" y="6034300"/>
+              <a:ext cx="1807033" cy="461665"/>
+            </a:xfrm>
+            <a:prstGeom prst="rect">
+              <a:avLst/>
+            </a:prstGeom>
+            <a:noFill/>
+          </p:spPr>
+          <p:txBody>
+            <a:bodyPr wrap="none" rtlCol="0">
+              <a:spAutoFit/>
+            </a:bodyPr>
+            <a:lstStyle/>
+            <a:p>
+              <a:r>
+                <a:rPr lang="en-US" sz="2400" dirty="0" smtClean="0">
+                  <a:latin typeface="Helvetica" charset="0"/>
+                  <a:ea typeface="Helvetica" charset="0"/>
+                  <a:cs typeface="Helvetica" charset="0"/>
+                </a:rPr>
+                <a:t>L = 750 mm</a:t>
+              </a:r>
+              <a:endParaRPr lang="en-US" sz="2400" dirty="0">
+                <a:latin typeface="Helvetica" charset="0"/>
+                <a:ea typeface="Helvetica" charset="0"/>
+                <a:cs typeface="Helvetica" charset="0"/>
+              </a:endParaRPr>
+            </a:p>
+          </p:txBody>
+        </p:sp>
+        <p:sp>
+          <p:nvSpPr>
+            <p:cNvPr id="39" name="TextBox 38"/>
+            <p:cNvSpPr txBox="1"/>
+            <p:nvPr/>
+          </p:nvSpPr>
+          <p:spPr>
+            <a:xfrm rot="16200000">
+              <a:off x="-281550" y="3305908"/>
+              <a:ext cx="1936749" cy="461665"/>
+            </a:xfrm>
+            <a:prstGeom prst="rect">
+              <a:avLst/>
+            </a:prstGeom>
+            <a:noFill/>
+          </p:spPr>
+          <p:txBody>
+            <a:bodyPr wrap="none" rtlCol="0">
+              <a:spAutoFit/>
+            </a:bodyPr>
+            <a:lstStyle/>
+            <a:p>
+              <a:r>
+                <a:rPr lang="en-US" sz="2400" dirty="0" smtClean="0">
+                  <a:latin typeface="Helvetica" charset="0"/>
+                  <a:ea typeface="Helvetica" charset="0"/>
+                  <a:cs typeface="Helvetica" charset="0"/>
+                </a:rPr>
+                <a:t>W = 500 mm</a:t>
+              </a:r>
+              <a:endParaRPr lang="en-US" sz="2400" dirty="0">
+                <a:latin typeface="Helvetica" charset="0"/>
+                <a:ea typeface="Helvetica" charset="0"/>
+                <a:cs typeface="Helvetica" charset="0"/>
+              </a:endParaRPr>
+            </a:p>
+          </p:txBody>
+        </p:sp>
+        <p:cxnSp>
+          <p:nvCxnSpPr>
+            <p:cNvPr id="42" name="Straight Connector 41"/>
+            <p:cNvCxnSpPr/>
+            <p:nvPr/>
+          </p:nvCxnSpPr>
+          <p:spPr>
+            <a:xfrm flipH="1" flipV="1">
+              <a:off x="963354" y="3864165"/>
+              <a:ext cx="6862245" cy="1640"/>
+            </a:xfrm>
+            <a:prstGeom prst="line">
+              <a:avLst/>
+            </a:prstGeom>
+            <a:ln w="22225">
+              <a:solidFill>
+                <a:schemeClr val="bg2"/>
+              </a:solidFill>
+              <a:prstDash val="sysDot"/>
+            </a:ln>
+          </p:spPr>
+          <p:style>
+            <a:lnRef idx="1">
+              <a:schemeClr val="accent1"/>
+            </a:lnRef>
+            <a:fillRef idx="0">
+              <a:schemeClr val="accent1"/>
+            </a:fillRef>
+            <a:effectRef idx="0">
+              <a:schemeClr val="accent1"/>
+            </a:effectRef>
+            <a:fontRef idx="minor">
+              <a:schemeClr val="tx1"/>
+            </a:fontRef>
+          </p:style>
+        </p:cxnSp>
+        <p:cxnSp>
+          <p:nvCxnSpPr>
+            <p:cNvPr id="45" name="Straight Connector 44"/>
+            <p:cNvCxnSpPr/>
+            <p:nvPr/>
+          </p:nvCxnSpPr>
+          <p:spPr>
+            <a:xfrm>
+              <a:off x="3267515" y="1462768"/>
+              <a:ext cx="0" cy="4528924"/>
+            </a:xfrm>
+            <a:prstGeom prst="line">
+              <a:avLst/>
+            </a:prstGeom>
+            <a:ln w="22225">
+              <a:solidFill>
+                <a:schemeClr val="bg2"/>
+              </a:solidFill>
+              <a:prstDash val="sysDot"/>
+            </a:ln>
+          </p:spPr>
+          <p:style>
+            <a:lnRef idx="1">
+              <a:schemeClr val="accent1"/>
+            </a:lnRef>
+            <a:fillRef idx="0">
+              <a:schemeClr val="accent1"/>
+            </a:fillRef>
+            <a:effectRef idx="0">
+              <a:schemeClr val="accent1"/>
+            </a:effectRef>
+            <a:fontRef idx="minor">
+              <a:schemeClr val="tx1"/>
+            </a:fontRef>
+          </p:style>
+        </p:cxnSp>
+        <p:sp>
+          <p:nvSpPr>
+            <p:cNvPr id="50" name="TextBox 49"/>
+            <p:cNvSpPr txBox="1"/>
+            <p:nvPr/>
+          </p:nvSpPr>
+          <p:spPr>
+            <a:xfrm>
+              <a:off x="7523223" y="939548"/>
+              <a:ext cx="1046761" cy="523220"/>
+            </a:xfrm>
+            <a:prstGeom prst="rect">
+              <a:avLst/>
+            </a:prstGeom>
+            <a:noFill/>
+          </p:spPr>
+          <p:txBody>
+            <a:bodyPr wrap="none" rtlCol="0">
+              <a:spAutoFit/>
+            </a:bodyPr>
+            <a:lstStyle/>
+            <a:p>
+              <a:r>
+                <a:rPr lang="en-US" sz="2800" smtClean="0"/>
+                <a:t>(L, W)</a:t>
+              </a:r>
+              <a:endParaRPr lang="en-US" sz="2800"/>
+            </a:p>
+          </p:txBody>
+        </p:sp>
+        <p:sp>
+          <p:nvSpPr>
+            <p:cNvPr id="52" name="TextBox 51"/>
+            <p:cNvSpPr txBox="1"/>
+            <p:nvPr/>
+          </p:nvSpPr>
+          <p:spPr>
+            <a:xfrm>
+              <a:off x="7619616" y="5991692"/>
+              <a:ext cx="910506" cy="523220"/>
+            </a:xfrm>
+            <a:prstGeom prst="rect">
+              <a:avLst/>
+            </a:prstGeom>
+            <a:noFill/>
+          </p:spPr>
+          <p:txBody>
+            <a:bodyPr wrap="none" rtlCol="0">
+              <a:spAutoFit/>
+            </a:bodyPr>
+            <a:lstStyle/>
+            <a:p>
+              <a:r>
+                <a:rPr lang="en-US" sz="2800" dirty="0" smtClean="0"/>
+                <a:t>(L, 0)</a:t>
+              </a:r>
+              <a:endParaRPr lang="en-US" sz="2800" dirty="0"/>
+            </a:p>
+          </p:txBody>
+        </p:sp>
+        <p:sp>
+          <p:nvSpPr>
+            <p:cNvPr id="55" name="TextBox 54"/>
+            <p:cNvSpPr txBox="1"/>
+            <p:nvPr/>
+          </p:nvSpPr>
+          <p:spPr>
+            <a:xfrm>
+              <a:off x="645158" y="909690"/>
+              <a:ext cx="1075936" cy="523220"/>
+            </a:xfrm>
+            <a:prstGeom prst="rect">
+              <a:avLst/>
+            </a:prstGeom>
+            <a:noFill/>
+          </p:spPr>
+          <p:txBody>
+            <a:bodyPr wrap="none" rtlCol="0">
+              <a:spAutoFit/>
+            </a:bodyPr>
+            <a:lstStyle/>
+            <a:p>
+              <a:r>
+                <a:rPr lang="en-US" sz="2800" dirty="0" smtClean="0"/>
+                <a:t>(0, W)</a:t>
+              </a:r>
+              <a:endParaRPr lang="en-US" sz="2800" dirty="0"/>
+            </a:p>
+          </p:txBody>
+        </p:sp>
+        <p:sp>
+          <p:nvSpPr>
+            <p:cNvPr id="56" name="TextBox 55"/>
+            <p:cNvSpPr txBox="1"/>
+            <p:nvPr/>
+          </p:nvSpPr>
+          <p:spPr>
+            <a:xfrm>
+              <a:off x="645158" y="5937631"/>
+              <a:ext cx="939681" cy="523220"/>
+            </a:xfrm>
+            <a:prstGeom prst="rect">
+              <a:avLst/>
+            </a:prstGeom>
+            <a:noFill/>
+          </p:spPr>
+          <p:txBody>
+            <a:bodyPr wrap="none" rtlCol="0">
+              <a:spAutoFit/>
+            </a:bodyPr>
+            <a:lstStyle/>
+            <a:p>
+              <a:r>
+                <a:rPr lang="en-US" sz="2800" dirty="0" smtClean="0"/>
+                <a:t>(0, 0)</a:t>
+              </a:r>
+              <a:endParaRPr lang="en-US" sz="2800" dirty="0"/>
+            </a:p>
+          </p:txBody>
+        </p:sp>
+        <mc:AlternateContent xmlns:mc="http://schemas.openxmlformats.org/markup-compatibility/2006">
+          <mc:Choice xmlns:a14="http://schemas.microsoft.com/office/drawing/2010/main" Requires="a14">
+            <p:sp>
+              <p:nvSpPr>
+                <p:cNvPr id="40" name="TextBox 39"/>
+                <p:cNvSpPr txBox="1"/>
+                <p:nvPr/>
+              </p:nvSpPr>
+              <p:spPr>
+                <a:xfrm>
+                  <a:off x="3727987" y="3380359"/>
+                  <a:ext cx="2262351" cy="523220"/>
+                </a:xfrm>
+                <a:prstGeom prst="rect">
+                  <a:avLst/>
+                </a:prstGeom>
+                <a:noFill/>
+              </p:spPr>
+              <p:txBody>
+                <a:bodyPr wrap="none" rtlCol="0">
+                  <a:spAutoFit/>
+                </a:bodyPr>
+                <a:lstStyle/>
+                <a:p>
+                  <a:r>
+                    <a:rPr lang="en-US" sz="2800" dirty="0" smtClean="0">
+                      <a:solidFill>
+                        <a:srgbClr val="FF0000"/>
+                      </a:solidFill>
+                    </a:rPr>
+                    <a:t>(</a:t>
+                  </a:r>
+                  <a14:m>
+                    <m:oMath xmlns:m="http://schemas.openxmlformats.org/officeDocument/2006/math">
+                      <m:sSub>
+                        <m:sSubPr>
+                          <m:ctrlPr>
+                            <a:rPr lang="en-US" sz="2800" i="1" smtClean="0">
+                              <a:solidFill>
+                                <a:srgbClr val="FF0000"/>
+                              </a:solidFill>
+                              <a:latin typeface="Cambria Math" charset="0"/>
+                            </a:rPr>
+                          </m:ctrlPr>
+                        </m:sSubPr>
+                        <m:e>
+                          <m:r>
+                            <a:rPr lang="en-US" sz="2800" b="0" i="1" smtClean="0">
+                              <a:solidFill>
+                                <a:srgbClr val="FF0000"/>
+                              </a:solidFill>
+                              <a:latin typeface="Cambria Math" charset="0"/>
+                            </a:rPr>
+                            <m:t>𝑥</m:t>
+                          </m:r>
+                        </m:e>
+                        <m:sub>
+                          <m:r>
+                            <a:rPr lang="en-US" sz="2800" b="0" i="1" smtClean="0">
+                              <a:solidFill>
+                                <a:srgbClr val="FF0000"/>
+                              </a:solidFill>
+                              <a:latin typeface="Cambria Math" charset="0"/>
+                            </a:rPr>
+                            <m:t>𝑡</m:t>
+                          </m:r>
+                        </m:sub>
+                      </m:sSub>
+                      <m:r>
+                        <a:rPr lang="en-US" sz="2800" b="0" i="1" smtClean="0">
+                          <a:solidFill>
+                            <a:srgbClr val="FF0000"/>
+                          </a:solidFill>
+                          <a:latin typeface="Cambria Math" charset="0"/>
+                        </a:rPr>
+                        <m:t>,</m:t>
+                      </m:r>
+                      <m:sSub>
+                        <m:sSubPr>
+                          <m:ctrlPr>
+                            <a:rPr lang="en-US" sz="2800" i="1" smtClean="0">
+                              <a:solidFill>
+                                <a:srgbClr val="FF0000"/>
+                              </a:solidFill>
+                              <a:latin typeface="Cambria Math" charset="0"/>
+                            </a:rPr>
+                          </m:ctrlPr>
+                        </m:sSubPr>
+                        <m:e>
+                          <m:r>
+                            <a:rPr lang="en-US" sz="2800" b="0" i="1" smtClean="0">
+                              <a:solidFill>
+                                <a:srgbClr val="FF0000"/>
+                              </a:solidFill>
+                              <a:latin typeface="Cambria Math" charset="0"/>
+                            </a:rPr>
+                            <m:t>𝑦</m:t>
+                          </m:r>
+                        </m:e>
+                        <m:sub>
+                          <m:r>
+                            <a:rPr lang="en-US" sz="2800" b="0" i="1" smtClean="0">
+                              <a:solidFill>
+                                <a:srgbClr val="FF0000"/>
+                              </a:solidFill>
+                              <a:latin typeface="Cambria Math" charset="0"/>
+                            </a:rPr>
+                            <m:t>𝑡</m:t>
+                          </m:r>
+                        </m:sub>
+                      </m:sSub>
+                      <m:sSub>
+                        <m:sSubPr>
+                          <m:ctrlPr>
+                            <a:rPr lang="en-US" sz="2800" i="1" smtClean="0">
+                              <a:solidFill>
+                                <a:srgbClr val="FF0000"/>
+                              </a:solidFill>
+                              <a:latin typeface="Cambria Math" charset="0"/>
+                            </a:rPr>
+                          </m:ctrlPr>
+                        </m:sSubPr>
+                        <m:e>
+                          <m:r>
+                            <a:rPr lang="en-US" sz="2800" b="0" i="1" smtClean="0">
+                              <a:solidFill>
+                                <a:srgbClr val="FF0000"/>
+                              </a:solidFill>
+                              <a:latin typeface="Cambria Math" charset="0"/>
+                            </a:rPr>
+                            <m:t>,</m:t>
+                          </m:r>
+                          <m:r>
+                            <a:rPr lang="en-US" sz="2800" i="1" smtClean="0">
+                              <a:solidFill>
+                                <a:srgbClr val="FF0000"/>
+                              </a:solidFill>
+                              <a:latin typeface="Cambria Math" charset="0"/>
+                              <a:ea typeface="Cambria Math" charset="0"/>
+                              <a:cs typeface="Cambria Math" charset="0"/>
+                            </a:rPr>
+                            <m:t>𝜃</m:t>
+                          </m:r>
+                        </m:e>
+                        <m:sub>
+                          <m:r>
+                            <a:rPr lang="en-US" sz="2800" b="0" i="1" smtClean="0">
+                              <a:solidFill>
+                                <a:srgbClr val="FF0000"/>
+                              </a:solidFill>
+                              <a:latin typeface="Cambria Math" charset="0"/>
+                            </a:rPr>
+                            <m:t>𝑡</m:t>
+                          </m:r>
+                        </m:sub>
+                      </m:sSub>
+                      <m:r>
+                        <a:rPr lang="en-US" sz="2800" b="0" i="1" smtClean="0">
+                          <a:solidFill>
+                            <a:srgbClr val="FF0000"/>
+                          </a:solidFill>
+                          <a:latin typeface="Cambria Math" charset="0"/>
+                        </a:rPr>
+                        <m:t>,</m:t>
+                      </m:r>
+                      <m:sSub>
+                        <m:sSubPr>
+                          <m:ctrlPr>
+                            <a:rPr lang="en-US" sz="2800" i="1" smtClean="0">
+                              <a:solidFill>
+                                <a:srgbClr val="FF0000"/>
+                              </a:solidFill>
+                              <a:latin typeface="Cambria Math" charset="0"/>
+                            </a:rPr>
+                          </m:ctrlPr>
+                        </m:sSubPr>
+                        <m:e>
+                          <m:r>
+                            <m:rPr>
+                              <m:sty m:val="p"/>
+                            </m:rPr>
+                            <a:rPr lang="el-GR" sz="2800" i="1" smtClean="0">
+                              <a:solidFill>
+                                <a:srgbClr val="FF0000"/>
+                              </a:solidFill>
+                              <a:latin typeface="Cambria Math" charset="0"/>
+                              <a:ea typeface="Cambria Math" charset="0"/>
+                              <a:cs typeface="Cambria Math" charset="0"/>
+                            </a:rPr>
+                            <m:t>Ω</m:t>
+                          </m:r>
+                        </m:e>
+                        <m:sub>
+                          <m:r>
+                            <a:rPr lang="en-US" sz="2800" b="0" i="1" smtClean="0">
+                              <a:solidFill>
+                                <a:srgbClr val="FF0000"/>
+                              </a:solidFill>
+                              <a:latin typeface="Cambria Math" charset="0"/>
+                            </a:rPr>
+                            <m:t>𝑡</m:t>
+                          </m:r>
+                        </m:sub>
+                      </m:sSub>
+                      <m:r>
+                        <a:rPr lang="en-US" sz="2800" b="0" i="1" smtClean="0">
+                          <a:solidFill>
+                            <a:srgbClr val="FF0000"/>
+                          </a:solidFill>
+                          <a:latin typeface="Cambria Math" charset="0"/>
+                        </a:rPr>
+                        <m:t>)</m:t>
+                      </m:r>
+                    </m:oMath>
+                  </a14:m>
+                  <a:endParaRPr lang="en-US" sz="2800" dirty="0">
+                    <a:solidFill>
+                      <a:srgbClr val="FF0000"/>
+                    </a:solidFill>
+                  </a:endParaRPr>
+                </a:p>
+              </p:txBody>
+            </p:sp>
+          </mc:Choice>
+          <mc:Fallback>
+            <p:sp>
+              <p:nvSpPr>
+                <p:cNvPr id="40" name="TextBox 39"/>
+                <p:cNvSpPr txBox="1">
+                  <a:spLocks noRot="1" noChangeAspect="1" noMove="1" noResize="1" noEditPoints="1" noAdjustHandles="1" noChangeArrowheads="1" noChangeShapeType="1" noTextEdit="1"/>
+                </p:cNvSpPr>
+                <p:nvPr/>
+              </p:nvSpPr>
+              <p:spPr>
+                <a:xfrm>
+                  <a:off x="3727987" y="3380359"/>
+                  <a:ext cx="2262351" cy="523220"/>
+                </a:xfrm>
+                <a:prstGeom prst="rect">
+                  <a:avLst/>
+                </a:prstGeom>
+                <a:blipFill rotWithShape="0">
+                  <a:blip r:embed="rId2"/>
+                  <a:stretch>
+                    <a:fillRect l="-5391" t="-10465" b="-32558"/>
+                  </a:stretch>
+                </a:blipFill>
+              </p:spPr>
+              <p:txBody>
+                <a:bodyPr/>
+                <a:lstStyle/>
+                <a:p>
+                  <a:r>
+                    <a:rPr lang="en-US">
+                      <a:noFill/>
+                    </a:rPr>
+                    <a:t> </a:t>
+                  </a:r>
+                </a:p>
+              </p:txBody>
+            </p:sp>
+          </mc:Fallback>
+        </mc:AlternateContent>
+        <p:sp>
+          <p:nvSpPr>
+            <p:cNvPr id="57" name="Oval 56"/>
             <p:cNvSpPr/>
             <p:nvPr/>
           </p:nvSpPr>
           <p:spPr>
             <a:xfrm>
-              <a:off x="8282493" y="2320508"/>
-              <a:ext cx="45719" cy="45719"/>
+              <a:off x="3243502" y="3815336"/>
+              <a:ext cx="113453" cy="117920"/>
             </a:xfrm>
             <a:prstGeom prst="ellipse">
               <a:avLst/>
@@ -4153,13 +7363,6 @@
             <a:ln>
               <a:noFill/>
             </a:ln>
-            <a:scene3d>
-              <a:camera prst="orthographicFront"/>
-              <a:lightRig rig="threePt" dir="t"/>
-            </a:scene3d>
-            <a:sp3d>
-              <a:bevelT prst="angle"/>
-            </a:sp3d>
           </p:spPr>
           <p:style>
             <a:lnRef idx="2">
@@ -4182,1567 +7385,225 @@
             <a:lstStyle/>
             <a:p>
               <a:pPr algn="ctr"/>
-              <a:endParaRPr lang="en-US">
-                <a:latin typeface="Helvetica" charset="0"/>
-                <a:ea typeface="Helvetica" charset="0"/>
-                <a:cs typeface="Helvetica" charset="0"/>
-              </a:endParaRPr>
+              <a:endParaRPr lang="en-US"/>
             </a:p>
           </p:txBody>
         </p:sp>
+        <mc:AlternateContent xmlns:mc="http://schemas.openxmlformats.org/markup-compatibility/2006">
+          <mc:Choice xmlns:a14="http://schemas.microsoft.com/office/drawing/2010/main" Requires="a14">
+            <p:sp>
+              <p:nvSpPr>
+                <p:cNvPr id="61" name="TextBox 60"/>
+                <p:cNvSpPr txBox="1"/>
+                <p:nvPr/>
+              </p:nvSpPr>
+              <p:spPr>
+                <a:xfrm>
+                  <a:off x="3620957" y="2474505"/>
+                  <a:ext cx="449034" cy="430887"/>
+                </a:xfrm>
+                <a:prstGeom prst="rect">
+                  <a:avLst/>
+                </a:prstGeom>
+                <a:noFill/>
+              </p:spPr>
+              <p:txBody>
+                <a:bodyPr wrap="none" lIns="0" tIns="0" rIns="0" bIns="0" rtlCol="0">
+                  <a:spAutoFit/>
+                </a:bodyPr>
+                <a:lstStyle/>
+                <a:p>
+                  <a14:m>
+                    <m:oMathPara xmlns:m="http://schemas.openxmlformats.org/officeDocument/2006/math">
+                      <m:oMathParaPr>
+                        <m:jc m:val="centerGroup"/>
+                      </m:oMathParaPr>
+                      <m:oMath xmlns:m="http://schemas.openxmlformats.org/officeDocument/2006/math">
+                        <m:sSub>
+                          <m:sSubPr>
+                            <m:ctrlPr>
+                              <a:rPr lang="en-US" sz="2800" i="1" smtClean="0">
+                                <a:latin typeface="Cambria Math" charset="0"/>
+                              </a:rPr>
+                            </m:ctrlPr>
+                          </m:sSubPr>
+                          <m:e>
+                            <m:r>
+                              <a:rPr lang="en-US" sz="2800" b="0" i="1" smtClean="0">
+                                <a:latin typeface="Cambria Math" charset="0"/>
+                              </a:rPr>
+                              <m:t>𝑑</m:t>
+                            </m:r>
+                          </m:e>
+                          <m:sub>
+                            <m:r>
+                              <a:rPr lang="en-US" sz="2800" b="0" i="1" smtClean="0">
+                                <a:latin typeface="Cambria Math" charset="0"/>
+                              </a:rPr>
+                              <m:t>1</m:t>
+                            </m:r>
+                          </m:sub>
+                        </m:sSub>
+                      </m:oMath>
+                    </m:oMathPara>
+                  </a14:m>
+                  <a:endParaRPr lang="en-US" dirty="0"/>
+                </a:p>
+              </p:txBody>
+            </p:sp>
+          </mc:Choice>
+          <mc:Fallback>
+            <p:sp>
+              <p:nvSpPr>
+                <p:cNvPr id="61" name="TextBox 60"/>
+                <p:cNvSpPr txBox="1">
+                  <a:spLocks noRot="1" noChangeAspect="1" noMove="1" noResize="1" noEditPoints="1" noAdjustHandles="1" noChangeArrowheads="1" noChangeShapeType="1" noTextEdit="1"/>
+                </p:cNvSpPr>
+                <p:nvPr/>
+              </p:nvSpPr>
+              <p:spPr>
+                <a:xfrm>
+                  <a:off x="3620957" y="2474505"/>
+                  <a:ext cx="449034" cy="430887"/>
+                </a:xfrm>
+                <a:prstGeom prst="rect">
+                  <a:avLst/>
+                </a:prstGeom>
+                <a:blipFill rotWithShape="0">
+                  <a:blip r:embed="rId3"/>
+                  <a:stretch>
+                    <a:fillRect/>
+                  </a:stretch>
+                </a:blipFill>
+              </p:spPr>
+              <p:txBody>
+                <a:bodyPr/>
+                <a:lstStyle/>
+                <a:p>
+                  <a:r>
+                    <a:rPr lang="en-US">
+                      <a:noFill/>
+                    </a:rPr>
+                    <a:t> </a:t>
+                  </a:r>
+                </a:p>
+              </p:txBody>
+            </p:sp>
+          </mc:Fallback>
+        </mc:AlternateContent>
+        <mc:AlternateContent xmlns:mc="http://schemas.openxmlformats.org/markup-compatibility/2006">
+          <mc:Choice xmlns:a14="http://schemas.microsoft.com/office/drawing/2010/main" Requires="a14">
+            <p:sp>
+              <p:nvSpPr>
+                <p:cNvPr id="62" name="TextBox 61"/>
+                <p:cNvSpPr txBox="1"/>
+                <p:nvPr/>
+              </p:nvSpPr>
+              <p:spPr>
+                <a:xfrm>
+                  <a:off x="5832536" y="3831901"/>
+                  <a:ext cx="457305" cy="430887"/>
+                </a:xfrm>
+                <a:prstGeom prst="rect">
+                  <a:avLst/>
+                </a:prstGeom>
+                <a:noFill/>
+              </p:spPr>
+              <p:txBody>
+                <a:bodyPr wrap="none" lIns="0" tIns="0" rIns="0" bIns="0" rtlCol="0">
+                  <a:spAutoFit/>
+                </a:bodyPr>
+                <a:lstStyle/>
+                <a:p>
+                  <a14:m>
+                    <m:oMathPara xmlns:m="http://schemas.openxmlformats.org/officeDocument/2006/math">
+                      <m:oMathParaPr>
+                        <m:jc m:val="centerGroup"/>
+                      </m:oMathParaPr>
+                      <m:oMath xmlns:m="http://schemas.openxmlformats.org/officeDocument/2006/math">
+                        <m:sSub>
+                          <m:sSubPr>
+                            <m:ctrlPr>
+                              <a:rPr lang="en-US" sz="2800" i="1" smtClean="0">
+                                <a:latin typeface="Cambria Math" charset="0"/>
+                              </a:rPr>
+                            </m:ctrlPr>
+                          </m:sSubPr>
+                          <m:e>
+                            <m:r>
+                              <a:rPr lang="en-US" sz="2800" b="0" i="1" smtClean="0">
+                                <a:latin typeface="Cambria Math" charset="0"/>
+                              </a:rPr>
+                              <m:t>𝑑</m:t>
+                            </m:r>
+                          </m:e>
+                          <m:sub>
+                            <m:r>
+                              <a:rPr lang="en-US" sz="2800" b="0" i="1" smtClean="0">
+                                <a:latin typeface="Cambria Math" charset="0"/>
+                              </a:rPr>
+                              <m:t>2</m:t>
+                            </m:r>
+                          </m:sub>
+                        </m:sSub>
+                      </m:oMath>
+                    </m:oMathPara>
+                  </a14:m>
+                  <a:endParaRPr lang="en-US" dirty="0"/>
+                </a:p>
+              </p:txBody>
+            </p:sp>
+          </mc:Choice>
+          <mc:Fallback>
+            <p:sp>
+              <p:nvSpPr>
+                <p:cNvPr id="62" name="TextBox 61"/>
+                <p:cNvSpPr txBox="1">
+                  <a:spLocks noRot="1" noChangeAspect="1" noMove="1" noResize="1" noEditPoints="1" noAdjustHandles="1" noChangeArrowheads="1" noChangeShapeType="1" noTextEdit="1"/>
+                </p:cNvSpPr>
+                <p:nvPr/>
+              </p:nvSpPr>
+              <p:spPr>
+                <a:xfrm>
+                  <a:off x="5832536" y="3831901"/>
+                  <a:ext cx="457305" cy="430887"/>
+                </a:xfrm>
+                <a:prstGeom prst="rect">
+                  <a:avLst/>
+                </a:prstGeom>
+                <a:blipFill rotWithShape="0">
+                  <a:blip r:embed="rId4"/>
+                  <a:stretch>
+                    <a:fillRect/>
+                  </a:stretch>
+                </a:blipFill>
+              </p:spPr>
+              <p:txBody>
+                <a:bodyPr/>
+                <a:lstStyle/>
+                <a:p>
+                  <a:r>
+                    <a:rPr lang="en-US">
+                      <a:noFill/>
+                    </a:rPr>
+                    <a:t> </a:t>
+                  </a:r>
+                </a:p>
+              </p:txBody>
+            </p:sp>
+          </mc:Fallback>
+        </mc:AlternateContent>
       </p:grpSp>
-      <p:sp>
-        <p:nvSpPr>
-          <p:cNvPr id="31" name="Pie 30"/>
-          <p:cNvSpPr/>
-          <p:nvPr/>
-        </p:nvSpPr>
-        <p:spPr>
-          <a:xfrm>
-            <a:off x="113680" y="404335"/>
-            <a:ext cx="5202936" cy="5204404"/>
-          </a:xfrm>
-          <a:prstGeom prst="pie">
-            <a:avLst>
-              <a:gd name="adj1" fmla="val 20362320"/>
-              <a:gd name="adj2" fmla="val 2350330"/>
-            </a:avLst>
-          </a:prstGeom>
-          <a:noFill/>
-          <a:ln w="19050">
-            <a:solidFill>
-              <a:srgbClr val="0070C0">
-                <a:alpha val="29000"/>
-              </a:srgbClr>
-            </a:solidFill>
-            <a:prstDash val="sysDash"/>
-          </a:ln>
-        </p:spPr>
-        <p:style>
-          <a:lnRef idx="2">
-            <a:schemeClr val="accent1">
-              <a:shade val="50000"/>
-            </a:schemeClr>
-          </a:lnRef>
-          <a:fillRef idx="1">
-            <a:schemeClr val="accent1"/>
-          </a:fillRef>
-          <a:effectRef idx="0">
-            <a:schemeClr val="accent1"/>
-          </a:effectRef>
-          <a:fontRef idx="minor">
-            <a:schemeClr val="lt1"/>
-          </a:fontRef>
-        </p:style>
-        <p:txBody>
-          <a:bodyPr rtlCol="0" anchor="ctr"/>
-          <a:lstStyle/>
-          <a:p>
-            <a:pPr algn="ctr"/>
-            <a:endParaRPr lang="en-US">
-              <a:solidFill>
-                <a:schemeClr val="tx1"/>
-              </a:solidFill>
-              <a:latin typeface="Helvetica" charset="0"/>
-              <a:ea typeface="Helvetica" charset="0"/>
-              <a:cs typeface="Helvetica" charset="0"/>
-            </a:endParaRPr>
-          </a:p>
-        </p:txBody>
-      </p:sp>
-      <mc:AlternateContent xmlns:mc="http://schemas.openxmlformats.org/markup-compatibility/2006">
-        <mc:Choice xmlns:a14="http://schemas.microsoft.com/office/drawing/2010/main" Requires="a14">
-          <p:sp>
-            <p:nvSpPr>
-              <p:cNvPr id="32" name="TextBox 31"/>
-              <p:cNvSpPr txBox="1"/>
-              <p:nvPr/>
-            </p:nvSpPr>
-            <p:spPr>
-              <a:xfrm>
-                <a:off x="3068320" y="2944690"/>
-                <a:ext cx="338554" cy="276999"/>
-              </a:xfrm>
-              <a:prstGeom prst="rect">
-                <a:avLst/>
-              </a:prstGeom>
-              <a:noFill/>
-            </p:spPr>
-            <p:txBody>
-              <a:bodyPr wrap="none" lIns="0" tIns="0" rIns="0" bIns="0" rtlCol="0">
-                <a:spAutoFit/>
-              </a:bodyPr>
-              <a:lstStyle/>
-              <a:p>
-                <a14:m>
-                  <m:oMathPara xmlns:m="http://schemas.openxmlformats.org/officeDocument/2006/math">
-                    <m:oMathParaPr>
-                      <m:jc m:val="centerGroup"/>
-                    </m:oMathParaPr>
-                    <m:oMath xmlns:m="http://schemas.openxmlformats.org/officeDocument/2006/math">
-                      <m:r>
-                        <m:rPr>
-                          <m:sty m:val="p"/>
-                        </m:rPr>
-                        <a:rPr lang="el-GR" i="1" smtClean="0">
-                          <a:latin typeface="Helvetica" charset="0"/>
-                          <a:ea typeface="Helvetica" charset="0"/>
-                          <a:cs typeface="Helvetica" charset="0"/>
-                        </a:rPr>
-                        <m:t>Δ</m:t>
-                      </m:r>
-                      <m:r>
-                        <a:rPr lang="en-US" i="1" smtClean="0">
-                          <a:latin typeface="Helvetica" charset="0"/>
-                          <a:ea typeface="Helvetica" charset="0"/>
-                          <a:cs typeface="Helvetica" charset="0"/>
-                        </a:rPr>
-                        <m:t>𝜃</m:t>
-                      </m:r>
-                    </m:oMath>
-                  </m:oMathPara>
-                </a14:m>
-                <a:endParaRPr lang="en-US" dirty="0">
-                  <a:latin typeface="Helvetica" charset="0"/>
-                  <a:ea typeface="Helvetica" charset="0"/>
-                  <a:cs typeface="Helvetica" charset="0"/>
-                </a:endParaRPr>
-              </a:p>
-            </p:txBody>
-          </p:sp>
-        </mc:Choice>
-        <mc:Fallback>
-          <p:sp>
-            <p:nvSpPr>
-              <p:cNvPr id="32" name="TextBox 31"/>
-              <p:cNvSpPr txBox="1">
-                <a:spLocks noRot="1" noChangeAspect="1" noMove="1" noResize="1" noEditPoints="1" noAdjustHandles="1" noChangeArrowheads="1" noChangeShapeType="1" noTextEdit="1"/>
-              </p:cNvSpPr>
-              <p:nvPr/>
-            </p:nvSpPr>
-            <p:spPr>
-              <a:xfrm>
-                <a:off x="3068320" y="2944690"/>
-                <a:ext cx="338554" cy="276999"/>
-              </a:xfrm>
-              <a:prstGeom prst="rect">
-                <a:avLst/>
-              </a:prstGeom>
-              <a:blipFill rotWithShape="0">
-                <a:blip r:embed="rId3"/>
-                <a:stretch>
-                  <a:fillRect l="-14286" r="-12500" b="-11111"/>
-                </a:stretch>
-              </a:blipFill>
-            </p:spPr>
-            <p:txBody>
-              <a:bodyPr/>
-              <a:lstStyle/>
-              <a:p>
-                <a:r>
-                  <a:rPr lang="en-US">
-                    <a:noFill/>
-                  </a:rPr>
-                  <a:t> </a:t>
-                </a:r>
-              </a:p>
-            </p:txBody>
-          </p:sp>
-        </mc:Fallback>
-      </mc:AlternateContent>
-      <p:sp>
-        <p:nvSpPr>
-          <p:cNvPr id="34" name="Freeform 33"/>
-          <p:cNvSpPr/>
-          <p:nvPr/>
-        </p:nvSpPr>
-        <p:spPr>
-          <a:xfrm>
-            <a:off x="2997141" y="2915920"/>
-            <a:ext cx="50859" cy="294640"/>
-          </a:xfrm>
-          <a:custGeom>
-            <a:avLst/>
-            <a:gdLst>
-              <a:gd name="connsiteX0" fmla="*/ 59 w 50859"/>
-              <a:gd name="connsiteY0" fmla="*/ 0 h 294640"/>
-              <a:gd name="connsiteX1" fmla="*/ 30539 w 50859"/>
-              <a:gd name="connsiteY1" fmla="*/ 40640 h 294640"/>
-              <a:gd name="connsiteX2" fmla="*/ 50859 w 50859"/>
-              <a:gd name="connsiteY2" fmla="*/ 101600 h 294640"/>
-              <a:gd name="connsiteX3" fmla="*/ 40699 w 50859"/>
-              <a:gd name="connsiteY3" fmla="*/ 233680 h 294640"/>
-              <a:gd name="connsiteX4" fmla="*/ 30539 w 50859"/>
-              <a:gd name="connsiteY4" fmla="*/ 264160 h 294640"/>
-              <a:gd name="connsiteX5" fmla="*/ 59 w 50859"/>
-              <a:gd name="connsiteY5" fmla="*/ 294640 h 294640"/>
-            </a:gdLst>
-            <a:ahLst/>
-            <a:cxnLst>
-              <a:cxn ang="0">
-                <a:pos x="connsiteX0" y="connsiteY0"/>
-              </a:cxn>
-              <a:cxn ang="0">
-                <a:pos x="connsiteX1" y="connsiteY1"/>
-              </a:cxn>
-              <a:cxn ang="0">
-                <a:pos x="connsiteX2" y="connsiteY2"/>
-              </a:cxn>
-              <a:cxn ang="0">
-                <a:pos x="connsiteX3" y="connsiteY3"/>
-              </a:cxn>
-              <a:cxn ang="0">
-                <a:pos x="connsiteX4" y="connsiteY4"/>
-              </a:cxn>
-              <a:cxn ang="0">
-                <a:pos x="connsiteX5" y="connsiteY5"/>
-              </a:cxn>
-            </a:cxnLst>
-            <a:rect l="l" t="t" r="r" b="b"/>
-            <a:pathLst>
-              <a:path w="50859" h="294640">
-                <a:moveTo>
-                  <a:pt x="59" y="0"/>
-                </a:moveTo>
-                <a:cubicBezTo>
-                  <a:pt x="10219" y="13547"/>
-                  <a:pt x="22966" y="25494"/>
-                  <a:pt x="30539" y="40640"/>
-                </a:cubicBezTo>
-                <a:cubicBezTo>
-                  <a:pt x="40118" y="59798"/>
-                  <a:pt x="50859" y="101600"/>
-                  <a:pt x="50859" y="101600"/>
-                </a:cubicBezTo>
-                <a:cubicBezTo>
-                  <a:pt x="47472" y="145627"/>
-                  <a:pt x="46176" y="189864"/>
-                  <a:pt x="40699" y="233680"/>
-                </a:cubicBezTo>
-                <a:cubicBezTo>
-                  <a:pt x="39371" y="244307"/>
-                  <a:pt x="37229" y="255797"/>
-                  <a:pt x="30539" y="264160"/>
-                </a:cubicBezTo>
-                <a:cubicBezTo>
-                  <a:pt x="-2759" y="305782"/>
-                  <a:pt x="59" y="266882"/>
-                  <a:pt x="59" y="294640"/>
-                </a:cubicBezTo>
-              </a:path>
-            </a:pathLst>
-          </a:custGeom>
-          <a:noFill/>
-          <a:ln w="22225"/>
-        </p:spPr>
-        <p:style>
-          <a:lnRef idx="2">
-            <a:schemeClr val="accent1">
-              <a:shade val="50000"/>
-            </a:schemeClr>
-          </a:lnRef>
-          <a:fillRef idx="1">
-            <a:schemeClr val="accent1"/>
-          </a:fillRef>
-          <a:effectRef idx="0">
-            <a:schemeClr val="accent1"/>
-          </a:effectRef>
-          <a:fontRef idx="minor">
-            <a:schemeClr val="lt1"/>
-          </a:fontRef>
-        </p:style>
-        <p:txBody>
-          <a:bodyPr rtlCol="0" anchor="ctr"/>
-          <a:lstStyle/>
-          <a:p>
-            <a:pPr algn="ctr"/>
-            <a:endParaRPr lang="en-US">
-              <a:latin typeface="Helvetica" charset="0"/>
-              <a:ea typeface="Helvetica" charset="0"/>
-              <a:cs typeface="Helvetica" charset="0"/>
-            </a:endParaRPr>
-          </a:p>
-        </p:txBody>
-      </p:sp>
-      <p:cxnSp>
-        <p:nvCxnSpPr>
-          <p:cNvPr id="36" name="Straight Connector 35"/>
-          <p:cNvCxnSpPr/>
-          <p:nvPr/>
-        </p:nvCxnSpPr>
-        <p:spPr>
-          <a:xfrm>
-            <a:off x="4724517" y="4630812"/>
-            <a:ext cx="1391803" cy="0"/>
-          </a:xfrm>
-          <a:prstGeom prst="line">
-            <a:avLst/>
-          </a:prstGeom>
-          <a:ln w="22225">
-            <a:solidFill>
-              <a:schemeClr val="tx1"/>
-            </a:solidFill>
-            <a:prstDash val="dash"/>
-          </a:ln>
-        </p:spPr>
-        <p:style>
-          <a:lnRef idx="1">
-            <a:schemeClr val="accent1"/>
-          </a:lnRef>
-          <a:fillRef idx="0">
-            <a:schemeClr val="accent1"/>
-          </a:fillRef>
-          <a:effectRef idx="0">
-            <a:schemeClr val="accent1"/>
-          </a:effectRef>
-          <a:fontRef idx="minor">
-            <a:schemeClr val="tx1"/>
-          </a:fontRef>
-        </p:style>
-      </p:cxnSp>
-      <p:cxnSp>
-        <p:nvCxnSpPr>
-          <p:cNvPr id="37" name="Straight Connector 36"/>
-          <p:cNvCxnSpPr/>
-          <p:nvPr/>
-        </p:nvCxnSpPr>
-        <p:spPr>
-          <a:xfrm flipV="1">
-            <a:off x="4735100" y="3465585"/>
-            <a:ext cx="932864" cy="1197448"/>
-          </a:xfrm>
-          <a:prstGeom prst="line">
-            <a:avLst/>
-          </a:prstGeom>
-          <a:ln w="22225">
-            <a:solidFill>
-              <a:schemeClr val="tx1"/>
-            </a:solidFill>
-            <a:prstDash val="dash"/>
-          </a:ln>
-        </p:spPr>
-        <p:style>
-          <a:lnRef idx="1">
-            <a:schemeClr val="accent1"/>
-          </a:lnRef>
-          <a:fillRef idx="0">
-            <a:schemeClr val="accent1"/>
-          </a:fillRef>
-          <a:effectRef idx="0">
-            <a:schemeClr val="accent1"/>
-          </a:effectRef>
-          <a:fontRef idx="minor">
-            <a:schemeClr val="tx1"/>
-          </a:fontRef>
-        </p:style>
-      </p:cxnSp>
-      <p:cxnSp>
-        <p:nvCxnSpPr>
-          <p:cNvPr id="40" name="Straight Connector 39"/>
-          <p:cNvCxnSpPr/>
-          <p:nvPr/>
-        </p:nvCxnSpPr>
-        <p:spPr>
-          <a:xfrm flipH="1" flipV="1">
-            <a:off x="5025460" y="1737550"/>
-            <a:ext cx="642504" cy="1740273"/>
-          </a:xfrm>
-          <a:prstGeom prst="line">
-            <a:avLst/>
-          </a:prstGeom>
-          <a:ln w="22225">
-            <a:solidFill>
-              <a:schemeClr val="tx1"/>
-            </a:solidFill>
-            <a:prstDash val="dash"/>
-          </a:ln>
-        </p:spPr>
-        <p:style>
-          <a:lnRef idx="1">
-            <a:schemeClr val="accent1"/>
-          </a:lnRef>
-          <a:fillRef idx="0">
-            <a:schemeClr val="accent1"/>
-          </a:fillRef>
-          <a:effectRef idx="0">
-            <a:schemeClr val="accent1"/>
-          </a:effectRef>
-          <a:fontRef idx="minor">
-            <a:schemeClr val="tx1"/>
-          </a:fontRef>
-        </p:style>
-      </p:cxnSp>
-      <p:cxnSp>
-        <p:nvCxnSpPr>
-          <p:cNvPr id="43" name="Straight Connector 42"/>
-          <p:cNvCxnSpPr/>
-          <p:nvPr/>
-        </p:nvCxnSpPr>
-        <p:spPr>
-          <a:xfrm flipV="1">
-            <a:off x="4735100" y="2155046"/>
-            <a:ext cx="412804" cy="2507987"/>
-          </a:xfrm>
-          <a:prstGeom prst="line">
-            <a:avLst/>
-          </a:prstGeom>
-          <a:ln w="22225">
-            <a:solidFill>
-              <a:schemeClr val="tx1"/>
-            </a:solidFill>
-            <a:prstDash val="dash"/>
-          </a:ln>
-        </p:spPr>
-        <p:style>
-          <a:lnRef idx="1">
-            <a:schemeClr val="accent1"/>
-          </a:lnRef>
-          <a:fillRef idx="0">
-            <a:schemeClr val="accent1"/>
-          </a:fillRef>
-          <a:effectRef idx="0">
-            <a:schemeClr val="accent1"/>
-          </a:effectRef>
-          <a:fontRef idx="minor">
-            <a:schemeClr val="tx1"/>
-          </a:fontRef>
-        </p:style>
-      </p:cxnSp>
-      <mc:AlternateContent xmlns:mc="http://schemas.openxmlformats.org/markup-compatibility/2006">
-        <mc:Choice xmlns:a14="http://schemas.microsoft.com/office/drawing/2010/main" Requires="a14">
-          <p:sp>
-            <p:nvSpPr>
-              <p:cNvPr id="48" name="TextBox 47"/>
-              <p:cNvSpPr txBox="1"/>
-              <p:nvPr/>
-            </p:nvSpPr>
-            <p:spPr>
-              <a:xfrm>
-                <a:off x="5133428" y="4280052"/>
-                <a:ext cx="200696" cy="276999"/>
-              </a:xfrm>
-              <a:prstGeom prst="rect">
-                <a:avLst/>
-              </a:prstGeom>
-              <a:noFill/>
-            </p:spPr>
-            <p:txBody>
-              <a:bodyPr wrap="none" lIns="0" tIns="0" rIns="0" bIns="0" rtlCol="0">
-                <a:spAutoFit/>
-              </a:bodyPr>
-              <a:lstStyle/>
-              <a:p>
-                <a14:m>
-                  <m:oMathPara xmlns:m="http://schemas.openxmlformats.org/officeDocument/2006/math">
-                    <m:oMathParaPr>
-                      <m:jc m:val="centerGroup"/>
-                    </m:oMathParaPr>
-                    <m:oMath xmlns:m="http://schemas.openxmlformats.org/officeDocument/2006/math">
-                      <m:r>
-                        <a:rPr lang="en-US" i="1" smtClean="0">
-                          <a:latin typeface="Helvetica" charset="0"/>
-                          <a:ea typeface="Helvetica" charset="0"/>
-                          <a:cs typeface="Helvetica" charset="0"/>
-                        </a:rPr>
-                        <m:t>𝜃</m:t>
-                      </m:r>
-                    </m:oMath>
-                  </m:oMathPara>
-                </a14:m>
-                <a:endParaRPr lang="en-US" dirty="0">
-                  <a:latin typeface="Helvetica" charset="0"/>
-                  <a:ea typeface="Helvetica" charset="0"/>
-                  <a:cs typeface="Helvetica" charset="0"/>
-                </a:endParaRPr>
-              </a:p>
-            </p:txBody>
-          </p:sp>
-        </mc:Choice>
-        <mc:Fallback>
-          <p:sp>
-            <p:nvSpPr>
-              <p:cNvPr id="48" name="TextBox 47"/>
-              <p:cNvSpPr txBox="1">
-                <a:spLocks noRot="1" noChangeAspect="1" noMove="1" noResize="1" noEditPoints="1" noAdjustHandles="1" noChangeArrowheads="1" noChangeShapeType="1" noTextEdit="1"/>
-              </p:cNvSpPr>
-              <p:nvPr/>
-            </p:nvSpPr>
-            <p:spPr>
-              <a:xfrm>
-                <a:off x="5133428" y="4280052"/>
-                <a:ext cx="200696" cy="276999"/>
-              </a:xfrm>
-              <a:prstGeom prst="rect">
-                <a:avLst/>
-              </a:prstGeom>
-              <a:blipFill rotWithShape="0">
-                <a:blip r:embed="rId4"/>
-                <a:stretch>
-                  <a:fillRect l="-24242" r="-21212" b="-8696"/>
-                </a:stretch>
-              </a:blipFill>
-            </p:spPr>
-            <p:txBody>
-              <a:bodyPr/>
-              <a:lstStyle/>
-              <a:p>
-                <a:r>
-                  <a:rPr lang="en-US">
-                    <a:noFill/>
-                  </a:rPr>
-                  <a:t> </a:t>
-                </a:r>
-              </a:p>
-            </p:txBody>
-          </p:sp>
-        </mc:Fallback>
-      </mc:AlternateContent>
-      <p:pic>
-        <p:nvPicPr>
-          <p:cNvPr id="58" name="Picture 57"/>
-          <p:cNvPicPr>
-            <a:picLocks noChangeAspect="1"/>
-          </p:cNvPicPr>
-          <p:nvPr/>
-        </p:nvPicPr>
-        <p:blipFill>
-          <a:blip r:embed="rId5"/>
-          <a:stretch>
-            <a:fillRect/>
-          </a:stretch>
-        </p:blipFill>
-        <p:spPr>
-          <a:xfrm rot="12046891">
-            <a:off x="6339776" y="5522115"/>
-            <a:ext cx="1162229" cy="628747"/>
-          </a:xfrm>
-          <a:prstGeom prst="rect">
-            <a:avLst/>
-          </a:prstGeom>
-        </p:spPr>
-      </p:pic>
-      <p:sp>
-        <p:nvSpPr>
-          <p:cNvPr id="59" name="TextBox 58"/>
-          <p:cNvSpPr txBox="1"/>
-          <p:nvPr/>
-        </p:nvSpPr>
-        <p:spPr>
-          <a:xfrm>
-            <a:off x="3773683" y="5991692"/>
-            <a:ext cx="1807033" cy="461665"/>
-          </a:xfrm>
-          <a:prstGeom prst="rect">
-            <a:avLst/>
-          </a:prstGeom>
-          <a:noFill/>
-        </p:spPr>
-        <p:txBody>
-          <a:bodyPr wrap="none" rtlCol="0">
-            <a:spAutoFit/>
-          </a:bodyPr>
-          <a:lstStyle/>
-          <a:p>
-            <a:r>
-              <a:rPr lang="en-US" sz="2400" dirty="0" smtClean="0">
-                <a:latin typeface="Helvetica" charset="0"/>
-                <a:ea typeface="Helvetica" charset="0"/>
-                <a:cs typeface="Helvetica" charset="0"/>
-              </a:rPr>
-              <a:t>L = 750 mm</a:t>
-            </a:r>
-            <a:endParaRPr lang="en-US" sz="2400" dirty="0">
-              <a:latin typeface="Helvetica" charset="0"/>
-              <a:ea typeface="Helvetica" charset="0"/>
-              <a:cs typeface="Helvetica" charset="0"/>
-            </a:endParaRPr>
-          </a:p>
-        </p:txBody>
-      </p:sp>
-      <p:sp>
-        <p:nvSpPr>
-          <p:cNvPr id="60" name="TextBox 59"/>
-          <p:cNvSpPr txBox="1"/>
-          <p:nvPr/>
-        </p:nvSpPr>
-        <p:spPr>
-          <a:xfrm rot="5400000">
-            <a:off x="7081403" y="3405714"/>
-            <a:ext cx="1936749" cy="461665"/>
-          </a:xfrm>
-          <a:prstGeom prst="rect">
-            <a:avLst/>
-          </a:prstGeom>
-          <a:noFill/>
-        </p:spPr>
-        <p:txBody>
-          <a:bodyPr wrap="none" rtlCol="0">
-            <a:spAutoFit/>
-          </a:bodyPr>
-          <a:lstStyle/>
-          <a:p>
-            <a:r>
-              <a:rPr lang="en-US" sz="2400" smtClean="0">
-                <a:latin typeface="Helvetica" charset="0"/>
-                <a:ea typeface="Helvetica" charset="0"/>
-                <a:cs typeface="Helvetica" charset="0"/>
-              </a:rPr>
-              <a:t>W = 500 mm</a:t>
-            </a:r>
-            <a:endParaRPr lang="en-US" sz="2400">
-              <a:latin typeface="Helvetica" charset="0"/>
-              <a:ea typeface="Helvetica" charset="0"/>
-              <a:cs typeface="Helvetica" charset="0"/>
-            </a:endParaRPr>
-          </a:p>
-        </p:txBody>
-      </p:sp>
-      <p:sp>
-        <p:nvSpPr>
-          <p:cNvPr id="61" name="Freeform 60"/>
-          <p:cNvSpPr/>
-          <p:nvPr/>
-        </p:nvSpPr>
-        <p:spPr>
-          <a:xfrm>
-            <a:off x="4986338" y="4371975"/>
-            <a:ext cx="143768" cy="290701"/>
-          </a:xfrm>
-          <a:custGeom>
-            <a:avLst/>
-            <a:gdLst>
-              <a:gd name="connsiteX0" fmla="*/ 0 w 143768"/>
-              <a:gd name="connsiteY0" fmla="*/ 0 h 290701"/>
-              <a:gd name="connsiteX1" fmla="*/ 42862 w 143768"/>
-              <a:gd name="connsiteY1" fmla="*/ 57150 h 290701"/>
-              <a:gd name="connsiteX2" fmla="*/ 114300 w 143768"/>
-              <a:gd name="connsiteY2" fmla="*/ 128588 h 290701"/>
-              <a:gd name="connsiteX3" fmla="*/ 142875 w 143768"/>
-              <a:gd name="connsiteY3" fmla="*/ 214313 h 290701"/>
-              <a:gd name="connsiteX4" fmla="*/ 128587 w 143768"/>
-              <a:gd name="connsiteY4" fmla="*/ 271463 h 290701"/>
-            </a:gdLst>
-            <a:ahLst/>
-            <a:cxnLst>
-              <a:cxn ang="0">
-                <a:pos x="connsiteX0" y="connsiteY0"/>
-              </a:cxn>
-              <a:cxn ang="0">
-                <a:pos x="connsiteX1" y="connsiteY1"/>
-              </a:cxn>
-              <a:cxn ang="0">
-                <a:pos x="connsiteX2" y="connsiteY2"/>
-              </a:cxn>
-              <a:cxn ang="0">
-                <a:pos x="connsiteX3" y="connsiteY3"/>
-              </a:cxn>
-              <a:cxn ang="0">
-                <a:pos x="connsiteX4" y="connsiteY4"/>
-              </a:cxn>
-            </a:cxnLst>
-            <a:rect l="l" t="t" r="r" b="b"/>
-            <a:pathLst>
-              <a:path w="143768" h="290701">
-                <a:moveTo>
-                  <a:pt x="0" y="0"/>
-                </a:moveTo>
-                <a:cubicBezTo>
-                  <a:pt x="14287" y="19050"/>
-                  <a:pt x="26024" y="40312"/>
-                  <a:pt x="42862" y="57150"/>
-                </a:cubicBezTo>
-                <a:cubicBezTo>
-                  <a:pt x="138113" y="152401"/>
-                  <a:pt x="38100" y="14287"/>
-                  <a:pt x="114300" y="128588"/>
-                </a:cubicBezTo>
-                <a:cubicBezTo>
-                  <a:pt x="123825" y="157163"/>
-                  <a:pt x="148782" y="184777"/>
-                  <a:pt x="142875" y="214313"/>
-                </a:cubicBezTo>
-                <a:cubicBezTo>
-                  <a:pt x="127653" y="290420"/>
-                  <a:pt x="128587" y="310034"/>
-                  <a:pt x="128587" y="271463"/>
-                </a:cubicBezTo>
-              </a:path>
-            </a:pathLst>
-          </a:custGeom>
-          <a:noFill/>
-          <a:ln w="28575">
-            <a:solidFill>
-              <a:schemeClr val="tx1"/>
-            </a:solidFill>
-          </a:ln>
-        </p:spPr>
-        <p:style>
-          <a:lnRef idx="2">
-            <a:schemeClr val="accent1">
-              <a:shade val="50000"/>
-            </a:schemeClr>
-          </a:lnRef>
-          <a:fillRef idx="1">
-            <a:schemeClr val="accent1"/>
-          </a:fillRef>
-          <a:effectRef idx="0">
-            <a:schemeClr val="accent1"/>
-          </a:effectRef>
-          <a:fontRef idx="minor">
-            <a:schemeClr val="lt1"/>
-          </a:fontRef>
-        </p:style>
-        <p:txBody>
-          <a:bodyPr rtlCol="0" anchor="ctr"/>
-          <a:lstStyle/>
-          <a:p>
-            <a:pPr algn="ctr"/>
-            <a:endParaRPr lang="en-US">
-              <a:latin typeface="Helvetica" charset="0"/>
-              <a:ea typeface="Helvetica" charset="0"/>
-              <a:cs typeface="Helvetica" charset="0"/>
-            </a:endParaRPr>
-          </a:p>
-        </p:txBody>
-      </p:sp>
-      <p:sp>
-        <p:nvSpPr>
-          <p:cNvPr id="62" name="TextBox 61"/>
-          <p:cNvSpPr txBox="1"/>
-          <p:nvPr/>
-        </p:nvSpPr>
-        <p:spPr>
-          <a:xfrm>
-            <a:off x="5360114" y="3786878"/>
-            <a:ext cx="679673" cy="369332"/>
-          </a:xfrm>
-          <a:prstGeom prst="rect">
-            <a:avLst/>
-          </a:prstGeom>
-          <a:noFill/>
-        </p:spPr>
-        <p:txBody>
-          <a:bodyPr wrap="none" rtlCol="0">
-            <a:spAutoFit/>
-          </a:bodyPr>
-          <a:lstStyle/>
-          <a:p>
-            <a:r>
-              <a:rPr lang="en-US" dirty="0" err="1" smtClean="0">
-                <a:solidFill>
-                  <a:srgbClr val="FF0000"/>
-                </a:solidFill>
-                <a:latin typeface="Helvetica" charset="0"/>
-                <a:ea typeface="Helvetica" charset="0"/>
-                <a:cs typeface="Helvetica" charset="0"/>
-              </a:rPr>
-              <a:t>V</a:t>
-            </a:r>
-            <a:r>
-              <a:rPr lang="en-US" baseline="-25000" dirty="0" err="1" smtClean="0">
-                <a:solidFill>
-                  <a:srgbClr val="FF0000"/>
-                </a:solidFill>
-                <a:latin typeface="Helvetica" charset="0"/>
-                <a:ea typeface="Helvetica" charset="0"/>
-                <a:cs typeface="Helvetica" charset="0"/>
-              </a:rPr>
-              <a:t>robot</a:t>
-            </a:r>
-            <a:endParaRPr lang="en-US" baseline="-25000" dirty="0">
-              <a:solidFill>
-                <a:srgbClr val="FF0000"/>
-              </a:solidFill>
-              <a:latin typeface="Helvetica" charset="0"/>
-              <a:ea typeface="Helvetica" charset="0"/>
-              <a:cs typeface="Helvetica" charset="0"/>
-            </a:endParaRPr>
-          </a:p>
-        </p:txBody>
-      </p:sp>
-      <mc:AlternateContent xmlns:mc="http://schemas.openxmlformats.org/markup-compatibility/2006">
-        <mc:Choice xmlns:a14="http://schemas.microsoft.com/office/drawing/2010/main" Requires="a14">
-          <p:sp>
-            <p:nvSpPr>
-              <p:cNvPr id="64" name="TextBox 63"/>
-              <p:cNvSpPr txBox="1"/>
-              <p:nvPr/>
-            </p:nvSpPr>
-            <p:spPr>
-              <a:xfrm rot="18421389">
-                <a:off x="4789534" y="3904935"/>
-                <a:ext cx="481222" cy="276999"/>
-              </a:xfrm>
-              <a:prstGeom prst="rect">
-                <a:avLst/>
-              </a:prstGeom>
-              <a:noFill/>
-            </p:spPr>
-            <p:txBody>
-              <a:bodyPr wrap="none" lIns="0" tIns="0" rIns="0" bIns="0" rtlCol="0">
-                <a:spAutoFit/>
-              </a:bodyPr>
-              <a:lstStyle/>
-              <a:p>
-                <a14:m>
-                  <m:oMath xmlns:m="http://schemas.openxmlformats.org/officeDocument/2006/math">
-                    <m:r>
-                      <m:rPr>
-                        <m:sty m:val="p"/>
-                      </m:rPr>
-                      <a:rPr lang="el-GR" i="1" smtClean="0">
-                        <a:solidFill>
-                          <a:srgbClr val="7030A0"/>
-                        </a:solidFill>
-                        <a:latin typeface="Helvetica" charset="0"/>
-                        <a:ea typeface="Helvetica" charset="0"/>
-                        <a:cs typeface="Helvetica" charset="0"/>
-                      </a:rPr>
-                      <m:t>Δ</m:t>
-                    </m:r>
-                    <m:r>
-                      <a:rPr lang="en-US" i="1" smtClean="0">
-                        <a:solidFill>
-                          <a:srgbClr val="7030A0"/>
-                        </a:solidFill>
-                        <a:latin typeface="Helvetica" charset="0"/>
-                        <a:ea typeface="Helvetica" charset="0"/>
-                        <a:cs typeface="Helvetica" charset="0"/>
-                      </a:rPr>
-                      <m:t>𝜃</m:t>
-                    </m:r>
-                  </m:oMath>
-                </a14:m>
-                <a:r>
-                  <a:rPr lang="en-US" dirty="0" smtClean="0">
-                    <a:solidFill>
-                      <a:srgbClr val="7030A0"/>
-                    </a:solidFill>
-                    <a:latin typeface="Helvetica" charset="0"/>
-                    <a:ea typeface="Helvetica" charset="0"/>
-                    <a:cs typeface="Helvetica" charset="0"/>
-                  </a:rPr>
-                  <a:t>/2</a:t>
-                </a:r>
-                <a:endParaRPr lang="en-US" dirty="0">
-                  <a:solidFill>
-                    <a:srgbClr val="7030A0"/>
-                  </a:solidFill>
-                  <a:latin typeface="Helvetica" charset="0"/>
-                  <a:ea typeface="Helvetica" charset="0"/>
-                  <a:cs typeface="Helvetica" charset="0"/>
-                </a:endParaRPr>
-              </a:p>
-            </p:txBody>
-          </p:sp>
-        </mc:Choice>
-        <mc:Fallback>
-          <p:sp>
-            <p:nvSpPr>
-              <p:cNvPr id="64" name="TextBox 63"/>
-              <p:cNvSpPr txBox="1">
-                <a:spLocks noRot="1" noChangeAspect="1" noMove="1" noResize="1" noEditPoints="1" noAdjustHandles="1" noChangeArrowheads="1" noChangeShapeType="1" noTextEdit="1"/>
-              </p:cNvSpPr>
-              <p:nvPr/>
-            </p:nvSpPr>
-            <p:spPr>
-              <a:xfrm rot="18421389">
-                <a:off x="4789534" y="3904935"/>
-                <a:ext cx="481222" cy="276999"/>
-              </a:xfrm>
-              <a:prstGeom prst="rect">
-                <a:avLst/>
-              </a:prstGeom>
-              <a:blipFill rotWithShape="0">
-                <a:blip r:embed="rId6"/>
-                <a:stretch>
-                  <a:fillRect l="-5882" t="-27473" r="-35294" b="-14286"/>
-                </a:stretch>
-              </a:blipFill>
-            </p:spPr>
-            <p:txBody>
-              <a:bodyPr/>
-              <a:lstStyle/>
-              <a:p>
-                <a:r>
-                  <a:rPr lang="en-US">
-                    <a:noFill/>
-                  </a:rPr>
-                  <a:t> </a:t>
-                </a:r>
-              </a:p>
-            </p:txBody>
-          </p:sp>
-        </mc:Fallback>
-      </mc:AlternateContent>
-      <p:sp>
-        <p:nvSpPr>
-          <p:cNvPr id="69" name="Half Frame 68"/>
-          <p:cNvSpPr/>
-          <p:nvPr/>
-        </p:nvSpPr>
-        <p:spPr>
-          <a:xfrm rot="2328910">
-            <a:off x="4671080" y="4509262"/>
-            <a:ext cx="115683" cy="129747"/>
-          </a:xfrm>
-          <a:prstGeom prst="halfFrame">
-            <a:avLst>
-              <a:gd name="adj1" fmla="val 0"/>
-              <a:gd name="adj2" fmla="val 0"/>
-            </a:avLst>
-          </a:prstGeom>
-          <a:ln>
-            <a:solidFill>
-              <a:schemeClr val="tx1"/>
-            </a:solidFill>
-          </a:ln>
-        </p:spPr>
-        <p:style>
-          <a:lnRef idx="2">
-            <a:schemeClr val="accent1">
-              <a:shade val="50000"/>
-            </a:schemeClr>
-          </a:lnRef>
-          <a:fillRef idx="1">
-            <a:schemeClr val="accent1"/>
-          </a:fillRef>
-          <a:effectRef idx="0">
-            <a:schemeClr val="accent1"/>
-          </a:effectRef>
-          <a:fontRef idx="minor">
-            <a:schemeClr val="lt1"/>
-          </a:fontRef>
-        </p:style>
-        <p:txBody>
-          <a:bodyPr rtlCol="0" anchor="ctr"/>
-          <a:lstStyle/>
-          <a:p>
-            <a:pPr algn="ctr"/>
-            <a:endParaRPr lang="en-US">
-              <a:solidFill>
-                <a:schemeClr val="tx1"/>
-              </a:solidFill>
-              <a:latin typeface="Helvetica" charset="0"/>
-              <a:ea typeface="Helvetica" charset="0"/>
-              <a:cs typeface="Helvetica" charset="0"/>
-            </a:endParaRPr>
-          </a:p>
-        </p:txBody>
-      </p:sp>
-      <p:sp>
-        <p:nvSpPr>
-          <p:cNvPr id="70" name="Half Frame 69"/>
-          <p:cNvSpPr/>
-          <p:nvPr/>
-        </p:nvSpPr>
-        <p:spPr>
-          <a:xfrm rot="14826976">
-            <a:off x="5086878" y="2185039"/>
-            <a:ext cx="129007" cy="137521"/>
-          </a:xfrm>
-          <a:prstGeom prst="halfFrame">
-            <a:avLst>
-              <a:gd name="adj1" fmla="val 0"/>
-              <a:gd name="adj2" fmla="val 0"/>
-            </a:avLst>
-          </a:prstGeom>
-          <a:ln>
-            <a:solidFill>
-              <a:schemeClr val="tx1"/>
-            </a:solidFill>
-          </a:ln>
-        </p:spPr>
-        <p:style>
-          <a:lnRef idx="2">
-            <a:schemeClr val="accent1">
-              <a:shade val="50000"/>
-            </a:schemeClr>
-          </a:lnRef>
-          <a:fillRef idx="1">
-            <a:schemeClr val="accent1"/>
-          </a:fillRef>
-          <a:effectRef idx="0">
-            <a:schemeClr val="accent1"/>
-          </a:effectRef>
-          <a:fontRef idx="minor">
-            <a:schemeClr val="lt1"/>
-          </a:fontRef>
-        </p:style>
-        <p:txBody>
-          <a:bodyPr rtlCol="0" anchor="ctr"/>
-          <a:lstStyle/>
-          <a:p>
-            <a:pPr algn="ctr"/>
-            <a:endParaRPr lang="en-US">
-              <a:solidFill>
-                <a:schemeClr val="tx1"/>
-              </a:solidFill>
-              <a:latin typeface="Helvetica" charset="0"/>
-              <a:ea typeface="Helvetica" charset="0"/>
-              <a:cs typeface="Helvetica" charset="0"/>
-            </a:endParaRPr>
-          </a:p>
-        </p:txBody>
-      </p:sp>
-      <p:sp>
-        <p:nvSpPr>
-          <p:cNvPr id="71" name="Freeform 70"/>
-          <p:cNvSpPr/>
-          <p:nvPr/>
-        </p:nvSpPr>
-        <p:spPr>
-          <a:xfrm>
-            <a:off x="4793876" y="4323229"/>
-            <a:ext cx="154642" cy="87406"/>
-          </a:xfrm>
-          <a:custGeom>
-            <a:avLst/>
-            <a:gdLst>
-              <a:gd name="connsiteX0" fmla="*/ 0 w 154642"/>
-              <a:gd name="connsiteY0" fmla="*/ 0 h 87406"/>
-              <a:gd name="connsiteX1" fmla="*/ 26895 w 154642"/>
-              <a:gd name="connsiteY1" fmla="*/ 6724 h 87406"/>
-              <a:gd name="connsiteX2" fmla="*/ 100853 w 154642"/>
-              <a:gd name="connsiteY2" fmla="*/ 20171 h 87406"/>
-              <a:gd name="connsiteX3" fmla="*/ 121024 w 154642"/>
-              <a:gd name="connsiteY3" fmla="*/ 33618 h 87406"/>
-              <a:gd name="connsiteX4" fmla="*/ 154642 w 154642"/>
-              <a:gd name="connsiteY4" fmla="*/ 87406 h 87406"/>
-            </a:gdLst>
-            <a:ahLst/>
-            <a:cxnLst>
-              <a:cxn ang="0">
-                <a:pos x="connsiteX0" y="connsiteY0"/>
-              </a:cxn>
-              <a:cxn ang="0">
-                <a:pos x="connsiteX1" y="connsiteY1"/>
-              </a:cxn>
-              <a:cxn ang="0">
-                <a:pos x="connsiteX2" y="connsiteY2"/>
-              </a:cxn>
-              <a:cxn ang="0">
-                <a:pos x="connsiteX3" y="connsiteY3"/>
-              </a:cxn>
-              <a:cxn ang="0">
-                <a:pos x="connsiteX4" y="connsiteY4"/>
-              </a:cxn>
-            </a:cxnLst>
-            <a:rect l="l" t="t" r="r" b="b"/>
-            <a:pathLst>
-              <a:path w="154642" h="87406">
-                <a:moveTo>
-                  <a:pt x="0" y="0"/>
-                </a:moveTo>
-                <a:cubicBezTo>
-                  <a:pt x="8965" y="2241"/>
-                  <a:pt x="17780" y="5205"/>
-                  <a:pt x="26895" y="6724"/>
-                </a:cubicBezTo>
-                <a:cubicBezTo>
-                  <a:pt x="47763" y="10202"/>
-                  <a:pt x="79212" y="9350"/>
-                  <a:pt x="100853" y="20171"/>
-                </a:cubicBezTo>
-                <a:cubicBezTo>
-                  <a:pt x="108081" y="23785"/>
-                  <a:pt x="114300" y="29136"/>
-                  <a:pt x="121024" y="33618"/>
-                </a:cubicBezTo>
-                <a:cubicBezTo>
-                  <a:pt x="150698" y="78129"/>
-                  <a:pt x="140690" y="59504"/>
-                  <a:pt x="154642" y="87406"/>
-                </a:cubicBezTo>
-              </a:path>
-            </a:pathLst>
-          </a:custGeom>
-          <a:noFill/>
-          <a:ln w="22225">
-            <a:solidFill>
-              <a:srgbClr val="7030A0"/>
-            </a:solidFill>
-          </a:ln>
-        </p:spPr>
-        <p:style>
-          <a:lnRef idx="2">
-            <a:schemeClr val="accent1">
-              <a:shade val="50000"/>
-            </a:schemeClr>
-          </a:lnRef>
-          <a:fillRef idx="1">
-            <a:schemeClr val="accent1"/>
-          </a:fillRef>
-          <a:effectRef idx="0">
-            <a:schemeClr val="accent1"/>
-          </a:effectRef>
-          <a:fontRef idx="minor">
-            <a:schemeClr val="lt1"/>
-          </a:fontRef>
-        </p:style>
-        <p:txBody>
-          <a:bodyPr rtlCol="0" anchor="ctr"/>
-          <a:lstStyle/>
-          <a:p>
-            <a:pPr algn="ctr"/>
-            <a:endParaRPr lang="en-US">
-              <a:latin typeface="Helvetica" charset="0"/>
-              <a:ea typeface="Helvetica" charset="0"/>
-              <a:cs typeface="Helvetica" charset="0"/>
-            </a:endParaRPr>
-          </a:p>
-        </p:txBody>
-      </p:sp>
-      <mc:AlternateContent xmlns:mc="http://schemas.openxmlformats.org/markup-compatibility/2006">
-        <mc:Choice xmlns:a14="http://schemas.microsoft.com/office/drawing/2010/main" Requires="a14">
-          <p:sp>
-            <p:nvSpPr>
-              <p:cNvPr id="72" name="TextBox 71"/>
-              <p:cNvSpPr txBox="1"/>
-              <p:nvPr/>
-            </p:nvSpPr>
-            <p:spPr>
-              <a:xfrm>
-                <a:off x="4617736" y="3205250"/>
-                <a:ext cx="314124" cy="276999"/>
-              </a:xfrm>
-              <a:prstGeom prst="rect">
-                <a:avLst/>
-              </a:prstGeom>
-              <a:noFill/>
-            </p:spPr>
-            <p:txBody>
-              <a:bodyPr wrap="none" lIns="0" tIns="0" rIns="0" bIns="0" rtlCol="0">
-                <a:spAutoFit/>
-              </a:bodyPr>
-              <a:lstStyle/>
-              <a:p>
-                <a14:m>
-                  <m:oMathPara xmlns:m="http://schemas.openxmlformats.org/officeDocument/2006/math">
-                    <m:oMathParaPr>
-                      <m:jc m:val="centerGroup"/>
-                    </m:oMathParaPr>
-                    <m:oMath xmlns:m="http://schemas.openxmlformats.org/officeDocument/2006/math">
-                      <m:r>
-                        <m:rPr>
-                          <m:sty m:val="p"/>
-                        </m:rPr>
-                        <a:rPr lang="el-GR" i="1" smtClean="0">
-                          <a:latin typeface="Helvetica" charset="0"/>
-                          <a:ea typeface="Helvetica" charset="0"/>
-                          <a:cs typeface="Helvetica" charset="0"/>
-                        </a:rPr>
-                        <m:t>Δ</m:t>
-                      </m:r>
-                      <m:r>
-                        <a:rPr lang="en-US" b="0" i="1" smtClean="0">
-                          <a:latin typeface="Helvetica" charset="0"/>
-                          <a:ea typeface="Helvetica" charset="0"/>
-                          <a:cs typeface="Helvetica" charset="0"/>
-                        </a:rPr>
-                        <m:t>𝑠</m:t>
-                      </m:r>
-                    </m:oMath>
-                  </m:oMathPara>
-                </a14:m>
-                <a:endParaRPr lang="en-US" dirty="0">
-                  <a:latin typeface="Helvetica" charset="0"/>
-                  <a:ea typeface="Helvetica" charset="0"/>
-                  <a:cs typeface="Helvetica" charset="0"/>
-                </a:endParaRPr>
-              </a:p>
-            </p:txBody>
-          </p:sp>
-        </mc:Choice>
-        <mc:Fallback>
-          <p:sp>
-            <p:nvSpPr>
-              <p:cNvPr id="72" name="TextBox 71"/>
-              <p:cNvSpPr txBox="1">
-                <a:spLocks noRot="1" noChangeAspect="1" noMove="1" noResize="1" noEditPoints="1" noAdjustHandles="1" noChangeArrowheads="1" noChangeShapeType="1" noTextEdit="1"/>
-              </p:cNvSpPr>
-              <p:nvPr/>
-            </p:nvSpPr>
-            <p:spPr>
-              <a:xfrm>
-                <a:off x="4617736" y="3205250"/>
-                <a:ext cx="314124" cy="276999"/>
-              </a:xfrm>
-              <a:prstGeom prst="rect">
-                <a:avLst/>
-              </a:prstGeom>
-              <a:blipFill rotWithShape="0">
-                <a:blip r:embed="rId7"/>
-                <a:stretch>
-                  <a:fillRect l="-17647" r="-7843" b="-8889"/>
-                </a:stretch>
-              </a:blipFill>
-            </p:spPr>
-            <p:txBody>
-              <a:bodyPr/>
-              <a:lstStyle/>
-              <a:p>
-                <a:r>
-                  <a:rPr lang="en-US">
-                    <a:noFill/>
-                  </a:rPr>
-                  <a:t> </a:t>
-                </a:r>
-              </a:p>
-            </p:txBody>
-          </p:sp>
-        </mc:Fallback>
-      </mc:AlternateContent>
-      <p:cxnSp>
-        <p:nvCxnSpPr>
-          <p:cNvPr id="75" name="Straight Connector 74"/>
-          <p:cNvCxnSpPr/>
-          <p:nvPr/>
-        </p:nvCxnSpPr>
-        <p:spPr>
-          <a:xfrm flipV="1">
-            <a:off x="5171811" y="1527353"/>
-            <a:ext cx="485953" cy="559747"/>
-          </a:xfrm>
-          <a:prstGeom prst="line">
-            <a:avLst/>
-          </a:prstGeom>
-          <a:ln w="22225">
-            <a:solidFill>
-              <a:schemeClr val="tx1"/>
-            </a:solidFill>
-            <a:prstDash val="dash"/>
-          </a:ln>
-        </p:spPr>
-        <p:style>
-          <a:lnRef idx="1">
-            <a:schemeClr val="accent1"/>
-          </a:lnRef>
-          <a:fillRef idx="0">
-            <a:schemeClr val="accent1"/>
-          </a:fillRef>
-          <a:effectRef idx="0">
-            <a:schemeClr val="accent1"/>
-          </a:effectRef>
-          <a:fontRef idx="minor">
-            <a:schemeClr val="tx1"/>
-          </a:fontRef>
-        </p:style>
-      </p:cxnSp>
-      <mc:AlternateContent xmlns:mc="http://schemas.openxmlformats.org/markup-compatibility/2006">
-        <mc:Choice xmlns:a14="http://schemas.microsoft.com/office/drawing/2010/main" Requires="a14">
-          <p:sp>
-            <p:nvSpPr>
-              <p:cNvPr id="79" name="TextBox 78"/>
-              <p:cNvSpPr txBox="1"/>
-              <p:nvPr/>
-            </p:nvSpPr>
-            <p:spPr>
-              <a:xfrm>
-                <a:off x="5121936" y="1568107"/>
-                <a:ext cx="338554" cy="276999"/>
-              </a:xfrm>
-              <a:prstGeom prst="rect">
-                <a:avLst/>
-              </a:prstGeom>
-              <a:noFill/>
-            </p:spPr>
-            <p:txBody>
-              <a:bodyPr wrap="none" lIns="0" tIns="0" rIns="0" bIns="0" rtlCol="0">
-                <a:spAutoFit/>
-              </a:bodyPr>
-              <a:lstStyle/>
-              <a:p>
-                <a14:m>
-                  <m:oMathPara xmlns:m="http://schemas.openxmlformats.org/officeDocument/2006/math">
-                    <m:oMathParaPr>
-                      <m:jc m:val="centerGroup"/>
-                    </m:oMathParaPr>
-                    <m:oMath xmlns:m="http://schemas.openxmlformats.org/officeDocument/2006/math">
-                      <m:r>
-                        <m:rPr>
-                          <m:sty m:val="p"/>
-                        </m:rPr>
-                        <a:rPr lang="el-GR" i="1" smtClean="0">
-                          <a:latin typeface="Helvetica" charset="0"/>
-                          <a:ea typeface="Helvetica" charset="0"/>
-                          <a:cs typeface="Helvetica" charset="0"/>
-                        </a:rPr>
-                        <m:t>Δ</m:t>
-                      </m:r>
-                      <m:r>
-                        <a:rPr lang="en-US" i="1" smtClean="0">
-                          <a:latin typeface="Helvetica" charset="0"/>
-                          <a:ea typeface="Helvetica" charset="0"/>
-                          <a:cs typeface="Helvetica" charset="0"/>
-                        </a:rPr>
-                        <m:t>𝜃</m:t>
-                      </m:r>
-                    </m:oMath>
-                  </m:oMathPara>
-                </a14:m>
-                <a:endParaRPr lang="en-US" dirty="0">
-                  <a:latin typeface="Helvetica" charset="0"/>
-                  <a:ea typeface="Helvetica" charset="0"/>
-                  <a:cs typeface="Helvetica" charset="0"/>
-                </a:endParaRPr>
-              </a:p>
-            </p:txBody>
-          </p:sp>
-        </mc:Choice>
-        <mc:Fallback>
-          <p:sp>
-            <p:nvSpPr>
-              <p:cNvPr id="79" name="TextBox 78"/>
-              <p:cNvSpPr txBox="1">
-                <a:spLocks noRot="1" noChangeAspect="1" noMove="1" noResize="1" noEditPoints="1" noAdjustHandles="1" noChangeArrowheads="1" noChangeShapeType="1" noTextEdit="1"/>
-              </p:cNvSpPr>
-              <p:nvPr/>
-            </p:nvSpPr>
-            <p:spPr>
-              <a:xfrm>
-                <a:off x="5121936" y="1568107"/>
-                <a:ext cx="338554" cy="276999"/>
-              </a:xfrm>
-              <a:prstGeom prst="rect">
-                <a:avLst/>
-              </a:prstGeom>
-              <a:blipFill rotWithShape="0">
-                <a:blip r:embed="rId3"/>
-                <a:stretch>
-                  <a:fillRect l="-14286" r="-12500" b="-8696"/>
-                </a:stretch>
-              </a:blipFill>
-            </p:spPr>
-            <p:txBody>
-              <a:bodyPr/>
-              <a:lstStyle/>
-              <a:p>
-                <a:r>
-                  <a:rPr lang="en-US">
-                    <a:noFill/>
-                  </a:rPr>
-                  <a:t> </a:t>
-                </a:r>
-              </a:p>
-            </p:txBody>
-          </p:sp>
-        </mc:Fallback>
-      </mc:AlternateContent>
-      <p:sp>
-        <p:nvSpPr>
-          <p:cNvPr id="80" name="Freeform 79"/>
-          <p:cNvSpPr/>
-          <p:nvPr/>
-        </p:nvSpPr>
-        <p:spPr>
-          <a:xfrm>
-            <a:off x="5096435" y="1949824"/>
-            <a:ext cx="147918" cy="40341"/>
-          </a:xfrm>
-          <a:custGeom>
-            <a:avLst/>
-            <a:gdLst>
-              <a:gd name="connsiteX0" fmla="*/ 0 w 147918"/>
-              <a:gd name="connsiteY0" fmla="*/ 13447 h 40341"/>
-              <a:gd name="connsiteX1" fmla="*/ 33618 w 147918"/>
-              <a:gd name="connsiteY1" fmla="*/ 6723 h 40341"/>
-              <a:gd name="connsiteX2" fmla="*/ 60512 w 147918"/>
-              <a:gd name="connsiteY2" fmla="*/ 0 h 40341"/>
-              <a:gd name="connsiteX3" fmla="*/ 107577 w 147918"/>
-              <a:gd name="connsiteY3" fmla="*/ 6723 h 40341"/>
-              <a:gd name="connsiteX4" fmla="*/ 127747 w 147918"/>
-              <a:gd name="connsiteY4" fmla="*/ 13447 h 40341"/>
-              <a:gd name="connsiteX5" fmla="*/ 141194 w 147918"/>
-              <a:gd name="connsiteY5" fmla="*/ 33617 h 40341"/>
-              <a:gd name="connsiteX6" fmla="*/ 147918 w 147918"/>
-              <a:gd name="connsiteY6" fmla="*/ 40341 h 40341"/>
-            </a:gdLst>
-            <a:ahLst/>
-            <a:cxnLst>
-              <a:cxn ang="0">
-                <a:pos x="connsiteX0" y="connsiteY0"/>
-              </a:cxn>
-              <a:cxn ang="0">
-                <a:pos x="connsiteX1" y="connsiteY1"/>
-              </a:cxn>
-              <a:cxn ang="0">
-                <a:pos x="connsiteX2" y="connsiteY2"/>
-              </a:cxn>
-              <a:cxn ang="0">
-                <a:pos x="connsiteX3" y="connsiteY3"/>
-              </a:cxn>
-              <a:cxn ang="0">
-                <a:pos x="connsiteX4" y="connsiteY4"/>
-              </a:cxn>
-              <a:cxn ang="0">
-                <a:pos x="connsiteX5" y="connsiteY5"/>
-              </a:cxn>
-              <a:cxn ang="0">
-                <a:pos x="connsiteX6" y="connsiteY6"/>
-              </a:cxn>
-            </a:cxnLst>
-            <a:rect l="l" t="t" r="r" b="b"/>
-            <a:pathLst>
-              <a:path w="147918" h="40341">
-                <a:moveTo>
-                  <a:pt x="0" y="13447"/>
-                </a:moveTo>
-                <a:cubicBezTo>
-                  <a:pt x="11206" y="11206"/>
-                  <a:pt x="22462" y="9202"/>
-                  <a:pt x="33618" y="6723"/>
-                </a:cubicBezTo>
-                <a:cubicBezTo>
-                  <a:pt x="42638" y="4718"/>
-                  <a:pt x="51271" y="0"/>
-                  <a:pt x="60512" y="0"/>
-                </a:cubicBezTo>
-                <a:cubicBezTo>
-                  <a:pt x="76360" y="0"/>
-                  <a:pt x="91889" y="4482"/>
-                  <a:pt x="107577" y="6723"/>
-                </a:cubicBezTo>
-                <a:cubicBezTo>
-                  <a:pt x="114300" y="8964"/>
-                  <a:pt x="122213" y="9020"/>
-                  <a:pt x="127747" y="13447"/>
-                </a:cubicBezTo>
-                <a:cubicBezTo>
-                  <a:pt x="134057" y="18495"/>
-                  <a:pt x="136346" y="27153"/>
-                  <a:pt x="141194" y="33617"/>
-                </a:cubicBezTo>
-                <a:cubicBezTo>
-                  <a:pt x="143096" y="36153"/>
-                  <a:pt x="145677" y="38100"/>
-                  <a:pt x="147918" y="40341"/>
-                </a:cubicBezTo>
-              </a:path>
-            </a:pathLst>
-          </a:custGeom>
-          <a:noFill/>
-        </p:spPr>
-        <p:style>
-          <a:lnRef idx="2">
-            <a:schemeClr val="accent1">
-              <a:shade val="50000"/>
-            </a:schemeClr>
-          </a:lnRef>
-          <a:fillRef idx="1">
-            <a:schemeClr val="accent1"/>
-          </a:fillRef>
-          <a:effectRef idx="0">
-            <a:schemeClr val="accent1"/>
-          </a:effectRef>
-          <a:fontRef idx="minor">
-            <a:schemeClr val="lt1"/>
-          </a:fontRef>
-        </p:style>
-        <p:txBody>
-          <a:bodyPr rtlCol="0" anchor="ctr"/>
-          <a:lstStyle/>
-          <a:p>
-            <a:pPr algn="ctr"/>
-            <a:endParaRPr lang="en-US">
-              <a:latin typeface="Helvetica" charset="0"/>
-              <a:ea typeface="Helvetica" charset="0"/>
-              <a:cs typeface="Helvetica" charset="0"/>
-            </a:endParaRPr>
-          </a:p>
-        </p:txBody>
-      </p:sp>
-      <p:cxnSp>
-        <p:nvCxnSpPr>
-          <p:cNvPr id="82" name="Straight Arrow Connector 81"/>
-          <p:cNvCxnSpPr/>
-          <p:nvPr/>
-        </p:nvCxnSpPr>
-        <p:spPr>
-          <a:xfrm>
-            <a:off x="6530210" y="5605963"/>
-            <a:ext cx="860612" cy="0"/>
-          </a:xfrm>
-          <a:prstGeom prst="straightConnector1">
-            <a:avLst/>
-          </a:prstGeom>
-          <a:ln w="31750">
-            <a:solidFill>
-              <a:schemeClr val="tx1"/>
-            </a:solidFill>
-            <a:tailEnd type="triangle"/>
-          </a:ln>
-        </p:spPr>
-        <p:style>
-          <a:lnRef idx="1">
-            <a:schemeClr val="accent1"/>
-          </a:lnRef>
-          <a:fillRef idx="0">
-            <a:schemeClr val="accent1"/>
-          </a:fillRef>
-          <a:effectRef idx="0">
-            <a:schemeClr val="accent1"/>
-          </a:effectRef>
-          <a:fontRef idx="minor">
-            <a:schemeClr val="tx1"/>
-          </a:fontRef>
-        </p:style>
-      </p:cxnSp>
-      <p:sp>
-        <p:nvSpPr>
-          <p:cNvPr id="83" name="TextBox 82"/>
-          <p:cNvSpPr txBox="1"/>
-          <p:nvPr/>
-        </p:nvSpPr>
-        <p:spPr>
-          <a:xfrm>
-            <a:off x="6111260" y="5221109"/>
-            <a:ext cx="1749197" cy="369332"/>
-          </a:xfrm>
-          <a:prstGeom prst="rect">
-            <a:avLst/>
-          </a:prstGeom>
-          <a:noFill/>
-        </p:spPr>
-        <p:txBody>
-          <a:bodyPr wrap="none" rtlCol="0">
-            <a:spAutoFit/>
-          </a:bodyPr>
-          <a:lstStyle/>
-          <a:p>
-            <a:r>
-              <a:rPr lang="en-US" smtClean="0">
-                <a:latin typeface="Helvetica" charset="0"/>
-                <a:ea typeface="Helvetica" charset="0"/>
-                <a:cs typeface="Helvetica" charset="0"/>
-              </a:rPr>
-              <a:t>Magnetic North</a:t>
-            </a:r>
-            <a:endParaRPr lang="en-US">
-              <a:latin typeface="Helvetica" charset="0"/>
-              <a:ea typeface="Helvetica" charset="0"/>
-              <a:cs typeface="Helvetica" charset="0"/>
-            </a:endParaRPr>
-          </a:p>
-        </p:txBody>
-      </p:sp>
     </p:spTree>
     <p:extLst>
       <p:ext uri="{BB962C8B-B14F-4D97-AF65-F5344CB8AC3E}">
-        <p14:creationId xmlns:p14="http://schemas.microsoft.com/office/powerpoint/2010/main" val="1144649412"/>
+        <p14:creationId xmlns:p14="http://schemas.microsoft.com/office/powerpoint/2010/main" val="1071181175"/>
       </p:ext>
     </p:extLst>
   </p:cSld>
   <p:clrMapOvr>
     <a:masterClrMapping/>
   </p:clrMapOvr>
-  <p:timing>
-    <p:tnLst>
-      <p:par>
-        <p:cTn id="1" dur="indefinite" restart="never" nodeType="tmRoot"/>
-      </p:par>
-    </p:tnLst>
-  </p:timing>
 </p:sld>
 </file>
 

--- a/lab_3/Figures.pptx
+++ b/lab_3/Figures.pptx
@@ -5773,7 +5773,7 @@
                 <p:spPr>
                   <a:xfrm>
                     <a:off x="5228282" y="4774556"/>
-                    <a:ext cx="1192058" cy="369332"/>
+                    <a:ext cx="1523494" cy="369332"/>
                   </a:xfrm>
                   <a:prstGeom prst="rect">
                     <a:avLst/>
@@ -5787,7 +5787,11 @@
                   <a:lstStyle/>
                   <a:p>
                     <a:r>
-                      <a:rPr lang="en-US" dirty="0" smtClean="0"/>
+                      <a:rPr lang="en-US" dirty="0" smtClean="0">
+                        <a:solidFill>
+                          <a:srgbClr val="FF0000"/>
+                        </a:solidFill>
+                      </a:rPr>
                       <a:t>(</a:t>
                     </a:r>
                     <a14:m>
@@ -5796,6 +5800,9 @@
                           <m:sSubPr>
                             <m:ctrlPr>
                               <a:rPr lang="en-US" i="1" smtClean="0">
+                                <a:solidFill>
+                                  <a:srgbClr val="FF0000"/>
+                                </a:solidFill>
                                 <a:latin typeface="Cambria Math" charset="0"/>
                               </a:rPr>
                             </m:ctrlPr>
@@ -5803,6 +5810,9 @@
                           <m:e>
                             <m:r>
                               <a:rPr lang="en-US" b="0" i="1" smtClean="0">
+                                <a:solidFill>
+                                  <a:srgbClr val="FF0000"/>
+                                </a:solidFill>
                                 <a:latin typeface="Cambria Math" charset="0"/>
                               </a:rPr>
                               <m:t>𝑥</m:t>
@@ -5811,6 +5821,9 @@
                           <m:sub>
                             <m:r>
                               <a:rPr lang="en-US" b="0" i="1" smtClean="0">
+                                <a:solidFill>
+                                  <a:srgbClr val="FF0000"/>
+                                </a:solidFill>
                                 <a:latin typeface="Cambria Math" charset="0"/>
                               </a:rPr>
                               <m:t>𝑡</m:t>
@@ -5819,6 +5832,9 @@
                         </m:sSub>
                         <m:r>
                           <a:rPr lang="en-US" b="0" i="1" smtClean="0">
+                            <a:solidFill>
+                              <a:srgbClr val="FF0000"/>
+                            </a:solidFill>
                             <a:latin typeface="Cambria Math" charset="0"/>
                           </a:rPr>
                           <m:t>,</m:t>
@@ -5827,6 +5843,9 @@
                           <m:sSubPr>
                             <m:ctrlPr>
                               <a:rPr lang="en-US" i="1" smtClean="0">
+                                <a:solidFill>
+                                  <a:srgbClr val="FF0000"/>
+                                </a:solidFill>
                                 <a:latin typeface="Cambria Math" charset="0"/>
                               </a:rPr>
                             </m:ctrlPr>
@@ -5834,6 +5853,9 @@
                           <m:e>
                             <m:r>
                               <a:rPr lang="en-US" b="0" i="1" smtClean="0">
+                                <a:solidFill>
+                                  <a:srgbClr val="FF0000"/>
+                                </a:solidFill>
                                 <a:latin typeface="Cambria Math" charset="0"/>
                               </a:rPr>
                               <m:t>𝑦</m:t>
@@ -5842,6 +5864,9 @@
                           <m:sub>
                             <m:r>
                               <a:rPr lang="en-US" b="0" i="1" smtClean="0">
+                                <a:solidFill>
+                                  <a:srgbClr val="FF0000"/>
+                                </a:solidFill>
                                 <a:latin typeface="Cambria Math" charset="0"/>
                               </a:rPr>
                               <m:t>𝑡</m:t>
@@ -5852,6 +5877,9 @@
                           <m:sSubPr>
                             <m:ctrlPr>
                               <a:rPr lang="en-US" i="1" smtClean="0">
+                                <a:solidFill>
+                                  <a:srgbClr val="FF0000"/>
+                                </a:solidFill>
                                 <a:latin typeface="Cambria Math" charset="0"/>
                               </a:rPr>
                             </m:ctrlPr>
@@ -5859,12 +5887,18 @@
                           <m:e>
                             <m:r>
                               <a:rPr lang="en-US" b="0" i="1" smtClean="0">
+                                <a:solidFill>
+                                  <a:srgbClr val="FF0000"/>
+                                </a:solidFill>
                                 <a:latin typeface="Cambria Math" charset="0"/>
                               </a:rPr>
                               <m:t>,</m:t>
                             </m:r>
                             <m:r>
                               <a:rPr lang="en-US" i="1" smtClean="0">
+                                <a:solidFill>
+                                  <a:srgbClr val="FF0000"/>
+                                </a:solidFill>
                                 <a:latin typeface="Cambria Math" charset="0"/>
                                 <a:ea typeface="Cambria Math" charset="0"/>
                                 <a:cs typeface="Cambria Math" charset="0"/>
@@ -5875,6 +5909,57 @@
                           <m:sub>
                             <m:r>
                               <a:rPr lang="en-US" b="0" i="1" smtClean="0">
+                                <a:solidFill>
+                                  <a:srgbClr val="FF0000"/>
+                                </a:solidFill>
+                                <a:latin typeface="Cambria Math" charset="0"/>
+                              </a:rPr>
+                              <m:t>𝑡</m:t>
+                            </m:r>
+                          </m:sub>
+                        </m:sSub>
+                        <m:r>
+                          <a:rPr lang="en-US" b="0" i="1" smtClean="0">
+                            <a:solidFill>
+                              <a:srgbClr val="FF0000"/>
+                            </a:solidFill>
+                            <a:latin typeface="Cambria Math" charset="0"/>
+                          </a:rPr>
+                          <m:t>,</m:t>
+                        </m:r>
+                        <m:sSub>
+                          <m:sSubPr>
+                            <m:ctrlPr>
+                              <a:rPr lang="en-US" i="1" smtClean="0">
+                                <a:solidFill>
+                                  <a:srgbClr val="FF0000"/>
+                                </a:solidFill>
+                                <a:latin typeface="Cambria Math" charset="0"/>
+                              </a:rPr>
+                            </m:ctrlPr>
+                          </m:sSubPr>
+                          <m:e>
+                            <m:r>
+                              <m:rPr>
+                                <m:sty m:val="p"/>
+                              </m:rPr>
+                              <a:rPr lang="el-GR" i="1" smtClean="0">
+                                <a:solidFill>
+                                  <a:srgbClr val="FF0000"/>
+                                </a:solidFill>
+                                <a:latin typeface="Cambria Math" charset="0"/>
+                                <a:ea typeface="Cambria Math" charset="0"/>
+                                <a:cs typeface="Cambria Math" charset="0"/>
+                              </a:rPr>
+                              <m:t>Ω</m:t>
+                            </m:r>
+                          </m:e>
+                          <m:sub>
+                            <m:r>
+                              <a:rPr lang="en-US" b="0" i="1" smtClean="0">
+                                <a:solidFill>
+                                  <a:srgbClr val="FF0000"/>
+                                </a:solidFill>
                                 <a:latin typeface="Cambria Math" charset="0"/>
                               </a:rPr>
                               <m:t>𝑡</m:t>
@@ -5906,7 +5991,7 @@
                 <p:spPr>
                   <a:xfrm>
                     <a:off x="5228282" y="4774556"/>
-                    <a:ext cx="1192058" cy="369332"/>
+                    <a:ext cx="1523494" cy="369332"/>
                   </a:xfrm>
                   <a:prstGeom prst="rect">
                     <a:avLst/>
@@ -5914,7 +5999,7 @@
                   <a:blipFill rotWithShape="0">
                     <a:blip r:embed="rId8"/>
                     <a:stretch>
-                      <a:fillRect l="-4615" t="-10000" r="-1538" b="-26667"/>
+                      <a:fillRect l="-3614" t="-10000" r="-1606" b="-26667"/>
                     </a:stretch>
                   </a:blipFill>
                 </p:spPr>
@@ -5943,8 +6028,8 @@
                 </p:nvSpPr>
                 <p:spPr>
                   <a:xfrm>
-                    <a:off x="5729605" y="1797068"/>
-                    <a:ext cx="1850891" cy="369332"/>
+                    <a:off x="5622670" y="1696061"/>
+                    <a:ext cx="2182329" cy="369332"/>
                   </a:xfrm>
                   <a:prstGeom prst="rect">
                     <a:avLst/>
@@ -5958,7 +6043,11 @@
                   <a:lstStyle/>
                   <a:p>
                     <a:r>
-                      <a:rPr lang="en-US" dirty="0" smtClean="0"/>
+                      <a:rPr lang="en-US" dirty="0" smtClean="0">
+                        <a:solidFill>
+                          <a:srgbClr val="FF0000"/>
+                        </a:solidFill>
+                      </a:rPr>
                       <a:t>(</a:t>
                     </a:r>
                     <a14:m>
@@ -5967,6 +6056,9 @@
                           <m:sSubPr>
                             <m:ctrlPr>
                               <a:rPr lang="en-US" i="1" smtClean="0">
+                                <a:solidFill>
+                                  <a:srgbClr val="FF0000"/>
+                                </a:solidFill>
                                 <a:latin typeface="Cambria Math" charset="0"/>
                               </a:rPr>
                             </m:ctrlPr>
@@ -5974,6 +6066,9 @@
                           <m:e>
                             <m:r>
                               <a:rPr lang="en-US" b="0" i="1" smtClean="0">
+                                <a:solidFill>
+                                  <a:srgbClr val="FF0000"/>
+                                </a:solidFill>
                                 <a:latin typeface="Cambria Math" charset="0"/>
                               </a:rPr>
                               <m:t>𝑥</m:t>
@@ -5982,12 +6077,18 @@
                           <m:sub>
                             <m:r>
                               <a:rPr lang="en-US" b="0" i="1" smtClean="0">
+                                <a:solidFill>
+                                  <a:srgbClr val="FF0000"/>
+                                </a:solidFill>
                                 <a:latin typeface="Cambria Math" charset="0"/>
                               </a:rPr>
                               <m:t>𝑡</m:t>
                             </m:r>
                             <m:r>
                               <a:rPr lang="en-US" b="0" i="1" smtClean="0">
+                                <a:solidFill>
+                                  <a:srgbClr val="FF0000"/>
+                                </a:solidFill>
                                 <a:latin typeface="Cambria Math" charset="0"/>
                               </a:rPr>
                               <m:t>+1</m:t>
@@ -5996,6 +6097,9 @@
                         </m:sSub>
                         <m:r>
                           <a:rPr lang="en-US" b="0" i="1" smtClean="0">
+                            <a:solidFill>
+                              <a:srgbClr val="FF0000"/>
+                            </a:solidFill>
                             <a:latin typeface="Cambria Math" charset="0"/>
                           </a:rPr>
                           <m:t>,</m:t>
@@ -6004,6 +6108,9 @@
                           <m:sSubPr>
                             <m:ctrlPr>
                               <a:rPr lang="en-US" i="1" smtClean="0">
+                                <a:solidFill>
+                                  <a:srgbClr val="FF0000"/>
+                                </a:solidFill>
                                 <a:latin typeface="Cambria Math" charset="0"/>
                               </a:rPr>
                             </m:ctrlPr>
@@ -6011,6 +6118,9 @@
                           <m:e>
                             <m:r>
                               <a:rPr lang="en-US" b="0" i="1" smtClean="0">
+                                <a:solidFill>
+                                  <a:srgbClr val="FF0000"/>
+                                </a:solidFill>
                                 <a:latin typeface="Cambria Math" charset="0"/>
                               </a:rPr>
                               <m:t>𝑦</m:t>
@@ -6019,12 +6129,18 @@
                           <m:sub>
                             <m:r>
                               <a:rPr lang="en-US" b="0" i="1" smtClean="0">
+                                <a:solidFill>
+                                  <a:srgbClr val="FF0000"/>
+                                </a:solidFill>
                                 <a:latin typeface="Cambria Math" charset="0"/>
                               </a:rPr>
                               <m:t>𝑡</m:t>
                             </m:r>
                             <m:r>
                               <a:rPr lang="en-US" b="0" i="1" smtClean="0">
+                                <a:solidFill>
+                                  <a:srgbClr val="FF0000"/>
+                                </a:solidFill>
                                 <a:latin typeface="Cambria Math" charset="0"/>
                               </a:rPr>
                               <m:t>+1</m:t>
@@ -6035,6 +6151,9 @@
                           <m:sSubPr>
                             <m:ctrlPr>
                               <a:rPr lang="en-US" i="1" smtClean="0">
+                                <a:solidFill>
+                                  <a:srgbClr val="FF0000"/>
+                                </a:solidFill>
                                 <a:latin typeface="Cambria Math" charset="0"/>
                               </a:rPr>
                             </m:ctrlPr>
@@ -6042,12 +6161,18 @@
                           <m:e>
                             <m:r>
                               <a:rPr lang="en-US" b="0" i="1" smtClean="0">
+                                <a:solidFill>
+                                  <a:srgbClr val="FF0000"/>
+                                </a:solidFill>
                                 <a:latin typeface="Cambria Math" charset="0"/>
                               </a:rPr>
                               <m:t>,</m:t>
                             </m:r>
                             <m:r>
                               <a:rPr lang="en-US" i="1" smtClean="0">
+                                <a:solidFill>
+                                  <a:srgbClr val="FF0000"/>
+                                </a:solidFill>
                                 <a:latin typeface="Cambria Math" charset="0"/>
                                 <a:ea typeface="Cambria Math" charset="0"/>
                                 <a:cs typeface="Cambria Math" charset="0"/>
@@ -6058,12 +6183,18 @@
                           <m:sub>
                             <m:r>
                               <a:rPr lang="en-US" b="0" i="1" smtClean="0">
+                                <a:solidFill>
+                                  <a:srgbClr val="FF0000"/>
+                                </a:solidFill>
                                 <a:latin typeface="Cambria Math" charset="0"/>
                               </a:rPr>
                               <m:t>𝑡</m:t>
                             </m:r>
                             <m:r>
                               <a:rPr lang="en-US" b="0" i="1" smtClean="0">
+                                <a:solidFill>
+                                  <a:srgbClr val="FF0000"/>
+                                </a:solidFill>
                                 <a:latin typeface="Cambria Math" charset="0"/>
                               </a:rPr>
                               <m:t>+1</m:t>
@@ -6072,13 +6203,68 @@
                         </m:sSub>
                         <m:r>
                           <a:rPr lang="en-US" b="0" i="1" smtClean="0">
+                            <a:solidFill>
+                              <a:srgbClr val="FF0000"/>
+                            </a:solidFill>
+                            <a:latin typeface="Cambria Math" charset="0"/>
+                          </a:rPr>
+                          <m:t>,</m:t>
+                        </m:r>
+                        <m:sSub>
+                          <m:sSubPr>
+                            <m:ctrlPr>
+                              <a:rPr lang="en-US" i="1" smtClean="0">
+                                <a:solidFill>
+                                  <a:srgbClr val="FF0000"/>
+                                </a:solidFill>
+                                <a:latin typeface="Cambria Math" charset="0"/>
+                              </a:rPr>
+                            </m:ctrlPr>
+                          </m:sSubPr>
+                          <m:e>
+                            <m:r>
+                              <m:rPr>
+                                <m:sty m:val="p"/>
+                              </m:rPr>
+                              <a:rPr lang="el-GR" i="1" smtClean="0">
+                                <a:solidFill>
+                                  <a:srgbClr val="FF0000"/>
+                                </a:solidFill>
+                                <a:latin typeface="Cambria Math" charset="0"/>
+                                <a:ea typeface="Cambria Math" charset="0"/>
+                                <a:cs typeface="Cambria Math" charset="0"/>
+                              </a:rPr>
+                              <m:t>Ω</m:t>
+                            </m:r>
+                          </m:e>
+                          <m:sub>
+                            <m:r>
+                              <a:rPr lang="en-US" b="0" i="1" smtClean="0">
+                                <a:solidFill>
+                                  <a:srgbClr val="FF0000"/>
+                                </a:solidFill>
+                                <a:latin typeface="Cambria Math" charset="0"/>
+                              </a:rPr>
+                              <m:t>𝑡</m:t>
+                            </m:r>
+                          </m:sub>
+                        </m:sSub>
+                        <m:r>
+                          <a:rPr lang="en-US" b="0" i="1" smtClean="0">
+                            <a:solidFill>
+                              <a:srgbClr val="FF0000"/>
+                            </a:solidFill>
                             <a:latin typeface="Cambria Math" charset="0"/>
                           </a:rPr>
                           <m:t>)</m:t>
                         </m:r>
                       </m:oMath>
                     </a14:m>
-                    <a:endParaRPr lang="en-US" dirty="0"/>
+                    <a:endParaRPr lang="en-US" dirty="0">
+                      <a:solidFill>
+                        <a:srgbClr val="FF0000"/>
+                      </a:solidFill>
+                    </a:endParaRPr>
                   </a:p>
                 </p:txBody>
               </p:sp>
@@ -6094,8 +6280,8 @@
                 </p:nvSpPr>
                 <p:spPr>
                   <a:xfrm>
-                    <a:off x="5729605" y="1797068"/>
-                    <a:ext cx="1850891" cy="369332"/>
+                    <a:off x="5622670" y="1696061"/>
+                    <a:ext cx="2182329" cy="369332"/>
                   </a:xfrm>
                   <a:prstGeom prst="rect">
                     <a:avLst/>
@@ -6103,7 +6289,7 @@
                   <a:blipFill rotWithShape="0">
                     <a:blip r:embed="rId9"/>
                     <a:stretch>
-                      <a:fillRect l="-2970" t="-8197" r="-660" b="-24590"/>
+                      <a:fillRect l="-2235" t="-10000" r="-559" b="-26667"/>
                     </a:stretch>
                   </a:blipFill>
                 </p:spPr>

--- a/lab_3/Figures.pptx
+++ b/lab_3/Figures.pptx
@@ -108,6 +108,11 @@
       </a:defRPr>
     </a:lvl9pPr>
   </p:defaultTextStyle>
+  <p:extLst>
+    <p:ext uri="{EFAFB233-063F-42B5-8137-9DF3F51BA10A}">
+      <p15:sldGuideLst xmlns:p15="http://schemas.microsoft.com/office/powerpoint/2012/main"/>
+    </p:ext>
+  </p:extLst>
 </p:presentation>
 </file>
 
@@ -193,7 +198,7 @@
           <a:p>
             <a:fld id="{100DC021-231B-CB42-BF57-22A8766D78E6}" type="datetimeFigureOut">
               <a:rPr lang="en-US" smtClean="0"/>
-              <a:t>11/17/19</a:t>
+              <a:t>11/19/2019</a:t>
             </a:fld>
             <a:endParaRPr lang="en-US"/>
           </a:p>
@@ -257,38 +262,37 @@
           <a:p>
             <a:pPr lvl="0"/>
             <a:r>
-              <a:rPr lang="en-US" smtClean="0"/>
+              <a:rPr lang="en-US"/>
               <a:t>Click to edit Master text styles</a:t>
             </a:r>
           </a:p>
           <a:p>
             <a:pPr lvl="1"/>
             <a:r>
-              <a:rPr lang="en-US" smtClean="0"/>
+              <a:rPr lang="en-US"/>
               <a:t>Second level</a:t>
             </a:r>
           </a:p>
           <a:p>
             <a:pPr lvl="2"/>
             <a:r>
-              <a:rPr lang="en-US" smtClean="0"/>
+              <a:rPr lang="en-US"/>
               <a:t>Third level</a:t>
             </a:r>
           </a:p>
           <a:p>
             <a:pPr lvl="3"/>
             <a:r>
-              <a:rPr lang="en-US" smtClean="0"/>
+              <a:rPr lang="en-US"/>
               <a:t>Fourth level</a:t>
             </a:r>
           </a:p>
           <a:p>
             <a:pPr lvl="4"/>
             <a:r>
-              <a:rPr lang="en-US" smtClean="0"/>
+              <a:rPr lang="en-US"/>
               <a:t>Fifth level</a:t>
             </a:r>
-            <a:endParaRPr lang="en-US"/>
           </a:p>
         </p:txBody>
       </p:sp>
@@ -587,10 +591,9 @@
           </a:lstStyle>
           <a:p>
             <a:r>
-              <a:rPr lang="en-US" smtClean="0"/>
+              <a:rPr lang="en-US"/>
               <a:t>Click to edit Master title style</a:t>
             </a:r>
-            <a:endParaRPr lang="en-US"/>
           </a:p>
         </p:txBody>
       </p:sp>
@@ -652,10 +655,9 @@
           </a:lstStyle>
           <a:p>
             <a:r>
-              <a:rPr lang="en-US" smtClean="0"/>
+              <a:rPr lang="en-US"/>
               <a:t>Click to edit Master subtitle style</a:t>
             </a:r>
-            <a:endParaRPr lang="en-US"/>
           </a:p>
         </p:txBody>
       </p:sp>
@@ -676,7 +678,7 @@
           <a:p>
             <a:fld id="{12D6CB12-1E1E-0547-82B6-CC2C1E471074}" type="datetimeFigureOut">
               <a:rPr lang="en-US" smtClean="0"/>
-              <a:t>11/17/19</a:t>
+              <a:t>11/19/2019</a:t>
             </a:fld>
             <a:endParaRPr lang="en-US"/>
           </a:p>
@@ -770,10 +772,9 @@
           <a:lstStyle/>
           <a:p>
             <a:r>
-              <a:rPr lang="en-US" smtClean="0"/>
+              <a:rPr lang="en-US"/>
               <a:t>Click to edit Master title style</a:t>
             </a:r>
-            <a:endParaRPr lang="en-US"/>
           </a:p>
         </p:txBody>
       </p:sp>
@@ -794,38 +795,37 @@
           <a:p>
             <a:pPr lvl="0"/>
             <a:r>
-              <a:rPr lang="en-US" smtClean="0"/>
+              <a:rPr lang="en-US"/>
               <a:t>Click to edit Master text styles</a:t>
             </a:r>
           </a:p>
           <a:p>
             <a:pPr lvl="1"/>
             <a:r>
-              <a:rPr lang="en-US" smtClean="0"/>
+              <a:rPr lang="en-US"/>
               <a:t>Second level</a:t>
             </a:r>
           </a:p>
           <a:p>
             <a:pPr lvl="2"/>
             <a:r>
-              <a:rPr lang="en-US" smtClean="0"/>
+              <a:rPr lang="en-US"/>
               <a:t>Third level</a:t>
             </a:r>
           </a:p>
           <a:p>
             <a:pPr lvl="3"/>
             <a:r>
-              <a:rPr lang="en-US" smtClean="0"/>
+              <a:rPr lang="en-US"/>
               <a:t>Fourth level</a:t>
             </a:r>
           </a:p>
           <a:p>
             <a:pPr lvl="4"/>
             <a:r>
-              <a:rPr lang="en-US" smtClean="0"/>
+              <a:rPr lang="en-US"/>
               <a:t>Fifth level</a:t>
             </a:r>
-            <a:endParaRPr lang="en-US"/>
           </a:p>
         </p:txBody>
       </p:sp>
@@ -846,7 +846,7 @@
           <a:p>
             <a:fld id="{12D6CB12-1E1E-0547-82B6-CC2C1E471074}" type="datetimeFigureOut">
               <a:rPr lang="en-US" smtClean="0"/>
-              <a:t>11/17/19</a:t>
+              <a:t>11/19/2019</a:t>
             </a:fld>
             <a:endParaRPr lang="en-US"/>
           </a:p>
@@ -945,10 +945,9 @@
           <a:lstStyle/>
           <a:p>
             <a:r>
-              <a:rPr lang="en-US" smtClean="0"/>
+              <a:rPr lang="en-US"/>
               <a:t>Click to edit Master title style</a:t>
             </a:r>
-            <a:endParaRPr lang="en-US"/>
           </a:p>
         </p:txBody>
       </p:sp>
@@ -974,38 +973,37 @@
           <a:p>
             <a:pPr lvl="0"/>
             <a:r>
-              <a:rPr lang="en-US" smtClean="0"/>
+              <a:rPr lang="en-US"/>
               <a:t>Click to edit Master text styles</a:t>
             </a:r>
           </a:p>
           <a:p>
             <a:pPr lvl="1"/>
             <a:r>
-              <a:rPr lang="en-US" smtClean="0"/>
+              <a:rPr lang="en-US"/>
               <a:t>Second level</a:t>
             </a:r>
           </a:p>
           <a:p>
             <a:pPr lvl="2"/>
             <a:r>
-              <a:rPr lang="en-US" smtClean="0"/>
+              <a:rPr lang="en-US"/>
               <a:t>Third level</a:t>
             </a:r>
           </a:p>
           <a:p>
             <a:pPr lvl="3"/>
             <a:r>
-              <a:rPr lang="en-US" smtClean="0"/>
+              <a:rPr lang="en-US"/>
               <a:t>Fourth level</a:t>
             </a:r>
           </a:p>
           <a:p>
             <a:pPr lvl="4"/>
             <a:r>
-              <a:rPr lang="en-US" smtClean="0"/>
+              <a:rPr lang="en-US"/>
               <a:t>Fifth level</a:t>
             </a:r>
-            <a:endParaRPr lang="en-US"/>
           </a:p>
         </p:txBody>
       </p:sp>
@@ -1026,7 +1024,7 @@
           <a:p>
             <a:fld id="{12D6CB12-1E1E-0547-82B6-CC2C1E471074}" type="datetimeFigureOut">
               <a:rPr lang="en-US" smtClean="0"/>
-              <a:t>11/17/19</a:t>
+              <a:t>11/19/2019</a:t>
             </a:fld>
             <a:endParaRPr lang="en-US"/>
           </a:p>
@@ -1120,10 +1118,9 @@
           <a:lstStyle/>
           <a:p>
             <a:r>
-              <a:rPr lang="en-US" smtClean="0"/>
+              <a:rPr lang="en-US"/>
               <a:t>Click to edit Master title style</a:t>
             </a:r>
-            <a:endParaRPr lang="en-US"/>
           </a:p>
         </p:txBody>
       </p:sp>
@@ -1144,38 +1141,37 @@
           <a:p>
             <a:pPr lvl="0"/>
             <a:r>
-              <a:rPr lang="en-US" smtClean="0"/>
+              <a:rPr lang="en-US"/>
               <a:t>Click to edit Master text styles</a:t>
             </a:r>
           </a:p>
           <a:p>
             <a:pPr lvl="1"/>
             <a:r>
-              <a:rPr lang="en-US" smtClean="0"/>
+              <a:rPr lang="en-US"/>
               <a:t>Second level</a:t>
             </a:r>
           </a:p>
           <a:p>
             <a:pPr lvl="2"/>
             <a:r>
-              <a:rPr lang="en-US" smtClean="0"/>
+              <a:rPr lang="en-US"/>
               <a:t>Third level</a:t>
             </a:r>
           </a:p>
           <a:p>
             <a:pPr lvl="3"/>
             <a:r>
-              <a:rPr lang="en-US" smtClean="0"/>
+              <a:rPr lang="en-US"/>
               <a:t>Fourth level</a:t>
             </a:r>
           </a:p>
           <a:p>
             <a:pPr lvl="4"/>
             <a:r>
-              <a:rPr lang="en-US" smtClean="0"/>
+              <a:rPr lang="en-US"/>
               <a:t>Fifth level</a:t>
             </a:r>
-            <a:endParaRPr lang="en-US"/>
           </a:p>
         </p:txBody>
       </p:sp>
@@ -1196,7 +1192,7 @@
           <a:p>
             <a:fld id="{12D6CB12-1E1E-0547-82B6-CC2C1E471074}" type="datetimeFigureOut">
               <a:rPr lang="en-US" smtClean="0"/>
-              <a:t>11/17/19</a:t>
+              <a:t>11/19/2019</a:t>
             </a:fld>
             <a:endParaRPr lang="en-US"/>
           </a:p>
@@ -1299,10 +1295,9 @@
           </a:lstStyle>
           <a:p>
             <a:r>
-              <a:rPr lang="en-US" smtClean="0"/>
+              <a:rPr lang="en-US"/>
               <a:t>Click to edit Master title style</a:t>
             </a:r>
-            <a:endParaRPr lang="en-US"/>
           </a:p>
         </p:txBody>
       </p:sp>
@@ -1419,7 +1414,7 @@
           <a:p>
             <a:pPr lvl="0"/>
             <a:r>
-              <a:rPr lang="en-US" smtClean="0"/>
+              <a:rPr lang="en-US"/>
               <a:t>Click to edit Master text styles</a:t>
             </a:r>
           </a:p>
@@ -1442,7 +1437,7 @@
           <a:p>
             <a:fld id="{12D6CB12-1E1E-0547-82B6-CC2C1E471074}" type="datetimeFigureOut">
               <a:rPr lang="en-US" smtClean="0"/>
-              <a:t>11/17/19</a:t>
+              <a:t>11/19/2019</a:t>
             </a:fld>
             <a:endParaRPr lang="en-US"/>
           </a:p>
@@ -1536,10 +1531,9 @@
           <a:lstStyle/>
           <a:p>
             <a:r>
-              <a:rPr lang="en-US" smtClean="0"/>
+              <a:rPr lang="en-US"/>
               <a:t>Click to edit Master title style</a:t>
             </a:r>
-            <a:endParaRPr lang="en-US"/>
           </a:p>
         </p:txBody>
       </p:sp>
@@ -1565,38 +1559,37 @@
           <a:p>
             <a:pPr lvl="0"/>
             <a:r>
-              <a:rPr lang="en-US" smtClean="0"/>
+              <a:rPr lang="en-US"/>
               <a:t>Click to edit Master text styles</a:t>
             </a:r>
           </a:p>
           <a:p>
             <a:pPr lvl="1"/>
             <a:r>
-              <a:rPr lang="en-US" smtClean="0"/>
+              <a:rPr lang="en-US"/>
               <a:t>Second level</a:t>
             </a:r>
           </a:p>
           <a:p>
             <a:pPr lvl="2"/>
             <a:r>
-              <a:rPr lang="en-US" smtClean="0"/>
+              <a:rPr lang="en-US"/>
               <a:t>Third level</a:t>
             </a:r>
           </a:p>
           <a:p>
             <a:pPr lvl="3"/>
             <a:r>
-              <a:rPr lang="en-US" smtClean="0"/>
+              <a:rPr lang="en-US"/>
               <a:t>Fourth level</a:t>
             </a:r>
           </a:p>
           <a:p>
             <a:pPr lvl="4"/>
             <a:r>
-              <a:rPr lang="en-US" smtClean="0"/>
+              <a:rPr lang="en-US"/>
               <a:t>Fifth level</a:t>
             </a:r>
-            <a:endParaRPr lang="en-US"/>
           </a:p>
         </p:txBody>
       </p:sp>
@@ -1622,38 +1615,37 @@
           <a:p>
             <a:pPr lvl="0"/>
             <a:r>
-              <a:rPr lang="en-US" smtClean="0"/>
+              <a:rPr lang="en-US"/>
               <a:t>Click to edit Master text styles</a:t>
             </a:r>
           </a:p>
           <a:p>
             <a:pPr lvl="1"/>
             <a:r>
-              <a:rPr lang="en-US" smtClean="0"/>
+              <a:rPr lang="en-US"/>
               <a:t>Second level</a:t>
             </a:r>
           </a:p>
           <a:p>
             <a:pPr lvl="2"/>
             <a:r>
-              <a:rPr lang="en-US" smtClean="0"/>
+              <a:rPr lang="en-US"/>
               <a:t>Third level</a:t>
             </a:r>
           </a:p>
           <a:p>
             <a:pPr lvl="3"/>
             <a:r>
-              <a:rPr lang="en-US" smtClean="0"/>
+              <a:rPr lang="en-US"/>
               <a:t>Fourth level</a:t>
             </a:r>
           </a:p>
           <a:p>
             <a:pPr lvl="4"/>
             <a:r>
-              <a:rPr lang="en-US" smtClean="0"/>
+              <a:rPr lang="en-US"/>
               <a:t>Fifth level</a:t>
             </a:r>
-            <a:endParaRPr lang="en-US"/>
           </a:p>
         </p:txBody>
       </p:sp>
@@ -1674,7 +1666,7 @@
           <a:p>
             <a:fld id="{12D6CB12-1E1E-0547-82B6-CC2C1E471074}" type="datetimeFigureOut">
               <a:rPr lang="en-US" smtClean="0"/>
-              <a:t>11/17/19</a:t>
+              <a:t>11/19/2019</a:t>
             </a:fld>
             <a:endParaRPr lang="en-US"/>
           </a:p>
@@ -1773,10 +1765,9 @@
           <a:lstStyle/>
           <a:p>
             <a:r>
-              <a:rPr lang="en-US" smtClean="0"/>
+              <a:rPr lang="en-US"/>
               <a:t>Click to edit Master title style</a:t>
             </a:r>
-            <a:endParaRPr lang="en-US"/>
           </a:p>
         </p:txBody>
       </p:sp>
@@ -1839,7 +1830,7 @@
           <a:p>
             <a:pPr lvl="0"/>
             <a:r>
-              <a:rPr lang="en-US" smtClean="0"/>
+              <a:rPr lang="en-US"/>
               <a:t>Click to edit Master text styles</a:t>
             </a:r>
           </a:p>
@@ -1867,38 +1858,37 @@
           <a:p>
             <a:pPr lvl="0"/>
             <a:r>
-              <a:rPr lang="en-US" smtClean="0"/>
+              <a:rPr lang="en-US"/>
               <a:t>Click to edit Master text styles</a:t>
             </a:r>
           </a:p>
           <a:p>
             <a:pPr lvl="1"/>
             <a:r>
-              <a:rPr lang="en-US" smtClean="0"/>
+              <a:rPr lang="en-US"/>
               <a:t>Second level</a:t>
             </a:r>
           </a:p>
           <a:p>
             <a:pPr lvl="2"/>
             <a:r>
-              <a:rPr lang="en-US" smtClean="0"/>
+              <a:rPr lang="en-US"/>
               <a:t>Third level</a:t>
             </a:r>
           </a:p>
           <a:p>
             <a:pPr lvl="3"/>
             <a:r>
-              <a:rPr lang="en-US" smtClean="0"/>
+              <a:rPr lang="en-US"/>
               <a:t>Fourth level</a:t>
             </a:r>
           </a:p>
           <a:p>
             <a:pPr lvl="4"/>
             <a:r>
-              <a:rPr lang="en-US" smtClean="0"/>
+              <a:rPr lang="en-US"/>
               <a:t>Fifth level</a:t>
             </a:r>
-            <a:endParaRPr lang="en-US"/>
           </a:p>
         </p:txBody>
       </p:sp>
@@ -1961,7 +1951,7 @@
           <a:p>
             <a:pPr lvl="0"/>
             <a:r>
-              <a:rPr lang="en-US" smtClean="0"/>
+              <a:rPr lang="en-US"/>
               <a:t>Click to edit Master text styles</a:t>
             </a:r>
           </a:p>
@@ -1989,38 +1979,37 @@
           <a:p>
             <a:pPr lvl="0"/>
             <a:r>
-              <a:rPr lang="en-US" smtClean="0"/>
+              <a:rPr lang="en-US"/>
               <a:t>Click to edit Master text styles</a:t>
             </a:r>
           </a:p>
           <a:p>
             <a:pPr lvl="1"/>
             <a:r>
-              <a:rPr lang="en-US" smtClean="0"/>
+              <a:rPr lang="en-US"/>
               <a:t>Second level</a:t>
             </a:r>
           </a:p>
           <a:p>
             <a:pPr lvl="2"/>
             <a:r>
-              <a:rPr lang="en-US" smtClean="0"/>
+              <a:rPr lang="en-US"/>
               <a:t>Third level</a:t>
             </a:r>
           </a:p>
           <a:p>
             <a:pPr lvl="3"/>
             <a:r>
-              <a:rPr lang="en-US" smtClean="0"/>
+              <a:rPr lang="en-US"/>
               <a:t>Fourth level</a:t>
             </a:r>
           </a:p>
           <a:p>
             <a:pPr lvl="4"/>
             <a:r>
-              <a:rPr lang="en-US" smtClean="0"/>
+              <a:rPr lang="en-US"/>
               <a:t>Fifth level</a:t>
             </a:r>
-            <a:endParaRPr lang="en-US"/>
           </a:p>
         </p:txBody>
       </p:sp>
@@ -2041,7 +2030,7 @@
           <a:p>
             <a:fld id="{12D6CB12-1E1E-0547-82B6-CC2C1E471074}" type="datetimeFigureOut">
               <a:rPr lang="en-US" smtClean="0"/>
-              <a:t>11/17/19</a:t>
+              <a:t>11/19/2019</a:t>
             </a:fld>
             <a:endParaRPr lang="en-US"/>
           </a:p>
@@ -2135,10 +2124,9 @@
           <a:lstStyle/>
           <a:p>
             <a:r>
-              <a:rPr lang="en-US" smtClean="0"/>
+              <a:rPr lang="en-US"/>
               <a:t>Click to edit Master title style</a:t>
             </a:r>
-            <a:endParaRPr lang="en-US"/>
           </a:p>
         </p:txBody>
       </p:sp>
@@ -2159,7 +2147,7 @@
           <a:p>
             <a:fld id="{12D6CB12-1E1E-0547-82B6-CC2C1E471074}" type="datetimeFigureOut">
               <a:rPr lang="en-US" smtClean="0"/>
-              <a:t>11/17/19</a:t>
+              <a:t>11/19/2019</a:t>
             </a:fld>
             <a:endParaRPr lang="en-US"/>
           </a:p>
@@ -2254,7 +2242,7 @@
           <a:p>
             <a:fld id="{12D6CB12-1E1E-0547-82B6-CC2C1E471074}" type="datetimeFigureOut">
               <a:rPr lang="en-US" smtClean="0"/>
-              <a:t>11/17/19</a:t>
+              <a:t>11/19/2019</a:t>
             </a:fld>
             <a:endParaRPr lang="en-US"/>
           </a:p>
@@ -2357,10 +2345,9 @@
           </a:lstStyle>
           <a:p>
             <a:r>
-              <a:rPr lang="en-US" smtClean="0"/>
+              <a:rPr lang="en-US"/>
               <a:t>Click to edit Master title style</a:t>
             </a:r>
-            <a:endParaRPr lang="en-US"/>
           </a:p>
         </p:txBody>
       </p:sp>
@@ -2414,38 +2401,37 @@
           <a:p>
             <a:pPr lvl="0"/>
             <a:r>
-              <a:rPr lang="en-US" smtClean="0"/>
+              <a:rPr lang="en-US"/>
               <a:t>Click to edit Master text styles</a:t>
             </a:r>
           </a:p>
           <a:p>
             <a:pPr lvl="1"/>
             <a:r>
-              <a:rPr lang="en-US" smtClean="0"/>
+              <a:rPr lang="en-US"/>
               <a:t>Second level</a:t>
             </a:r>
           </a:p>
           <a:p>
             <a:pPr lvl="2"/>
             <a:r>
-              <a:rPr lang="en-US" smtClean="0"/>
+              <a:rPr lang="en-US"/>
               <a:t>Third level</a:t>
             </a:r>
           </a:p>
           <a:p>
             <a:pPr lvl="3"/>
             <a:r>
-              <a:rPr lang="en-US" smtClean="0"/>
+              <a:rPr lang="en-US"/>
               <a:t>Fourth level</a:t>
             </a:r>
           </a:p>
           <a:p>
             <a:pPr lvl="4"/>
             <a:r>
-              <a:rPr lang="en-US" smtClean="0"/>
+              <a:rPr lang="en-US"/>
               <a:t>Fifth level</a:t>
             </a:r>
-            <a:endParaRPr lang="en-US"/>
           </a:p>
         </p:txBody>
       </p:sp>
@@ -2508,7 +2494,7 @@
           <a:p>
             <a:pPr lvl="0"/>
             <a:r>
-              <a:rPr lang="en-US" smtClean="0"/>
+              <a:rPr lang="en-US"/>
               <a:t>Click to edit Master text styles</a:t>
             </a:r>
           </a:p>
@@ -2531,7 +2517,7 @@
           <a:p>
             <a:fld id="{12D6CB12-1E1E-0547-82B6-CC2C1E471074}" type="datetimeFigureOut">
               <a:rPr lang="en-US" smtClean="0"/>
-              <a:t>11/17/19</a:t>
+              <a:t>11/19/2019</a:t>
             </a:fld>
             <a:endParaRPr lang="en-US"/>
           </a:p>
@@ -2634,10 +2620,9 @@
           </a:lstStyle>
           <a:p>
             <a:r>
-              <a:rPr lang="en-US" smtClean="0"/>
+              <a:rPr lang="en-US"/>
               <a:t>Click to edit Master title style</a:t>
             </a:r>
-            <a:endParaRPr lang="en-US"/>
           </a:p>
         </p:txBody>
       </p:sp>
@@ -2761,7 +2746,7 @@
           <a:p>
             <a:pPr lvl="0"/>
             <a:r>
-              <a:rPr lang="en-US" smtClean="0"/>
+              <a:rPr lang="en-US"/>
               <a:t>Click to edit Master text styles</a:t>
             </a:r>
           </a:p>
@@ -2784,7 +2769,7 @@
           <a:p>
             <a:fld id="{12D6CB12-1E1E-0547-82B6-CC2C1E471074}" type="datetimeFigureOut">
               <a:rPr lang="en-US" smtClean="0"/>
-              <a:t>11/17/19</a:t>
+              <a:t>11/19/2019</a:t>
             </a:fld>
             <a:endParaRPr lang="en-US"/>
           </a:p>
@@ -2893,10 +2878,9 @@
           <a:lstStyle/>
           <a:p>
             <a:r>
-              <a:rPr lang="en-US" smtClean="0"/>
+              <a:rPr lang="en-US"/>
               <a:t>Click to edit Master title style</a:t>
             </a:r>
-            <a:endParaRPr lang="en-US"/>
           </a:p>
         </p:txBody>
       </p:sp>
@@ -2927,38 +2911,37 @@
           <a:p>
             <a:pPr lvl="0"/>
             <a:r>
-              <a:rPr lang="en-US" smtClean="0"/>
+              <a:rPr lang="en-US"/>
               <a:t>Click to edit Master text styles</a:t>
             </a:r>
           </a:p>
           <a:p>
             <a:pPr lvl="1"/>
             <a:r>
-              <a:rPr lang="en-US" smtClean="0"/>
+              <a:rPr lang="en-US"/>
               <a:t>Second level</a:t>
             </a:r>
           </a:p>
           <a:p>
             <a:pPr lvl="2"/>
             <a:r>
-              <a:rPr lang="en-US" smtClean="0"/>
+              <a:rPr lang="en-US"/>
               <a:t>Third level</a:t>
             </a:r>
           </a:p>
           <a:p>
             <a:pPr lvl="3"/>
             <a:r>
-              <a:rPr lang="en-US" smtClean="0"/>
+              <a:rPr lang="en-US"/>
               <a:t>Fourth level</a:t>
             </a:r>
           </a:p>
           <a:p>
             <a:pPr lvl="4"/>
             <a:r>
-              <a:rPr lang="en-US" smtClean="0"/>
+              <a:rPr lang="en-US"/>
               <a:t>Fifth level</a:t>
             </a:r>
-            <a:endParaRPr lang="en-US"/>
           </a:p>
         </p:txBody>
       </p:sp>
@@ -2997,7 +2980,7 @@
           <a:p>
             <a:fld id="{12D6CB12-1E1E-0547-82B6-CC2C1E471074}" type="datetimeFigureOut">
               <a:rPr lang="en-US" smtClean="0"/>
-              <a:t>11/17/19</a:t>
+              <a:t>11/19/2019</a:t>
             </a:fld>
             <a:endParaRPr lang="en-US"/>
           </a:p>
@@ -3430,9 +3413,7 @@
             <a:prstGeom prst="rect">
               <a:avLst/>
             </a:prstGeom>
-            <a:solidFill>
-              <a:schemeClr val="bg1"/>
-            </a:solidFill>
+            <a:noFill/>
           </p:spPr>
           <p:txBody>
             <a:bodyPr wrap="square" rtlCol="0">
@@ -4286,8 +4267,8 @@
               </p:txBody>
             </p:sp>
           </p:grpSp>
-          <mc:AlternateContent xmlns:mc="http://schemas.openxmlformats.org/markup-compatibility/2006">
-            <mc:Choice xmlns:a14="http://schemas.microsoft.com/office/drawing/2010/main" Requires="a14">
+          <mc:AlternateContent xmlns:mc="http://schemas.openxmlformats.org/markup-compatibility/2006" xmlns:a14="http://schemas.microsoft.com/office/drawing/2010/main">
+            <mc:Choice Requires="a14">
               <p:sp>
                 <p:nvSpPr>
                   <p:cNvPr id="32" name="TextBox 31"/>
@@ -4310,6 +4291,7 @@
                   </a:bodyPr>
                   <a:lstStyle/>
                   <a:p>
+                    <a:pPr/>
                     <a14:m>
                       <m:oMathPara xmlns:m="http://schemas.openxmlformats.org/officeDocument/2006/math">
                         <m:oMathParaPr>
@@ -4321,7 +4303,7 @@
                               <m:sty m:val="p"/>
                             </m:rPr>
                             <a:rPr lang="el-GR" i="1" smtClean="0">
-                              <a:latin typeface="Helvetica" charset="0"/>
+                              <a:latin typeface="Cambria Math" panose="02040503050406030204" pitchFamily="18" charset="0"/>
                               <a:ea typeface="Helvetica" charset="0"/>
                               <a:cs typeface="Helvetica" charset="0"/>
                             </a:rPr>
@@ -4329,7 +4311,7 @@
                           </m:r>
                           <m:r>
                             <a:rPr lang="en-US" i="1" smtClean="0">
-                              <a:latin typeface="Helvetica" charset="0"/>
+                              <a:latin typeface="Cambria Math" panose="02040503050406030204" pitchFamily="18" charset="0"/>
                               <a:ea typeface="Helvetica" charset="0"/>
                               <a:cs typeface="Helvetica" charset="0"/>
                             </a:rPr>
@@ -4347,7 +4329,7 @@
                 </p:txBody>
               </p:sp>
             </mc:Choice>
-            <mc:Fallback>
+            <mc:Fallback xmlns="">
               <p:sp>
                 <p:nvSpPr>
                   <p:cNvPr id="32" name="TextBox 31"/>
@@ -4644,8 +4626,8 @@
               </a:fontRef>
             </p:style>
           </p:cxnSp>
-          <mc:AlternateContent xmlns:mc="http://schemas.openxmlformats.org/markup-compatibility/2006">
-            <mc:Choice xmlns:a14="http://schemas.microsoft.com/office/drawing/2010/main" Requires="a14">
+          <mc:AlternateContent xmlns:mc="http://schemas.openxmlformats.org/markup-compatibility/2006" xmlns:a14="http://schemas.microsoft.com/office/drawing/2010/main">
+            <mc:Choice Requires="a14">
               <p:sp>
                 <p:nvSpPr>
                   <p:cNvPr id="48" name="TextBox 47"/>
@@ -4668,6 +4650,7 @@
                   </a:bodyPr>
                   <a:lstStyle/>
                   <a:p>
+                    <a:pPr/>
                     <a14:m>
                       <m:oMathPara xmlns:m="http://schemas.openxmlformats.org/officeDocument/2006/math">
                         <m:oMathParaPr>
@@ -4676,7 +4659,7 @@
                         <m:oMath xmlns:m="http://schemas.openxmlformats.org/officeDocument/2006/math">
                           <m:r>
                             <a:rPr lang="en-US" i="1" smtClean="0">
-                              <a:latin typeface="Helvetica" charset="0"/>
+                              <a:latin typeface="Cambria Math" panose="02040503050406030204" pitchFamily="18" charset="0"/>
                               <a:ea typeface="Helvetica" charset="0"/>
                               <a:cs typeface="Helvetica" charset="0"/>
                             </a:rPr>
@@ -4694,7 +4677,7 @@
                 </p:txBody>
               </p:sp>
             </mc:Choice>
-            <mc:Fallback>
+            <mc:Fallback xmlns="">
               <p:sp>
                 <p:nvSpPr>
                   <p:cNvPr id="48" name="TextBox 47"/>
@@ -4780,18 +4763,21 @@
               <a:lstStyle/>
               <a:p>
                 <a:r>
-                  <a:rPr lang="en-US" sz="2400" dirty="0" smtClean="0">
+                  <a:rPr lang="en-US" sz="2400" i="1" dirty="0">
                     <a:latin typeface="Helvetica" charset="0"/>
                     <a:ea typeface="Helvetica" charset="0"/>
                     <a:cs typeface="Helvetica" charset="0"/>
                   </a:rPr>
-                  <a:t>L = 750 mm</a:t>
+                  <a:t>L</a:t>
                 </a:r>
-                <a:endParaRPr lang="en-US" sz="2400" dirty="0">
-                  <a:latin typeface="Helvetica" charset="0"/>
-                  <a:ea typeface="Helvetica" charset="0"/>
-                  <a:cs typeface="Helvetica" charset="0"/>
-                </a:endParaRPr>
+                <a:r>
+                  <a:rPr lang="en-US" sz="2400" dirty="0">
+                    <a:latin typeface="Helvetica" charset="0"/>
+                    <a:ea typeface="Helvetica" charset="0"/>
+                    <a:cs typeface="Helvetica" charset="0"/>
+                  </a:rPr>
+                  <a:t> = 750 mm</a:t>
+                </a:r>
               </a:p>
             </p:txBody>
           </p:sp>
@@ -4818,18 +4804,21 @@
               <a:lstStyle/>
               <a:p>
                 <a:r>
-                  <a:rPr lang="en-US" sz="2400" dirty="0" smtClean="0">
+                  <a:rPr lang="en-US" sz="2400" i="1" dirty="0">
                     <a:latin typeface="Helvetica" charset="0"/>
                     <a:ea typeface="Helvetica" charset="0"/>
                     <a:cs typeface="Helvetica" charset="0"/>
                   </a:rPr>
-                  <a:t>W = 500 mm</a:t>
+                  <a:t>W</a:t>
                 </a:r>
-                <a:endParaRPr lang="en-US" sz="2400" dirty="0">
-                  <a:latin typeface="Helvetica" charset="0"/>
-                  <a:ea typeface="Helvetica" charset="0"/>
-                  <a:cs typeface="Helvetica" charset="0"/>
-                </a:endParaRPr>
+                <a:r>
+                  <a:rPr lang="en-US" sz="2400" dirty="0">
+                    <a:latin typeface="Helvetica" charset="0"/>
+                    <a:ea typeface="Helvetica" charset="0"/>
+                    <a:cs typeface="Helvetica" charset="0"/>
+                  </a:rPr>
+                  <a:t> = 500 mm</a:t>
+                </a:r>
               </a:p>
             </p:txBody>
           </p:sp>
@@ -4964,7 +4953,7 @@
               <a:lstStyle/>
               <a:p>
                 <a:r>
-                  <a:rPr lang="en-US" dirty="0" err="1" smtClean="0">
+                  <a:rPr lang="en-US" dirty="0" err="1">
                     <a:solidFill>
                       <a:srgbClr val="FF0000"/>
                     </a:solidFill>
@@ -4975,7 +4964,7 @@
                   <a:t>V</a:t>
                 </a:r>
                 <a:r>
-                  <a:rPr lang="en-US" baseline="-25000" dirty="0" err="1" smtClean="0">
+                  <a:rPr lang="en-US" baseline="-25000" dirty="0" err="1">
                     <a:solidFill>
                       <a:srgbClr val="FF0000"/>
                     </a:solidFill>
@@ -4996,8 +4985,8 @@
               </a:p>
             </p:txBody>
           </p:sp>
-          <mc:AlternateContent xmlns:mc="http://schemas.openxmlformats.org/markup-compatibility/2006">
-            <mc:Choice xmlns:a14="http://schemas.microsoft.com/office/drawing/2010/main" Requires="a14">
+          <mc:AlternateContent xmlns:mc="http://schemas.openxmlformats.org/markup-compatibility/2006" xmlns:a14="http://schemas.microsoft.com/office/drawing/2010/main">
+            <mc:Choice Requires="a14">
               <p:sp>
                 <p:nvSpPr>
                   <p:cNvPr id="64" name="TextBox 63"/>
@@ -5030,7 +5019,7 @@
                             <a:solidFill>
                               <a:srgbClr val="7030A0"/>
                             </a:solidFill>
-                            <a:latin typeface="Helvetica" charset="0"/>
+                            <a:latin typeface="Cambria Math" panose="02040503050406030204" pitchFamily="18" charset="0"/>
                             <a:ea typeface="Helvetica" charset="0"/>
                             <a:cs typeface="Helvetica" charset="0"/>
                           </a:rPr>
@@ -5041,7 +5030,7 @@
                             <a:solidFill>
                               <a:srgbClr val="7030A0"/>
                             </a:solidFill>
-                            <a:latin typeface="Helvetica" charset="0"/>
+                            <a:latin typeface="Cambria Math" panose="02040503050406030204" pitchFamily="18" charset="0"/>
                             <a:ea typeface="Helvetica" charset="0"/>
                             <a:cs typeface="Helvetica" charset="0"/>
                           </a:rPr>
@@ -5050,7 +5039,7 @@
                       </m:oMath>
                     </a14:m>
                     <a:r>
-                      <a:rPr lang="en-US" dirty="0" smtClean="0">
+                      <a:rPr lang="en-US" dirty="0">
                         <a:solidFill>
                           <a:srgbClr val="7030A0"/>
                         </a:solidFill>
@@ -5060,19 +5049,11 @@
                       </a:rPr>
                       <a:t>/2</a:t>
                     </a:r>
-                    <a:endParaRPr lang="en-US" dirty="0">
-                      <a:solidFill>
-                        <a:srgbClr val="7030A0"/>
-                      </a:solidFill>
-                      <a:latin typeface="Helvetica" charset="0"/>
-                      <a:ea typeface="Helvetica" charset="0"/>
-                      <a:cs typeface="Helvetica" charset="0"/>
-                    </a:endParaRPr>
                   </a:p>
                 </p:txBody>
               </p:sp>
             </mc:Choice>
-            <mc:Fallback>
+            <mc:Fallback xmlns="">
               <p:sp>
                 <p:nvSpPr>
                   <p:cNvPr id="64" name="TextBox 63"/>
@@ -5329,8 +5310,8 @@
               </a:p>
             </p:txBody>
           </p:sp>
-          <mc:AlternateContent xmlns:mc="http://schemas.openxmlformats.org/markup-compatibility/2006">
-            <mc:Choice xmlns:a14="http://schemas.microsoft.com/office/drawing/2010/main" Requires="a14">
+          <mc:AlternateContent xmlns:mc="http://schemas.openxmlformats.org/markup-compatibility/2006" xmlns:a14="http://schemas.microsoft.com/office/drawing/2010/main">
+            <mc:Choice Requires="a14">
               <p:sp>
                 <p:nvSpPr>
                   <p:cNvPr id="72" name="TextBox 71"/>
@@ -5353,6 +5334,7 @@
                   </a:bodyPr>
                   <a:lstStyle/>
                   <a:p>
+                    <a:pPr/>
                     <a14:m>
                       <m:oMathPara xmlns:m="http://schemas.openxmlformats.org/officeDocument/2006/math">
                         <m:oMathParaPr>
@@ -5364,7 +5346,7 @@
                               <m:sty m:val="p"/>
                             </m:rPr>
                             <a:rPr lang="el-GR" i="1" smtClean="0">
-                              <a:latin typeface="Helvetica" charset="0"/>
+                              <a:latin typeface="Cambria Math" panose="02040503050406030204" pitchFamily="18" charset="0"/>
                               <a:ea typeface="Helvetica" charset="0"/>
                               <a:cs typeface="Helvetica" charset="0"/>
                             </a:rPr>
@@ -5372,7 +5354,7 @@
                           </m:r>
                           <m:r>
                             <a:rPr lang="en-US" b="0" i="1" smtClean="0">
-                              <a:latin typeface="Helvetica" charset="0"/>
+                              <a:latin typeface="Cambria Math" panose="02040503050406030204" pitchFamily="18" charset="0"/>
                               <a:ea typeface="Helvetica" charset="0"/>
                               <a:cs typeface="Helvetica" charset="0"/>
                             </a:rPr>
@@ -5390,7 +5372,7 @@
                 </p:txBody>
               </p:sp>
             </mc:Choice>
-            <mc:Fallback>
+            <mc:Fallback xmlns="">
               <p:sp>
                 <p:nvSpPr>
                   <p:cNvPr id="72" name="TextBox 71"/>
@@ -5465,8 +5447,8 @@
               </a:fontRef>
             </p:style>
           </p:cxnSp>
-          <mc:AlternateContent xmlns:mc="http://schemas.openxmlformats.org/markup-compatibility/2006">
-            <mc:Choice xmlns:a14="http://schemas.microsoft.com/office/drawing/2010/main" Requires="a14">
+          <mc:AlternateContent xmlns:mc="http://schemas.openxmlformats.org/markup-compatibility/2006" xmlns:a14="http://schemas.microsoft.com/office/drawing/2010/main">
+            <mc:Choice Requires="a14">
               <p:sp>
                 <p:nvSpPr>
                   <p:cNvPr id="79" name="TextBox 78"/>
@@ -5489,6 +5471,7 @@
                   </a:bodyPr>
                   <a:lstStyle/>
                   <a:p>
+                    <a:pPr/>
                     <a14:m>
                       <m:oMathPara xmlns:m="http://schemas.openxmlformats.org/officeDocument/2006/math">
                         <m:oMathParaPr>
@@ -5500,7 +5483,7 @@
                               <m:sty m:val="p"/>
                             </m:rPr>
                             <a:rPr lang="el-GR" i="1" smtClean="0">
-                              <a:latin typeface="Helvetica" charset="0"/>
+                              <a:latin typeface="Cambria Math" panose="02040503050406030204" pitchFamily="18" charset="0"/>
                               <a:ea typeface="Helvetica" charset="0"/>
                               <a:cs typeface="Helvetica" charset="0"/>
                             </a:rPr>
@@ -5508,7 +5491,7 @@
                           </m:r>
                           <m:r>
                             <a:rPr lang="en-US" i="1" smtClean="0">
-                              <a:latin typeface="Helvetica" charset="0"/>
+                              <a:latin typeface="Cambria Math" panose="02040503050406030204" pitchFamily="18" charset="0"/>
                               <a:ea typeface="Helvetica" charset="0"/>
                               <a:cs typeface="Helvetica" charset="0"/>
                             </a:rPr>
@@ -5526,7 +5509,7 @@
                 </p:txBody>
               </p:sp>
             </mc:Choice>
-            <mc:Fallback>
+            <mc:Fallback xmlns="">
               <p:sp>
                 <p:nvSpPr>
                   <p:cNvPr id="79" name="TextBox 78"/>
@@ -5747,18 +5730,13 @@
               <a:lstStyle/>
               <a:p>
                 <a:r>
-                  <a:rPr lang="en-US" smtClean="0">
+                  <a:rPr lang="en-US">
                     <a:latin typeface="Helvetica" charset="0"/>
                     <a:ea typeface="Helvetica" charset="0"/>
                     <a:cs typeface="Helvetica" charset="0"/>
                   </a:rPr>
                   <a:t>Magnetic North</a:t>
                 </a:r>
-                <a:endParaRPr lang="en-US">
-                  <a:latin typeface="Helvetica" charset="0"/>
-                  <a:ea typeface="Helvetica" charset="0"/>
-                  <a:cs typeface="Helvetica" charset="0"/>
-                </a:endParaRPr>
               </a:p>
             </p:txBody>
           </p:sp>
@@ -5773,7 +5751,7 @@
                 <p:spPr>
                   <a:xfrm>
                     <a:off x="5228282" y="4774556"/>
-                    <a:ext cx="1523494" cy="369332"/>
+                    <a:ext cx="1533112" cy="369332"/>
                   </a:xfrm>
                   <a:prstGeom prst="rect">
                     <a:avLst/>
@@ -5787,7 +5765,7 @@
                   <a:lstStyle/>
                   <a:p>
                     <a:r>
-                      <a:rPr lang="en-US" dirty="0" smtClean="0">
+                      <a:rPr lang="en-US" dirty="0">
                         <a:solidFill>
                           <a:srgbClr val="FF0000"/>
                         </a:solidFill>
@@ -5803,7 +5781,7 @@
                                 <a:solidFill>
                                   <a:srgbClr val="FF0000"/>
                                 </a:solidFill>
-                                <a:latin typeface="Cambria Math" charset="0"/>
+                                <a:latin typeface="Cambria Math" panose="02040503050406030204" pitchFamily="18" charset="0"/>
                               </a:rPr>
                             </m:ctrlPr>
                           </m:sSubPr>
@@ -5846,7 +5824,7 @@
                                 <a:solidFill>
                                   <a:srgbClr val="FF0000"/>
                                 </a:solidFill>
-                                <a:latin typeface="Cambria Math" charset="0"/>
+                                <a:latin typeface="Cambria Math" panose="02040503050406030204" pitchFamily="18" charset="0"/>
                               </a:rPr>
                             </m:ctrlPr>
                           </m:sSubPr>
@@ -5880,7 +5858,7 @@
                                 <a:solidFill>
                                   <a:srgbClr val="FF0000"/>
                                 </a:solidFill>
-                                <a:latin typeface="Cambria Math" charset="0"/>
+                                <a:latin typeface="Cambria Math" panose="02040503050406030204" pitchFamily="18" charset="0"/>
                               </a:rPr>
                             </m:ctrlPr>
                           </m:sSubPr>
@@ -5934,24 +5912,21 @@
                                 <a:solidFill>
                                   <a:srgbClr val="FF0000"/>
                                 </a:solidFill>
-                                <a:latin typeface="Cambria Math" charset="0"/>
+                                <a:latin typeface="Cambria Math" panose="02040503050406030204" pitchFamily="18" charset="0"/>
                               </a:rPr>
                             </m:ctrlPr>
                           </m:sSubPr>
                           <m:e>
                             <m:r>
-                              <m:rPr>
-                                <m:sty m:val="p"/>
-                              </m:rPr>
                               <a:rPr lang="el-GR" i="1" smtClean="0">
                                 <a:solidFill>
                                   <a:srgbClr val="FF0000"/>
                                 </a:solidFill>
-                                <a:latin typeface="Cambria Math" charset="0"/>
-                                <a:ea typeface="Cambria Math" charset="0"/>
+                                <a:latin typeface="Cambria Math" panose="02040503050406030204" pitchFamily="18" charset="0"/>
+                                <a:ea typeface="Cambria Math" panose="02040503050406030204" pitchFamily="18" charset="0"/>
                                 <a:cs typeface="Cambria Math" charset="0"/>
                               </a:rPr>
-                              <m:t>Ω</m:t>
+                              <m:t>𝜔</m:t>
                             </m:r>
                           </m:e>
                           <m:sub>
@@ -5991,15 +5966,15 @@
                 <p:spPr>
                   <a:xfrm>
                     <a:off x="5228282" y="4774556"/>
-                    <a:ext cx="1523494" cy="369332"/>
+                    <a:ext cx="1533112" cy="369332"/>
                   </a:xfrm>
                   <a:prstGeom prst="rect">
                     <a:avLst/>
                   </a:prstGeom>
-                  <a:blipFill rotWithShape="0">
+                  <a:blipFill>
                     <a:blip r:embed="rId8"/>
                     <a:stretch>
-                      <a:fillRect l="-3614" t="-10000" r="-1606" b="-26667"/>
+                      <a:fillRect l="-3586" t="-10000" r="-1195" b="-26667"/>
                     </a:stretch>
                   </a:blipFill>
                 </p:spPr>
@@ -6008,7 +5983,7 @@
                   <a:lstStyle/>
                   <a:p>
                     <a:r>
-                      <a:rPr lang="en-US">
+                      <a:rPr lang="zh-CN" altLang="en-US">
                         <a:noFill/>
                       </a:rPr>
                       <a:t> </a:t>
@@ -6029,7 +6004,7 @@
                 <p:spPr>
                   <a:xfrm>
                     <a:off x="5622670" y="1696061"/>
-                    <a:ext cx="2182329" cy="369332"/>
+                    <a:ext cx="2191947" cy="369332"/>
                   </a:xfrm>
                   <a:prstGeom prst="rect">
                     <a:avLst/>
@@ -6043,7 +6018,7 @@
                   <a:lstStyle/>
                   <a:p>
                     <a:r>
-                      <a:rPr lang="en-US" dirty="0" smtClean="0">
+                      <a:rPr lang="en-US" dirty="0">
                         <a:solidFill>
                           <a:srgbClr val="FF0000"/>
                         </a:solidFill>
@@ -6059,7 +6034,7 @@
                                 <a:solidFill>
                                   <a:srgbClr val="FF0000"/>
                                 </a:solidFill>
-                                <a:latin typeface="Cambria Math" charset="0"/>
+                                <a:latin typeface="Cambria Math" panose="02040503050406030204" pitchFamily="18" charset="0"/>
                               </a:rPr>
                             </m:ctrlPr>
                           </m:sSubPr>
@@ -6111,7 +6086,7 @@
                                 <a:solidFill>
                                   <a:srgbClr val="FF0000"/>
                                 </a:solidFill>
-                                <a:latin typeface="Cambria Math" charset="0"/>
+                                <a:latin typeface="Cambria Math" panose="02040503050406030204" pitchFamily="18" charset="0"/>
                               </a:rPr>
                             </m:ctrlPr>
                           </m:sSubPr>
@@ -6154,7 +6129,7 @@
                                 <a:solidFill>
                                   <a:srgbClr val="FF0000"/>
                                 </a:solidFill>
-                                <a:latin typeface="Cambria Math" charset="0"/>
+                                <a:latin typeface="Cambria Math" panose="02040503050406030204" pitchFamily="18" charset="0"/>
                               </a:rPr>
                             </m:ctrlPr>
                           </m:sSubPr>
@@ -6217,24 +6192,21 @@
                                 <a:solidFill>
                                   <a:srgbClr val="FF0000"/>
                                 </a:solidFill>
-                                <a:latin typeface="Cambria Math" charset="0"/>
+                                <a:latin typeface="Cambria Math" panose="02040503050406030204" pitchFamily="18" charset="0"/>
                               </a:rPr>
                             </m:ctrlPr>
                           </m:sSubPr>
                           <m:e>
                             <m:r>
-                              <m:rPr>
-                                <m:sty m:val="p"/>
-                              </m:rPr>
                               <a:rPr lang="el-GR" i="1" smtClean="0">
                                 <a:solidFill>
                                   <a:srgbClr val="FF0000"/>
                                 </a:solidFill>
-                                <a:latin typeface="Cambria Math" charset="0"/>
-                                <a:ea typeface="Cambria Math" charset="0"/>
+                                <a:latin typeface="Cambria Math" panose="02040503050406030204" pitchFamily="18" charset="0"/>
+                                <a:ea typeface="Cambria Math" panose="02040503050406030204" pitchFamily="18" charset="0"/>
                                 <a:cs typeface="Cambria Math" charset="0"/>
                               </a:rPr>
-                              <m:t>Ω</m:t>
+                              <m:t>𝜔</m:t>
                             </m:r>
                           </m:e>
                           <m:sub>
@@ -6281,15 +6253,15 @@
                 <p:spPr>
                   <a:xfrm>
                     <a:off x="5622670" y="1696061"/>
-                    <a:ext cx="2182329" cy="369332"/>
+                    <a:ext cx="2191947" cy="369332"/>
                   </a:xfrm>
                   <a:prstGeom prst="rect">
                     <a:avLst/>
                   </a:prstGeom>
-                  <a:blipFill rotWithShape="0">
+                  <a:blipFill>
                     <a:blip r:embed="rId9"/>
                     <a:stretch>
-                      <a:fillRect l="-2235" t="-10000" r="-559" b="-26667"/>
+                      <a:fillRect l="-2222" t="-10000" r="-278" b="-26667"/>
                     </a:stretch>
                   </a:blipFill>
                 </p:spPr>
@@ -6298,7 +6270,7 @@
                   <a:lstStyle/>
                   <a:p>
                     <a:r>
-                      <a:rPr lang="en-US">
+                      <a:rPr lang="zh-CN" altLang="en-US">
                         <a:noFill/>
                       </a:rPr>
                       <a:t> </a:t>
@@ -6320,13 +6292,6 @@
   <p:clrMapOvr>
     <a:masterClrMapping/>
   </p:clrMapOvr>
-  <p:timing>
-    <p:tnLst>
-      <p:par>
-        <p:cTn id="1" dur="indefinite" restart="never" nodeType="tmRoot"/>
-      </p:par>
-    </p:tnLst>
-  </p:timing>
 </p:sld>
 </file>
 
@@ -6376,7 +6341,7 @@
               <a:avLst/>
             </a:prstGeom>
             <a:solidFill>
-              <a:schemeClr val="accent6">
+              <a:schemeClr val="accent5">
                 <a:lumMod val="20000"/>
                 <a:lumOff val="80000"/>
                 <a:alpha val="51000"/>
@@ -7021,18 +6986,21 @@
             <a:lstStyle/>
             <a:p>
               <a:r>
-                <a:rPr lang="en-US" sz="2400" dirty="0" smtClean="0">
+                <a:rPr lang="en-US" sz="2400" i="1" dirty="0">
                   <a:latin typeface="Helvetica" charset="0"/>
                   <a:ea typeface="Helvetica" charset="0"/>
                   <a:cs typeface="Helvetica" charset="0"/>
                 </a:rPr>
-                <a:t>L = 750 mm</a:t>
+                <a:t>L</a:t>
               </a:r>
-              <a:endParaRPr lang="en-US" sz="2400" dirty="0">
-                <a:latin typeface="Helvetica" charset="0"/>
-                <a:ea typeface="Helvetica" charset="0"/>
-                <a:cs typeface="Helvetica" charset="0"/>
-              </a:endParaRPr>
+              <a:r>
+                <a:rPr lang="en-US" sz="2400" dirty="0">
+                  <a:latin typeface="Helvetica" charset="0"/>
+                  <a:ea typeface="Helvetica" charset="0"/>
+                  <a:cs typeface="Helvetica" charset="0"/>
+                </a:rPr>
+                <a:t> = 750 mm</a:t>
+              </a:r>
             </a:p>
           </p:txBody>
         </p:sp>
@@ -7059,18 +7027,21 @@
             <a:lstStyle/>
             <a:p>
               <a:r>
-                <a:rPr lang="en-US" sz="2400" dirty="0" smtClean="0">
+                <a:rPr lang="en-US" sz="2400" i="1" dirty="0">
                   <a:latin typeface="Helvetica" charset="0"/>
                   <a:ea typeface="Helvetica" charset="0"/>
                   <a:cs typeface="Helvetica" charset="0"/>
                 </a:rPr>
-                <a:t>W = 500 mm</a:t>
+                <a:t>W</a:t>
               </a:r>
-              <a:endParaRPr lang="en-US" sz="2400" dirty="0">
-                <a:latin typeface="Helvetica" charset="0"/>
-                <a:ea typeface="Helvetica" charset="0"/>
-                <a:cs typeface="Helvetica" charset="0"/>
-              </a:endParaRPr>
+              <a:r>
+                <a:rPr lang="en-US" sz="2400" dirty="0">
+                  <a:latin typeface="Helvetica" charset="0"/>
+                  <a:ea typeface="Helvetica" charset="0"/>
+                  <a:cs typeface="Helvetica" charset="0"/>
+                </a:rPr>
+                <a:t> = 500 mm</a:t>
+              </a:r>
             </a:p>
           </p:txBody>
         </p:sp>
@@ -7090,7 +7061,9 @@
             </a:prstGeom>
             <a:ln w="22225">
               <a:solidFill>
-                <a:schemeClr val="bg2"/>
+                <a:schemeClr val="bg2">
+                  <a:lumMod val="75000"/>
+                </a:schemeClr>
               </a:solidFill>
               <a:prstDash val="sysDot"/>
             </a:ln>
@@ -7126,7 +7099,9 @@
             </a:prstGeom>
             <a:ln w="22225">
               <a:solidFill>
-                <a:schemeClr val="bg2"/>
+                <a:schemeClr val="bg2">
+                  <a:lumMod val="75000"/>
+                </a:schemeClr>
               </a:solidFill>
               <a:prstDash val="sysDot"/>
             </a:ln>
@@ -7169,10 +7144,9 @@
             <a:lstStyle/>
             <a:p>
               <a:r>
-                <a:rPr lang="en-US" sz="2800" smtClean="0"/>
+                <a:rPr lang="en-US" sz="2800"/>
                 <a:t>(L, W)</a:t>
               </a:r>
-              <a:endParaRPr lang="en-US" sz="2800"/>
             </a:p>
           </p:txBody>
         </p:sp>
@@ -7199,10 +7173,9 @@
             <a:lstStyle/>
             <a:p>
               <a:r>
-                <a:rPr lang="en-US" sz="2800" dirty="0" smtClean="0"/>
+                <a:rPr lang="en-US" sz="2800" dirty="0"/>
                 <a:t>(L, 0)</a:t>
               </a:r>
-              <a:endParaRPr lang="en-US" sz="2800" dirty="0"/>
             </a:p>
           </p:txBody>
         </p:sp>
@@ -7229,10 +7202,9 @@
             <a:lstStyle/>
             <a:p>
               <a:r>
-                <a:rPr lang="en-US" sz="2800" dirty="0" smtClean="0"/>
+                <a:rPr lang="en-US" sz="2800" dirty="0"/>
                 <a:t>(0, W)</a:t>
               </a:r>
-              <a:endParaRPr lang="en-US" sz="2800" dirty="0"/>
             </a:p>
           </p:txBody>
         </p:sp>
@@ -7259,10 +7231,9 @@
             <a:lstStyle/>
             <a:p>
               <a:r>
-                <a:rPr lang="en-US" sz="2800" dirty="0" smtClean="0"/>
+                <a:rPr lang="en-US" sz="2800" dirty="0"/>
                 <a:t>(0, 0)</a:t>
               </a:r>
-              <a:endParaRPr lang="en-US" sz="2800" dirty="0"/>
             </a:p>
           </p:txBody>
         </p:sp>
@@ -7277,7 +7248,7 @@
               <p:spPr>
                 <a:xfrm>
                   <a:off x="3727987" y="3380359"/>
-                  <a:ext cx="2262351" cy="523220"/>
+                  <a:ext cx="2279983" cy="523220"/>
                 </a:xfrm>
                 <a:prstGeom prst="rect">
                   <a:avLst/>
@@ -7291,7 +7262,7 @@
                 <a:lstStyle/>
                 <a:p>
                   <a:r>
-                    <a:rPr lang="en-US" sz="2800" dirty="0" smtClean="0">
+                    <a:rPr lang="en-US" sz="2800" dirty="0">
                       <a:solidFill>
                         <a:srgbClr val="FF0000"/>
                       </a:solidFill>
@@ -7307,7 +7278,7 @@
                               <a:solidFill>
                                 <a:srgbClr val="FF0000"/>
                               </a:solidFill>
-                              <a:latin typeface="Cambria Math" charset="0"/>
+                              <a:latin typeface="Cambria Math" panose="02040503050406030204" pitchFamily="18" charset="0"/>
                             </a:rPr>
                           </m:ctrlPr>
                         </m:sSubPr>
@@ -7350,7 +7321,7 @@
                               <a:solidFill>
                                 <a:srgbClr val="FF0000"/>
                               </a:solidFill>
-                              <a:latin typeface="Cambria Math" charset="0"/>
+                              <a:latin typeface="Cambria Math" panose="02040503050406030204" pitchFamily="18" charset="0"/>
                             </a:rPr>
                           </m:ctrlPr>
                         </m:sSubPr>
@@ -7384,7 +7355,7 @@
                               <a:solidFill>
                                 <a:srgbClr val="FF0000"/>
                               </a:solidFill>
-                              <a:latin typeface="Cambria Math" charset="0"/>
+                              <a:latin typeface="Cambria Math" panose="02040503050406030204" pitchFamily="18" charset="0"/>
                             </a:rPr>
                           </m:ctrlPr>
                         </m:sSubPr>
@@ -7438,24 +7409,21 @@
                               <a:solidFill>
                                 <a:srgbClr val="FF0000"/>
                               </a:solidFill>
-                              <a:latin typeface="Cambria Math" charset="0"/>
+                              <a:latin typeface="Cambria Math" panose="02040503050406030204" pitchFamily="18" charset="0"/>
                             </a:rPr>
                           </m:ctrlPr>
                         </m:sSubPr>
                         <m:e>
                           <m:r>
-                            <m:rPr>
-                              <m:sty m:val="p"/>
-                            </m:rPr>
                             <a:rPr lang="el-GR" sz="2800" i="1" smtClean="0">
                               <a:solidFill>
                                 <a:srgbClr val="FF0000"/>
                               </a:solidFill>
-                              <a:latin typeface="Cambria Math" charset="0"/>
-                              <a:ea typeface="Cambria Math" charset="0"/>
+                              <a:latin typeface="Cambria Math" panose="02040503050406030204" pitchFamily="18" charset="0"/>
+                              <a:ea typeface="Cambria Math" panose="02040503050406030204" pitchFamily="18" charset="0"/>
                               <a:cs typeface="Cambria Math" charset="0"/>
                             </a:rPr>
-                            <m:t>Ω</m:t>
+                            <m:t>𝜔</m:t>
                           </m:r>
                         </m:e>
                         <m:sub>
@@ -7502,15 +7470,15 @@
               <p:spPr>
                 <a:xfrm>
                   <a:off x="3727987" y="3380359"/>
-                  <a:ext cx="2262351" cy="523220"/>
+                  <a:ext cx="2279983" cy="523220"/>
                 </a:xfrm>
                 <a:prstGeom prst="rect">
                   <a:avLst/>
                 </a:prstGeom>
-                <a:blipFill rotWithShape="0">
+                <a:blipFill>
                   <a:blip r:embed="rId2"/>
                   <a:stretch>
-                    <a:fillRect l="-5391" t="-10465" b="-32558"/>
+                    <a:fillRect l="-5348" t="-10465" b="-32558"/>
                   </a:stretch>
                 </a:blipFill>
               </p:spPr>
@@ -7519,7 +7487,7 @@
                 <a:lstStyle/>
                 <a:p>
                   <a:r>
-                    <a:rPr lang="en-US">
+                    <a:rPr lang="zh-CN" altLang="en-US">
                       <a:noFill/>
                     </a:rPr>
                     <a:t> </a:t>
@@ -7575,8 +7543,8 @@
             </a:p>
           </p:txBody>
         </p:sp>
-        <mc:AlternateContent xmlns:mc="http://schemas.openxmlformats.org/markup-compatibility/2006">
-          <mc:Choice xmlns:a14="http://schemas.microsoft.com/office/drawing/2010/main" Requires="a14">
+        <mc:AlternateContent xmlns:mc="http://schemas.openxmlformats.org/markup-compatibility/2006" xmlns:a14="http://schemas.microsoft.com/office/drawing/2010/main">
+          <mc:Choice Requires="a14">
             <p:sp>
               <p:nvSpPr>
                 <p:cNvPr id="61" name="TextBox 60"/>
@@ -7599,6 +7567,7 @@
                 </a:bodyPr>
                 <a:lstStyle/>
                 <a:p>
+                  <a:pPr/>
                   <a14:m>
                     <m:oMathPara xmlns:m="http://schemas.openxmlformats.org/officeDocument/2006/math">
                       <m:oMathParaPr>
@@ -7609,7 +7578,7 @@
                           <m:sSubPr>
                             <m:ctrlPr>
                               <a:rPr lang="en-US" sz="2800" i="1" smtClean="0">
-                                <a:latin typeface="Cambria Math" charset="0"/>
+                                <a:latin typeface="Cambria Math" panose="02040503050406030204" pitchFamily="18" charset="0"/>
                               </a:rPr>
                             </m:ctrlPr>
                           </m:sSubPr>
@@ -7638,7 +7607,7 @@
               </p:txBody>
             </p:sp>
           </mc:Choice>
-          <mc:Fallback>
+          <mc:Fallback xmlns="">
             <p:sp>
               <p:nvSpPr>
                 <p:cNvPr id="61" name="TextBox 60"/>
@@ -7677,8 +7646,8 @@
             </p:sp>
           </mc:Fallback>
         </mc:AlternateContent>
-        <mc:AlternateContent xmlns:mc="http://schemas.openxmlformats.org/markup-compatibility/2006">
-          <mc:Choice xmlns:a14="http://schemas.microsoft.com/office/drawing/2010/main" Requires="a14">
+        <mc:AlternateContent xmlns:mc="http://schemas.openxmlformats.org/markup-compatibility/2006" xmlns:a14="http://schemas.microsoft.com/office/drawing/2010/main">
+          <mc:Choice Requires="a14">
             <p:sp>
               <p:nvSpPr>
                 <p:cNvPr id="62" name="TextBox 61"/>
@@ -7701,6 +7670,7 @@
                 </a:bodyPr>
                 <a:lstStyle/>
                 <a:p>
+                  <a:pPr/>
                   <a14:m>
                     <m:oMathPara xmlns:m="http://schemas.openxmlformats.org/officeDocument/2006/math">
                       <m:oMathParaPr>
@@ -7711,7 +7681,7 @@
                           <m:sSubPr>
                             <m:ctrlPr>
                               <a:rPr lang="en-US" sz="2800" i="1" smtClean="0">
-                                <a:latin typeface="Cambria Math" charset="0"/>
+                                <a:latin typeface="Cambria Math" panose="02040503050406030204" pitchFamily="18" charset="0"/>
                               </a:rPr>
                             </m:ctrlPr>
                           </m:sSubPr>
@@ -7740,7 +7710,7 @@
               </p:txBody>
             </p:sp>
           </mc:Choice>
-          <mc:Fallback>
+          <mc:Fallback xmlns="">
             <p:sp>
               <p:nvSpPr>
                 <p:cNvPr id="62" name="TextBox 61"/>
@@ -7801,7 +7771,7 @@
         <a:sysClr val="windowText" lastClr="000000"/>
       </a:dk1>
       <a:lt1>
-        <a:sysClr val="window" lastClr="FFFFFF"/>
+        <a:sysClr val="window" lastClr="CCE8CF"/>
       </a:lt1>
       <a:dk2>
         <a:srgbClr val="44546A"/>
@@ -8062,7 +8032,7 @@
         <a:sysClr val="windowText" lastClr="000000"/>
       </a:dk1>
       <a:lt1>
-        <a:sysClr val="window" lastClr="FFFFFF"/>
+        <a:sysClr val="window" lastClr="CCE8CF"/>
       </a:lt1>
       <a:dk2>
         <a:srgbClr val="44546A"/>
